--- a/Presentasi_UAS_Philoit.pptx
+++ b/Presentasi_UAS_Philoit.pptx
@@ -1,32 +1,32 @@
 
 <file path=ppt/presentation.xml><?xml version="1.0" encoding="utf-8"?>
-<p:presentation xmlns:a="http://schemas.openxmlformats.org/drawingml/2006/main" xmlns:r="http://schemas.openxmlformats.org/officeDocument/2006/relationships" xmlns:mc="http://schemas.openxmlformats.org/markup-compatibility/2006" xmlns:mv="urn:schemas-microsoft-com:mac:vml" xmlns:p="http://schemas.openxmlformats.org/presentationml/2006/main" xmlns:c="http://schemas.openxmlformats.org/drawingml/2006/chart" xmlns:dgm="http://schemas.openxmlformats.org/drawingml/2006/diagram" xmlns:o="urn:schemas-microsoft-com:office:office" xmlns:v="urn:schemas-microsoft-com:vml" xmlns:pvml="urn:schemas-microsoft-com:office:powerpoint" xmlns:com="http://schemas.openxmlformats.org/drawingml/2006/compatibility" xmlns:p14="http://schemas.microsoft.com/office/powerpoint/2010/main" xmlns:p15="http://schemas.microsoft.com/office/powerpoint/2012/main" xmlns:ahyp="http://schemas.microsoft.com/office/drawing/2018/hyperlinkcolor" autoCompressPictures="0" strictFirstAndLastChars="0" saveSubsetFonts="1">
+<p:presentation xmlns:a="http://schemas.openxmlformats.org/drawingml/2006/main" xmlns:r="http://schemas.openxmlformats.org/officeDocument/2006/relationships" xmlns:p="http://schemas.openxmlformats.org/presentationml/2006/main" strictFirstAndLastChars="0" saveSubsetFonts="1" autoCompressPictures="0">
   <p:sldMasterIdLst>
-    <p:sldMasterId id="2147483659" r:id="rId4"/>
+    <p:sldMasterId id="2147483659" r:id="rId1"/>
   </p:sldMasterIdLst>
   <p:notesMasterIdLst>
-    <p:notesMasterId r:id="rId5"/>
+    <p:notesMasterId r:id="rId16"/>
   </p:notesMasterIdLst>
   <p:sldIdLst>
-    <p:sldId id="256" r:id="rId6"/>
-    <p:sldId id="257" r:id="rId7"/>
-    <p:sldId id="258" r:id="rId8"/>
-    <p:sldId id="259" r:id="rId9"/>
-    <p:sldId id="260" r:id="rId10"/>
-    <p:sldId id="261" r:id="rId11"/>
-    <p:sldId id="262" r:id="rId12"/>
-    <p:sldId id="263" r:id="rId13"/>
-    <p:sldId id="264" r:id="rId14"/>
-    <p:sldId id="265" r:id="rId15"/>
-    <p:sldId id="266" r:id="rId16"/>
-    <p:sldId id="267" r:id="rId17"/>
-    <p:sldId id="268" r:id="rId18"/>
-    <p:sldId id="269" r:id="rId19"/>
+    <p:sldId id="256" r:id="rId2"/>
+    <p:sldId id="257" r:id="rId3"/>
+    <p:sldId id="258" r:id="rId4"/>
+    <p:sldId id="259" r:id="rId5"/>
+    <p:sldId id="260" r:id="rId6"/>
+    <p:sldId id="261" r:id="rId7"/>
+    <p:sldId id="262" r:id="rId8"/>
+    <p:sldId id="263" r:id="rId9"/>
+    <p:sldId id="264" r:id="rId10"/>
+    <p:sldId id="265" r:id="rId11"/>
+    <p:sldId id="266" r:id="rId12"/>
+    <p:sldId id="267" r:id="rId13"/>
+    <p:sldId id="268" r:id="rId14"/>
+    <p:sldId id="269" r:id="rId15"/>
   </p:sldIdLst>
-  <p:sldSz cy="5143500" cx="9144000"/>
+  <p:sldSz cx="9144000" cy="5143500" type="screen16x9"/>
   <p:notesSz cx="6858000" cy="9144000"/>
   <p:defaultTextStyle>
-    <a:defPPr lvl="0" marR="0" rtl="0" algn="l">
+    <a:defPPr marR="0" lvl="0" algn="l" rtl="0">
       <a:lnSpc>
         <a:spcPct val="100000"/>
       </a:lnSpc>
@@ -37,7 +37,7 @@
         <a:spcPts val="0"/>
       </a:spcAft>
     </a:defPPr>
-    <a:lvl1pPr lvl="0" marR="0" rtl="0" algn="l">
+    <a:lvl1pPr marR="0" lvl="0" algn="l" rtl="0">
       <a:lnSpc>
         <a:spcPct val="100000"/>
       </a:lnSpc>
@@ -51,7 +51,7 @@
         <a:srgbClr val="000000"/>
       </a:buClr>
       <a:buFont typeface="Arial"/>
-      <a:defRPr b="0" i="0" sz="1400" u="none" cap="none" strike="noStrike">
+      <a:defRPr sz="1400" b="0" i="0" u="none" strike="noStrike" cap="none">
         <a:solidFill>
           <a:srgbClr val="000000"/>
         </a:solidFill>
@@ -61,7 +61,7 @@
         <a:sym typeface="Arial"/>
       </a:defRPr>
     </a:lvl1pPr>
-    <a:lvl2pPr lvl="1" marR="0" rtl="0" algn="l">
+    <a:lvl2pPr marR="0" lvl="1" algn="l" rtl="0">
       <a:lnSpc>
         <a:spcPct val="100000"/>
       </a:lnSpc>
@@ -75,7 +75,7 @@
         <a:srgbClr val="000000"/>
       </a:buClr>
       <a:buFont typeface="Arial"/>
-      <a:defRPr b="0" i="0" sz="1400" u="none" cap="none" strike="noStrike">
+      <a:defRPr sz="1400" b="0" i="0" u="none" strike="noStrike" cap="none">
         <a:solidFill>
           <a:srgbClr val="000000"/>
         </a:solidFill>
@@ -85,7 +85,7 @@
         <a:sym typeface="Arial"/>
       </a:defRPr>
     </a:lvl2pPr>
-    <a:lvl3pPr lvl="2" marR="0" rtl="0" algn="l">
+    <a:lvl3pPr marR="0" lvl="2" algn="l" rtl="0">
       <a:lnSpc>
         <a:spcPct val="100000"/>
       </a:lnSpc>
@@ -99,7 +99,7 @@
         <a:srgbClr val="000000"/>
       </a:buClr>
       <a:buFont typeface="Arial"/>
-      <a:defRPr b="0" i="0" sz="1400" u="none" cap="none" strike="noStrike">
+      <a:defRPr sz="1400" b="0" i="0" u="none" strike="noStrike" cap="none">
         <a:solidFill>
           <a:srgbClr val="000000"/>
         </a:solidFill>
@@ -109,7 +109,7 @@
         <a:sym typeface="Arial"/>
       </a:defRPr>
     </a:lvl3pPr>
-    <a:lvl4pPr lvl="3" marR="0" rtl="0" algn="l">
+    <a:lvl4pPr marR="0" lvl="3" algn="l" rtl="0">
       <a:lnSpc>
         <a:spcPct val="100000"/>
       </a:lnSpc>
@@ -123,7 +123,7 @@
         <a:srgbClr val="000000"/>
       </a:buClr>
       <a:buFont typeface="Arial"/>
-      <a:defRPr b="0" i="0" sz="1400" u="none" cap="none" strike="noStrike">
+      <a:defRPr sz="1400" b="0" i="0" u="none" strike="noStrike" cap="none">
         <a:solidFill>
           <a:srgbClr val="000000"/>
         </a:solidFill>
@@ -133,7 +133,7 @@
         <a:sym typeface="Arial"/>
       </a:defRPr>
     </a:lvl4pPr>
-    <a:lvl5pPr lvl="4" marR="0" rtl="0" algn="l">
+    <a:lvl5pPr marR="0" lvl="4" algn="l" rtl="0">
       <a:lnSpc>
         <a:spcPct val="100000"/>
       </a:lnSpc>
@@ -147,7 +147,7 @@
         <a:srgbClr val="000000"/>
       </a:buClr>
       <a:buFont typeface="Arial"/>
-      <a:defRPr b="0" i="0" sz="1400" u="none" cap="none" strike="noStrike">
+      <a:defRPr sz="1400" b="0" i="0" u="none" strike="noStrike" cap="none">
         <a:solidFill>
           <a:srgbClr val="000000"/>
         </a:solidFill>
@@ -157,7 +157,7 @@
         <a:sym typeface="Arial"/>
       </a:defRPr>
     </a:lvl5pPr>
-    <a:lvl6pPr lvl="5" marR="0" rtl="0" algn="l">
+    <a:lvl6pPr marR="0" lvl="5" algn="l" rtl="0">
       <a:lnSpc>
         <a:spcPct val="100000"/>
       </a:lnSpc>
@@ -171,7 +171,7 @@
         <a:srgbClr val="000000"/>
       </a:buClr>
       <a:buFont typeface="Arial"/>
-      <a:defRPr b="0" i="0" sz="1400" u="none" cap="none" strike="noStrike">
+      <a:defRPr sz="1400" b="0" i="0" u="none" strike="noStrike" cap="none">
         <a:solidFill>
           <a:srgbClr val="000000"/>
         </a:solidFill>
@@ -181,7 +181,7 @@
         <a:sym typeface="Arial"/>
       </a:defRPr>
     </a:lvl6pPr>
-    <a:lvl7pPr lvl="6" marR="0" rtl="0" algn="l">
+    <a:lvl7pPr marR="0" lvl="6" algn="l" rtl="0">
       <a:lnSpc>
         <a:spcPct val="100000"/>
       </a:lnSpc>
@@ -195,7 +195,7 @@
         <a:srgbClr val="000000"/>
       </a:buClr>
       <a:buFont typeface="Arial"/>
-      <a:defRPr b="0" i="0" sz="1400" u="none" cap="none" strike="noStrike">
+      <a:defRPr sz="1400" b="0" i="0" u="none" strike="noStrike" cap="none">
         <a:solidFill>
           <a:srgbClr val="000000"/>
         </a:solidFill>
@@ -205,7 +205,7 @@
         <a:sym typeface="Arial"/>
       </a:defRPr>
     </a:lvl7pPr>
-    <a:lvl8pPr lvl="7" marR="0" rtl="0" algn="l">
+    <a:lvl8pPr marR="0" lvl="7" algn="l" rtl="0">
       <a:lnSpc>
         <a:spcPct val="100000"/>
       </a:lnSpc>
@@ -219,7 +219,7 @@
         <a:srgbClr val="000000"/>
       </a:buClr>
       <a:buFont typeface="Arial"/>
-      <a:defRPr b="0" i="0" sz="1400" u="none" cap="none" strike="noStrike">
+      <a:defRPr sz="1400" b="0" i="0" u="none" strike="noStrike" cap="none">
         <a:solidFill>
           <a:srgbClr val="000000"/>
         </a:solidFill>
@@ -229,7 +229,7 @@
         <a:sym typeface="Arial"/>
       </a:defRPr>
     </a:lvl8pPr>
-    <a:lvl9pPr lvl="8" marR="0" rtl="0" algn="l">
+    <a:lvl9pPr marR="0" lvl="8" algn="l" rtl="0">
       <a:lnSpc>
         <a:spcPct val="100000"/>
       </a:lnSpc>
@@ -243,7 +243,7 @@
         <a:srgbClr val="000000"/>
       </a:buClr>
       <a:buFont typeface="Arial"/>
-      <a:defRPr b="0" i="0" sz="1400" u="none" cap="none" strike="noStrike">
+      <a:defRPr sz="1400" b="0" i="0" u="none" strike="noStrike" cap="none">
         <a:solidFill>
           <a:srgbClr val="000000"/>
         </a:solidFill>
@@ -256,7 +256,7 @@
   </p:defaultTextStyle>
   <p:extLst>
     <p:ext uri="{EFAFB233-063F-42B5-8137-9DF3F51BA10A}">
-      <p15:sldGuideLst>
+      <p15:sldGuideLst xmlns:p15="http://schemas.microsoft.com/office/powerpoint/2012/main">
         <p15:guide id="1" orient="horz" pos="1620">
           <p15:clr>
             <a:srgbClr val="A4A3A4"/>
@@ -274,11 +274,16 @@
 </file>
 
 <file path=ppt/notesMasters/notesMaster1.xml><?xml version="1.0" encoding="utf-8"?>
-<p:notesMaster xmlns:a="http://schemas.openxmlformats.org/drawingml/2006/main" xmlns:r="http://schemas.openxmlformats.org/officeDocument/2006/relationships" xmlns:mc="http://schemas.openxmlformats.org/markup-compatibility/2006" xmlns:mv="urn:schemas-microsoft-com:mac:vml" xmlns:p="http://schemas.openxmlformats.org/presentationml/2006/main" xmlns:c="http://schemas.openxmlformats.org/drawingml/2006/chart" xmlns:dgm="http://schemas.openxmlformats.org/drawingml/2006/diagram" xmlns:o="urn:schemas-microsoft-com:office:office" xmlns:v="urn:schemas-microsoft-com:vml" xmlns:pvml="urn:schemas-microsoft-com:office:powerpoint" xmlns:com="http://schemas.openxmlformats.org/drawingml/2006/compatibility" xmlns:p14="http://schemas.microsoft.com/office/powerpoint/2010/main" xmlns:p15="http://schemas.microsoft.com/office/powerpoint/2012/main" xmlns:ahyp="http://schemas.microsoft.com/office/drawing/2018/hyperlinkcolor">
+<p:notesMaster xmlns:a="http://schemas.openxmlformats.org/drawingml/2006/main" xmlns:r="http://schemas.openxmlformats.org/officeDocument/2006/relationships" xmlns:p="http://schemas.openxmlformats.org/presentationml/2006/main">
   <p:cSld>
+    <p:bg>
+      <p:bgRef idx="1001">
+        <a:schemeClr val="bg1"/>
+      </p:bgRef>
+    </p:bg>
     <p:spTree>
       <p:nvGrpSpPr>
-        <p:cNvPr id="2" name="Shape 2"/>
+        <p:cNvPr id="1" name="Shape 2"/>
         <p:cNvGrpSpPr/>
         <p:nvPr/>
       </p:nvGrpSpPr>
@@ -293,9 +298,11 @@
       <p:sp>
         <p:nvSpPr>
           <p:cNvPr id="3" name="Google Shape;3;n"/>
-          <p:cNvSpPr/>
+          <p:cNvSpPr>
+            <a:spLocks noGrp="1" noRot="1" noChangeAspect="1"/>
+          </p:cNvSpPr>
           <p:nvPr>
-            <p:ph idx="2" type="sldImg"/>
+            <p:ph type="sldImg" idx="2"/>
           </p:nvPr>
         </p:nvSpPr>
         <p:spPr>
@@ -304,9 +311,13 @@
             <a:ext cx="6096075" cy="3429000"/>
           </a:xfrm>
           <a:custGeom>
-            <a:rect b="b" l="l" r="r" t="t"/>
+            <a:avLst/>
+            <a:gdLst/>
+            <a:ahLst/>
+            <a:cxnLst/>
+            <a:rect l="l" t="t" r="r" b="b"/>
             <a:pathLst>
-              <a:path extrusionOk="0" h="120000" w="120000">
+              <a:path w="120000" h="120000" extrusionOk="0">
                 <a:moveTo>
                   <a:pt x="0" y="0"/>
                 </a:moveTo>
@@ -324,23 +335,25 @@
             </a:pathLst>
           </a:custGeom>
           <a:noFill/>
-          <a:ln cap="flat" cmpd="sng" w="9525">
+          <a:ln w="9525" cap="flat" cmpd="sng">
             <a:solidFill>
               <a:srgbClr val="000000"/>
             </a:solidFill>
             <a:prstDash val="solid"/>
             <a:round/>
-            <a:headEnd len="sm" w="sm" type="none"/>
-            <a:tailEnd len="sm" w="sm" type="none"/>
+            <a:headEnd type="none" w="sm" len="sm"/>
+            <a:tailEnd type="none" w="sm" len="sm"/>
           </a:ln>
         </p:spPr>
       </p:sp>
       <p:sp>
         <p:nvSpPr>
           <p:cNvPr id="4" name="Google Shape;4;n"/>
-          <p:cNvSpPr txBox="1"/>
+          <p:cNvSpPr txBox="1">
+            <a:spLocks noGrp="1"/>
+          </p:cNvSpPr>
           <p:nvPr>
-            <p:ph idx="1" type="body"/>
+            <p:ph type="body" idx="1"/>
           </p:nvPr>
         </p:nvSpPr>
         <p:spPr>
@@ -357,11 +370,11 @@
           </a:ln>
         </p:spPr>
         <p:txBody>
-          <a:bodyPr anchorCtr="0" anchor="t" bIns="91425" lIns="91425" spcFirstLastPara="1" rIns="91425" wrap="square" tIns="91425">
+          <a:bodyPr spcFirstLastPara="1" wrap="square" lIns="91425" tIns="91425" rIns="91425" bIns="91425" anchor="t" anchorCtr="0">
             <a:noAutofit/>
           </a:bodyPr>
           <a:lstStyle>
-            <a:lvl1pPr indent="-298450" lvl="0" marL="457200">
+            <a:lvl1pPr marL="457200" lvl="0" indent="-298450">
               <a:spcBef>
                 <a:spcPts val="0"/>
               </a:spcBef>
@@ -372,7 +385,7 @@
               <a:buChar char="●"/>
               <a:defRPr sz="1100"/>
             </a:lvl1pPr>
-            <a:lvl2pPr indent="-298450" lvl="1" marL="914400">
+            <a:lvl2pPr marL="914400" lvl="1" indent="-298450">
               <a:spcBef>
                 <a:spcPts val="0"/>
               </a:spcBef>
@@ -383,7 +396,7 @@
               <a:buChar char="○"/>
               <a:defRPr sz="1100"/>
             </a:lvl2pPr>
-            <a:lvl3pPr indent="-298450" lvl="2" marL="1371600">
+            <a:lvl3pPr marL="1371600" lvl="2" indent="-298450">
               <a:spcBef>
                 <a:spcPts val="0"/>
               </a:spcBef>
@@ -394,7 +407,7 @@
               <a:buChar char="■"/>
               <a:defRPr sz="1100"/>
             </a:lvl3pPr>
-            <a:lvl4pPr indent="-298450" lvl="3" marL="1828800">
+            <a:lvl4pPr marL="1828800" lvl="3" indent="-298450">
               <a:spcBef>
                 <a:spcPts val="0"/>
               </a:spcBef>
@@ -405,7 +418,7 @@
               <a:buChar char="●"/>
               <a:defRPr sz="1100"/>
             </a:lvl4pPr>
-            <a:lvl5pPr indent="-298450" lvl="4" marL="2286000">
+            <a:lvl5pPr marL="2286000" lvl="4" indent="-298450">
               <a:spcBef>
                 <a:spcPts val="0"/>
               </a:spcBef>
@@ -416,7 +429,7 @@
               <a:buChar char="○"/>
               <a:defRPr sz="1100"/>
             </a:lvl5pPr>
-            <a:lvl6pPr indent="-298450" lvl="5" marL="2743200">
+            <a:lvl6pPr marL="2743200" lvl="5" indent="-298450">
               <a:spcBef>
                 <a:spcPts val="0"/>
               </a:spcBef>
@@ -427,7 +440,7 @@
               <a:buChar char="■"/>
               <a:defRPr sz="1100"/>
             </a:lvl6pPr>
-            <a:lvl7pPr indent="-298450" lvl="6" marL="3200400">
+            <a:lvl7pPr marL="3200400" lvl="6" indent="-298450">
               <a:spcBef>
                 <a:spcPts val="0"/>
               </a:spcBef>
@@ -438,7 +451,7 @@
               <a:buChar char="●"/>
               <a:defRPr sz="1100"/>
             </a:lvl7pPr>
-            <a:lvl8pPr indent="-298450" lvl="7" marL="3657600">
+            <a:lvl8pPr marL="3657600" lvl="7" indent="-298450">
               <a:spcBef>
                 <a:spcPts val="0"/>
               </a:spcBef>
@@ -449,7 +462,7 @@
               <a:buChar char="○"/>
               <a:defRPr sz="1100"/>
             </a:lvl8pPr>
-            <a:lvl9pPr indent="-298450" lvl="8" marL="4114800">
+            <a:lvl9pPr marL="4114800" lvl="8" indent="-298450">
               <a:spcBef>
                 <a:spcPts val="0"/>
               </a:spcBef>
@@ -461,14 +474,16 @@
               <a:defRPr sz="1100"/>
             </a:lvl9pPr>
           </a:lstStyle>
-          <a:p/>
+          <a:p>
+            <a:endParaRPr/>
+          </a:p>
         </p:txBody>
       </p:sp>
     </p:spTree>
   </p:cSld>
-  <p:clrMap accent1="accent1" accent2="accent2" accent3="accent3" accent4="accent4" accent5="accent5" accent6="accent6" bg1="lt1" bg2="dk2" tx1="dk1" tx2="lt2" folHlink="folHlink" hlink="hlink"/>
+  <p:clrMap bg1="lt1" tx1="dk1" bg2="dk2" tx2="lt2" accent1="accent1" accent2="accent2" accent3="accent3" accent4="accent4" accent5="accent5" accent6="accent6" hlink="hlink" folHlink="folHlink"/>
   <p:notesStyle>
-    <a:defPPr lvl="0" marR="0" rtl="0" algn="l">
+    <a:defPPr marR="0" lvl="0" algn="l" rtl="0">
       <a:lnSpc>
         <a:spcPct val="100000"/>
       </a:lnSpc>
@@ -479,7 +494,7 @@
         <a:spcPts val="0"/>
       </a:spcAft>
     </a:defPPr>
-    <a:lvl1pPr lvl="0" marR="0" rtl="0" algn="l">
+    <a:lvl1pPr marR="0" lvl="0" algn="l" rtl="0">
       <a:lnSpc>
         <a:spcPct val="100000"/>
       </a:lnSpc>
@@ -493,7 +508,7 @@
         <a:srgbClr val="000000"/>
       </a:buClr>
       <a:buFont typeface="Arial"/>
-      <a:defRPr b="0" i="0" sz="1400" u="none" cap="none" strike="noStrike">
+      <a:defRPr sz="1400" b="0" i="0" u="none" strike="noStrike" cap="none">
         <a:solidFill>
           <a:srgbClr val="000000"/>
         </a:solidFill>
@@ -503,7 +518,7 @@
         <a:sym typeface="Arial"/>
       </a:defRPr>
     </a:lvl1pPr>
-    <a:lvl2pPr lvl="1" marR="0" rtl="0" algn="l">
+    <a:lvl2pPr marR="0" lvl="1" algn="l" rtl="0">
       <a:lnSpc>
         <a:spcPct val="100000"/>
       </a:lnSpc>
@@ -517,7 +532,7 @@
         <a:srgbClr val="000000"/>
       </a:buClr>
       <a:buFont typeface="Arial"/>
-      <a:defRPr b="0" i="0" sz="1400" u="none" cap="none" strike="noStrike">
+      <a:defRPr sz="1400" b="0" i="0" u="none" strike="noStrike" cap="none">
         <a:solidFill>
           <a:srgbClr val="000000"/>
         </a:solidFill>
@@ -527,7 +542,7 @@
         <a:sym typeface="Arial"/>
       </a:defRPr>
     </a:lvl2pPr>
-    <a:lvl3pPr lvl="2" marR="0" rtl="0" algn="l">
+    <a:lvl3pPr marR="0" lvl="2" algn="l" rtl="0">
       <a:lnSpc>
         <a:spcPct val="100000"/>
       </a:lnSpc>
@@ -541,7 +556,7 @@
         <a:srgbClr val="000000"/>
       </a:buClr>
       <a:buFont typeface="Arial"/>
-      <a:defRPr b="0" i="0" sz="1400" u="none" cap="none" strike="noStrike">
+      <a:defRPr sz="1400" b="0" i="0" u="none" strike="noStrike" cap="none">
         <a:solidFill>
           <a:srgbClr val="000000"/>
         </a:solidFill>
@@ -551,7 +566,7 @@
         <a:sym typeface="Arial"/>
       </a:defRPr>
     </a:lvl3pPr>
-    <a:lvl4pPr lvl="3" marR="0" rtl="0" algn="l">
+    <a:lvl4pPr marR="0" lvl="3" algn="l" rtl="0">
       <a:lnSpc>
         <a:spcPct val="100000"/>
       </a:lnSpc>
@@ -565,7 +580,7 @@
         <a:srgbClr val="000000"/>
       </a:buClr>
       <a:buFont typeface="Arial"/>
-      <a:defRPr b="0" i="0" sz="1400" u="none" cap="none" strike="noStrike">
+      <a:defRPr sz="1400" b="0" i="0" u="none" strike="noStrike" cap="none">
         <a:solidFill>
           <a:srgbClr val="000000"/>
         </a:solidFill>
@@ -575,7 +590,7 @@
         <a:sym typeface="Arial"/>
       </a:defRPr>
     </a:lvl4pPr>
-    <a:lvl5pPr lvl="4" marR="0" rtl="0" algn="l">
+    <a:lvl5pPr marR="0" lvl="4" algn="l" rtl="0">
       <a:lnSpc>
         <a:spcPct val="100000"/>
       </a:lnSpc>
@@ -589,7 +604,7 @@
         <a:srgbClr val="000000"/>
       </a:buClr>
       <a:buFont typeface="Arial"/>
-      <a:defRPr b="0" i="0" sz="1400" u="none" cap="none" strike="noStrike">
+      <a:defRPr sz="1400" b="0" i="0" u="none" strike="noStrike" cap="none">
         <a:solidFill>
           <a:srgbClr val="000000"/>
         </a:solidFill>
@@ -599,7 +614,7 @@
         <a:sym typeface="Arial"/>
       </a:defRPr>
     </a:lvl5pPr>
-    <a:lvl6pPr lvl="5" marR="0" rtl="0" algn="l">
+    <a:lvl6pPr marR="0" lvl="5" algn="l" rtl="0">
       <a:lnSpc>
         <a:spcPct val="100000"/>
       </a:lnSpc>
@@ -613,7 +628,7 @@
         <a:srgbClr val="000000"/>
       </a:buClr>
       <a:buFont typeface="Arial"/>
-      <a:defRPr b="0" i="0" sz="1400" u="none" cap="none" strike="noStrike">
+      <a:defRPr sz="1400" b="0" i="0" u="none" strike="noStrike" cap="none">
         <a:solidFill>
           <a:srgbClr val="000000"/>
         </a:solidFill>
@@ -623,7 +638,7 @@
         <a:sym typeface="Arial"/>
       </a:defRPr>
     </a:lvl6pPr>
-    <a:lvl7pPr lvl="6" marR="0" rtl="0" algn="l">
+    <a:lvl7pPr marR="0" lvl="6" algn="l" rtl="0">
       <a:lnSpc>
         <a:spcPct val="100000"/>
       </a:lnSpc>
@@ -637,7 +652,7 @@
         <a:srgbClr val="000000"/>
       </a:buClr>
       <a:buFont typeface="Arial"/>
-      <a:defRPr b="0" i="0" sz="1400" u="none" cap="none" strike="noStrike">
+      <a:defRPr sz="1400" b="0" i="0" u="none" strike="noStrike" cap="none">
         <a:solidFill>
           <a:srgbClr val="000000"/>
         </a:solidFill>
@@ -647,7 +662,7 @@
         <a:sym typeface="Arial"/>
       </a:defRPr>
     </a:lvl7pPr>
-    <a:lvl8pPr lvl="7" marR="0" rtl="0" algn="l">
+    <a:lvl8pPr marR="0" lvl="7" algn="l" rtl="0">
       <a:lnSpc>
         <a:spcPct val="100000"/>
       </a:lnSpc>
@@ -661,7 +676,7 @@
         <a:srgbClr val="000000"/>
       </a:buClr>
       <a:buFont typeface="Arial"/>
-      <a:defRPr b="0" i="0" sz="1400" u="none" cap="none" strike="noStrike">
+      <a:defRPr sz="1400" b="0" i="0" u="none" strike="noStrike" cap="none">
         <a:solidFill>
           <a:srgbClr val="000000"/>
         </a:solidFill>
@@ -671,7 +686,7 @@
         <a:sym typeface="Arial"/>
       </a:defRPr>
     </a:lvl8pPr>
-    <a:lvl9pPr lvl="8" marR="0" rtl="0" algn="l">
+    <a:lvl9pPr marR="0" lvl="8" algn="l" rtl="0">
       <a:lnSpc>
         <a:spcPct val="100000"/>
       </a:lnSpc>
@@ -685,7 +700,7 @@
         <a:srgbClr val="000000"/>
       </a:buClr>
       <a:buFont typeface="Arial"/>
-      <a:defRPr b="0" i="0" sz="1400" u="none" cap="none" strike="noStrike">
+      <a:defRPr sz="1400" b="0" i="0" u="none" strike="noStrike" cap="none">
         <a:solidFill>
           <a:srgbClr val="000000"/>
         </a:solidFill>
@@ -700,11 +715,11 @@
 </file>
 
 <file path=ppt/notesSlides/notesSlide1.xml><?xml version="1.0" encoding="utf-8"?>
-<p:notes xmlns:a="http://schemas.openxmlformats.org/drawingml/2006/main" xmlns:r="http://schemas.openxmlformats.org/officeDocument/2006/relationships" xmlns:mc="http://schemas.openxmlformats.org/markup-compatibility/2006" xmlns:mv="urn:schemas-microsoft-com:mac:vml" xmlns:p="http://schemas.openxmlformats.org/presentationml/2006/main" xmlns:c="http://schemas.openxmlformats.org/drawingml/2006/chart" xmlns:dgm="http://schemas.openxmlformats.org/drawingml/2006/diagram" xmlns:o="urn:schemas-microsoft-com:office:office" xmlns:v="urn:schemas-microsoft-com:vml" xmlns:pvml="urn:schemas-microsoft-com:office:powerpoint" xmlns:com="http://schemas.openxmlformats.org/drawingml/2006/compatibility" xmlns:p14="http://schemas.microsoft.com/office/powerpoint/2010/main" xmlns:p15="http://schemas.microsoft.com/office/powerpoint/2012/main" xmlns:ahyp="http://schemas.microsoft.com/office/drawing/2018/hyperlinkcolor" showMasterPhAnim="0" showMasterSp="0">
+<p:notes xmlns:a="http://schemas.openxmlformats.org/drawingml/2006/main" xmlns:r="http://schemas.openxmlformats.org/officeDocument/2006/relationships" xmlns:p="http://schemas.openxmlformats.org/presentationml/2006/main" showMasterSp="0" showMasterPhAnim="0">
   <p:cSld>
     <p:spTree>
       <p:nvGrpSpPr>
-        <p:cNvPr id="50" name="Shape 50"/>
+        <p:cNvPr id="1" name="Shape 50"/>
         <p:cNvGrpSpPr/>
         <p:nvPr/>
       </p:nvGrpSpPr>
@@ -719,9 +734,11 @@
       <p:sp>
         <p:nvSpPr>
           <p:cNvPr id="51" name="Google Shape;51;p:notes"/>
-          <p:cNvSpPr/>
+          <p:cNvSpPr>
+            <a:spLocks noGrp="1" noRot="1" noChangeAspect="1"/>
+          </p:cNvSpPr>
           <p:nvPr>
-            <p:ph idx="2" type="sldImg"/>
+            <p:ph type="sldImg" idx="2"/>
           </p:nvPr>
         </p:nvSpPr>
         <p:spPr>
@@ -730,9 +747,13 @@
             <a:ext cx="6096075" cy="3429000"/>
           </a:xfrm>
           <a:custGeom>
-            <a:rect b="b" l="l" r="r" t="t"/>
+            <a:avLst/>
+            <a:gdLst/>
+            <a:ahLst/>
+            <a:cxnLst/>
+            <a:rect l="l" t="t" r="r" b="b"/>
             <a:pathLst>
-              <a:path extrusionOk="0" h="120000" w="120000">
+              <a:path w="120000" h="120000" extrusionOk="0">
                 <a:moveTo>
                   <a:pt x="0" y="0"/>
                 </a:moveTo>
@@ -754,9 +775,11 @@
       <p:sp>
         <p:nvSpPr>
           <p:cNvPr id="52" name="Google Shape;52;p:notes"/>
-          <p:cNvSpPr txBox="1"/>
+          <p:cNvSpPr txBox="1">
+            <a:spLocks noGrp="1"/>
+          </p:cNvSpPr>
           <p:nvPr>
-            <p:ph idx="1" type="body"/>
+            <p:ph type="body" idx="1"/>
           </p:nvPr>
         </p:nvSpPr>
         <p:spPr>
@@ -769,12 +792,12 @@
           </a:prstGeom>
         </p:spPr>
         <p:txBody>
-          <a:bodyPr anchorCtr="0" anchor="t" bIns="91425" lIns="91425" spcFirstLastPara="1" rIns="91425" wrap="square" tIns="91425">
+          <a:bodyPr spcFirstLastPara="1" wrap="square" lIns="91425" tIns="91425" rIns="91425" bIns="91425" anchor="t" anchorCtr="0">
             <a:noAutofit/>
           </a:bodyPr>
           <a:lstStyle/>
           <a:p>
-            <a:pPr indent="0" lvl="0" marL="0" rtl="0" algn="l">
+            <a:pPr marL="0" lvl="0" indent="0" algn="l" rtl="0">
               <a:spcBef>
                 <a:spcPts val="0"/>
               </a:spcBef>
@@ -783,9 +806,6 @@
               </a:spcAft>
               <a:buNone/>
             </a:pPr>
-            <a:r>
-              <a:t/>
-            </a:r>
             <a:endParaRPr/>
           </a:p>
         </p:txBody>
@@ -799,11 +819,11 @@
 </file>
 
 <file path=ppt/notesSlides/notesSlide10.xml><?xml version="1.0" encoding="utf-8"?>
-<p:notes xmlns:a="http://schemas.openxmlformats.org/drawingml/2006/main" xmlns:r="http://schemas.openxmlformats.org/officeDocument/2006/relationships" xmlns:mc="http://schemas.openxmlformats.org/markup-compatibility/2006" xmlns:mv="urn:schemas-microsoft-com:mac:vml" xmlns:p="http://schemas.openxmlformats.org/presentationml/2006/main" xmlns:c="http://schemas.openxmlformats.org/drawingml/2006/chart" xmlns:dgm="http://schemas.openxmlformats.org/drawingml/2006/diagram" xmlns:o="urn:schemas-microsoft-com:office:office" xmlns:v="urn:schemas-microsoft-com:vml" xmlns:pvml="urn:schemas-microsoft-com:office:powerpoint" xmlns:com="http://schemas.openxmlformats.org/drawingml/2006/compatibility" xmlns:p14="http://schemas.microsoft.com/office/powerpoint/2010/main" xmlns:p15="http://schemas.microsoft.com/office/powerpoint/2012/main" xmlns:ahyp="http://schemas.microsoft.com/office/drawing/2018/hyperlinkcolor" showMasterPhAnim="0" showMasterSp="0">
+<p:notes xmlns:a="http://schemas.openxmlformats.org/drawingml/2006/main" xmlns:r="http://schemas.openxmlformats.org/officeDocument/2006/relationships" xmlns:p="http://schemas.openxmlformats.org/presentationml/2006/main" showMasterSp="0" showMasterPhAnim="0">
   <p:cSld>
     <p:spTree>
       <p:nvGrpSpPr>
-        <p:cNvPr id="108" name="Shape 108"/>
+        <p:cNvPr id="1" name="Shape 108"/>
         <p:cNvGrpSpPr/>
         <p:nvPr/>
       </p:nvGrpSpPr>
@@ -818,9 +838,11 @@
       <p:sp>
         <p:nvSpPr>
           <p:cNvPr id="109" name="Google Shape;109;ge293707a90_0_89:notes"/>
-          <p:cNvSpPr/>
+          <p:cNvSpPr>
+            <a:spLocks noGrp="1" noRot="1" noChangeAspect="1"/>
+          </p:cNvSpPr>
           <p:nvPr>
-            <p:ph idx="2" type="sldImg"/>
+            <p:ph type="sldImg" idx="2"/>
           </p:nvPr>
         </p:nvSpPr>
         <p:spPr>
@@ -829,9 +851,13 @@
             <a:ext cx="6096000" cy="3429000"/>
           </a:xfrm>
           <a:custGeom>
-            <a:rect b="b" l="l" r="r" t="t"/>
+            <a:avLst/>
+            <a:gdLst/>
+            <a:ahLst/>
+            <a:cxnLst/>
+            <a:rect l="l" t="t" r="r" b="b"/>
             <a:pathLst>
-              <a:path extrusionOk="0" h="120000" w="120000">
+              <a:path w="120000" h="120000" extrusionOk="0">
                 <a:moveTo>
                   <a:pt x="0" y="0"/>
                 </a:moveTo>
@@ -853,9 +879,11 @@
       <p:sp>
         <p:nvSpPr>
           <p:cNvPr id="110" name="Google Shape;110;ge293707a90_0_89:notes"/>
-          <p:cNvSpPr txBox="1"/>
+          <p:cNvSpPr txBox="1">
+            <a:spLocks noGrp="1"/>
+          </p:cNvSpPr>
           <p:nvPr>
-            <p:ph idx="1" type="body"/>
+            <p:ph type="body" idx="1"/>
           </p:nvPr>
         </p:nvSpPr>
         <p:spPr>
@@ -868,12 +896,12 @@
           </a:prstGeom>
         </p:spPr>
         <p:txBody>
-          <a:bodyPr anchorCtr="0" anchor="t" bIns="91425" lIns="91425" spcFirstLastPara="1" rIns="91425" wrap="square" tIns="91425">
+          <a:bodyPr spcFirstLastPara="1" wrap="square" lIns="91425" tIns="91425" rIns="91425" bIns="91425" anchor="t" anchorCtr="0">
             <a:noAutofit/>
           </a:bodyPr>
           <a:lstStyle/>
           <a:p>
-            <a:pPr indent="0" lvl="0" marL="0" rtl="0" algn="l">
+            <a:pPr marL="0" lvl="0" indent="0" algn="l" rtl="0">
               <a:spcBef>
                 <a:spcPts val="0"/>
               </a:spcBef>
@@ -882,9 +910,6 @@
               </a:spcAft>
               <a:buNone/>
             </a:pPr>
-            <a:r>
-              <a:t/>
-            </a:r>
             <a:endParaRPr/>
           </a:p>
         </p:txBody>
@@ -898,11 +923,11 @@
 </file>
 
 <file path=ppt/notesSlides/notesSlide11.xml><?xml version="1.0" encoding="utf-8"?>
-<p:notes xmlns:a="http://schemas.openxmlformats.org/drawingml/2006/main" xmlns:r="http://schemas.openxmlformats.org/officeDocument/2006/relationships" xmlns:mc="http://schemas.openxmlformats.org/markup-compatibility/2006" xmlns:mv="urn:schemas-microsoft-com:mac:vml" xmlns:p="http://schemas.openxmlformats.org/presentationml/2006/main" xmlns:c="http://schemas.openxmlformats.org/drawingml/2006/chart" xmlns:dgm="http://schemas.openxmlformats.org/drawingml/2006/diagram" xmlns:o="urn:schemas-microsoft-com:office:office" xmlns:v="urn:schemas-microsoft-com:vml" xmlns:pvml="urn:schemas-microsoft-com:office:powerpoint" xmlns:com="http://schemas.openxmlformats.org/drawingml/2006/compatibility" xmlns:p14="http://schemas.microsoft.com/office/powerpoint/2010/main" xmlns:p15="http://schemas.microsoft.com/office/powerpoint/2012/main" xmlns:ahyp="http://schemas.microsoft.com/office/drawing/2018/hyperlinkcolor" showMasterPhAnim="0" showMasterSp="0">
+<p:notes xmlns:a="http://schemas.openxmlformats.org/drawingml/2006/main" xmlns:r="http://schemas.openxmlformats.org/officeDocument/2006/relationships" xmlns:p="http://schemas.openxmlformats.org/presentationml/2006/main" showMasterSp="0" showMasterPhAnim="0">
   <p:cSld>
     <p:spTree>
       <p:nvGrpSpPr>
-        <p:cNvPr id="115" name="Shape 115"/>
+        <p:cNvPr id="1" name="Shape 115"/>
         <p:cNvGrpSpPr/>
         <p:nvPr/>
       </p:nvGrpSpPr>
@@ -917,9 +942,11 @@
       <p:sp>
         <p:nvSpPr>
           <p:cNvPr id="116" name="Google Shape;116;ge293707a90_0_96:notes"/>
-          <p:cNvSpPr/>
+          <p:cNvSpPr>
+            <a:spLocks noGrp="1" noRot="1" noChangeAspect="1"/>
+          </p:cNvSpPr>
           <p:nvPr>
-            <p:ph idx="2" type="sldImg"/>
+            <p:ph type="sldImg" idx="2"/>
           </p:nvPr>
         </p:nvSpPr>
         <p:spPr>
@@ -928,9 +955,13 @@
             <a:ext cx="6096000" cy="3429000"/>
           </a:xfrm>
           <a:custGeom>
-            <a:rect b="b" l="l" r="r" t="t"/>
+            <a:avLst/>
+            <a:gdLst/>
+            <a:ahLst/>
+            <a:cxnLst/>
+            <a:rect l="l" t="t" r="r" b="b"/>
             <a:pathLst>
-              <a:path extrusionOk="0" h="120000" w="120000">
+              <a:path w="120000" h="120000" extrusionOk="0">
                 <a:moveTo>
                   <a:pt x="0" y="0"/>
                 </a:moveTo>
@@ -952,9 +983,11 @@
       <p:sp>
         <p:nvSpPr>
           <p:cNvPr id="117" name="Google Shape;117;ge293707a90_0_96:notes"/>
-          <p:cNvSpPr txBox="1"/>
+          <p:cNvSpPr txBox="1">
+            <a:spLocks noGrp="1"/>
+          </p:cNvSpPr>
           <p:nvPr>
-            <p:ph idx="1" type="body"/>
+            <p:ph type="body" idx="1"/>
           </p:nvPr>
         </p:nvSpPr>
         <p:spPr>
@@ -967,12 +1000,12 @@
           </a:prstGeom>
         </p:spPr>
         <p:txBody>
-          <a:bodyPr anchorCtr="0" anchor="t" bIns="91425" lIns="91425" spcFirstLastPara="1" rIns="91425" wrap="square" tIns="91425">
+          <a:bodyPr spcFirstLastPara="1" wrap="square" lIns="91425" tIns="91425" rIns="91425" bIns="91425" anchor="t" anchorCtr="0">
             <a:noAutofit/>
           </a:bodyPr>
           <a:lstStyle/>
           <a:p>
-            <a:pPr indent="0" lvl="0" marL="0" rtl="0" algn="l">
+            <a:pPr marL="0" lvl="0" indent="0" algn="l" rtl="0">
               <a:spcBef>
                 <a:spcPts val="0"/>
               </a:spcBef>
@@ -981,9 +1014,6 @@
               </a:spcAft>
               <a:buNone/>
             </a:pPr>
-            <a:r>
-              <a:t/>
-            </a:r>
             <a:endParaRPr/>
           </a:p>
         </p:txBody>
@@ -997,11 +1027,11 @@
 </file>
 
 <file path=ppt/notesSlides/notesSlide12.xml><?xml version="1.0" encoding="utf-8"?>
-<p:notes xmlns:a="http://schemas.openxmlformats.org/drawingml/2006/main" xmlns:r="http://schemas.openxmlformats.org/officeDocument/2006/relationships" xmlns:mc="http://schemas.openxmlformats.org/markup-compatibility/2006" xmlns:mv="urn:schemas-microsoft-com:mac:vml" xmlns:p="http://schemas.openxmlformats.org/presentationml/2006/main" xmlns:c="http://schemas.openxmlformats.org/drawingml/2006/chart" xmlns:dgm="http://schemas.openxmlformats.org/drawingml/2006/diagram" xmlns:o="urn:schemas-microsoft-com:office:office" xmlns:v="urn:schemas-microsoft-com:vml" xmlns:pvml="urn:schemas-microsoft-com:office:powerpoint" xmlns:com="http://schemas.openxmlformats.org/drawingml/2006/compatibility" xmlns:p14="http://schemas.microsoft.com/office/powerpoint/2010/main" xmlns:p15="http://schemas.microsoft.com/office/powerpoint/2012/main" xmlns:ahyp="http://schemas.microsoft.com/office/drawing/2018/hyperlinkcolor" showMasterPhAnim="0" showMasterSp="0">
+<p:notes xmlns:a="http://schemas.openxmlformats.org/drawingml/2006/main" xmlns:r="http://schemas.openxmlformats.org/officeDocument/2006/relationships" xmlns:p="http://schemas.openxmlformats.org/presentationml/2006/main" showMasterSp="0" showMasterPhAnim="0">
   <p:cSld>
     <p:spTree>
       <p:nvGrpSpPr>
-        <p:cNvPr id="122" name="Shape 122"/>
+        <p:cNvPr id="1" name="Shape 122"/>
         <p:cNvGrpSpPr/>
         <p:nvPr/>
       </p:nvGrpSpPr>
@@ -1016,9 +1046,11 @@
       <p:sp>
         <p:nvSpPr>
           <p:cNvPr id="123" name="Google Shape;123;ge293707a90_0_102:notes"/>
-          <p:cNvSpPr/>
+          <p:cNvSpPr>
+            <a:spLocks noGrp="1" noRot="1" noChangeAspect="1"/>
+          </p:cNvSpPr>
           <p:nvPr>
-            <p:ph idx="2" type="sldImg"/>
+            <p:ph type="sldImg" idx="2"/>
           </p:nvPr>
         </p:nvSpPr>
         <p:spPr>
@@ -1027,9 +1059,13 @@
             <a:ext cx="6096000" cy="3429000"/>
           </a:xfrm>
           <a:custGeom>
-            <a:rect b="b" l="l" r="r" t="t"/>
+            <a:avLst/>
+            <a:gdLst/>
+            <a:ahLst/>
+            <a:cxnLst/>
+            <a:rect l="l" t="t" r="r" b="b"/>
             <a:pathLst>
-              <a:path extrusionOk="0" h="120000" w="120000">
+              <a:path w="120000" h="120000" extrusionOk="0">
                 <a:moveTo>
                   <a:pt x="0" y="0"/>
                 </a:moveTo>
@@ -1051,9 +1087,11 @@
       <p:sp>
         <p:nvSpPr>
           <p:cNvPr id="124" name="Google Shape;124;ge293707a90_0_102:notes"/>
-          <p:cNvSpPr txBox="1"/>
+          <p:cNvSpPr txBox="1">
+            <a:spLocks noGrp="1"/>
+          </p:cNvSpPr>
           <p:nvPr>
-            <p:ph idx="1" type="body"/>
+            <p:ph type="body" idx="1"/>
           </p:nvPr>
         </p:nvSpPr>
         <p:spPr>
@@ -1066,12 +1104,12 @@
           </a:prstGeom>
         </p:spPr>
         <p:txBody>
-          <a:bodyPr anchorCtr="0" anchor="t" bIns="91425" lIns="91425" spcFirstLastPara="1" rIns="91425" wrap="square" tIns="91425">
+          <a:bodyPr spcFirstLastPara="1" wrap="square" lIns="91425" tIns="91425" rIns="91425" bIns="91425" anchor="t" anchorCtr="0">
             <a:noAutofit/>
           </a:bodyPr>
           <a:lstStyle/>
           <a:p>
-            <a:pPr indent="0" lvl="0" marL="0" rtl="0" algn="l">
+            <a:pPr marL="0" lvl="0" indent="0" algn="l" rtl="0">
               <a:spcBef>
                 <a:spcPts val="0"/>
               </a:spcBef>
@@ -1080,9 +1118,6 @@
               </a:spcAft>
               <a:buNone/>
             </a:pPr>
-            <a:r>
-              <a:t/>
-            </a:r>
             <a:endParaRPr/>
           </a:p>
         </p:txBody>
@@ -1096,11 +1131,11 @@
 </file>
 
 <file path=ppt/notesSlides/notesSlide13.xml><?xml version="1.0" encoding="utf-8"?>
-<p:notes xmlns:a="http://schemas.openxmlformats.org/drawingml/2006/main" xmlns:r="http://schemas.openxmlformats.org/officeDocument/2006/relationships" xmlns:mc="http://schemas.openxmlformats.org/markup-compatibility/2006" xmlns:mv="urn:schemas-microsoft-com:mac:vml" xmlns:p="http://schemas.openxmlformats.org/presentationml/2006/main" xmlns:c="http://schemas.openxmlformats.org/drawingml/2006/chart" xmlns:dgm="http://schemas.openxmlformats.org/drawingml/2006/diagram" xmlns:o="urn:schemas-microsoft-com:office:office" xmlns:v="urn:schemas-microsoft-com:vml" xmlns:pvml="urn:schemas-microsoft-com:office:powerpoint" xmlns:com="http://schemas.openxmlformats.org/drawingml/2006/compatibility" xmlns:p14="http://schemas.microsoft.com/office/powerpoint/2010/main" xmlns:p15="http://schemas.microsoft.com/office/powerpoint/2012/main" xmlns:ahyp="http://schemas.microsoft.com/office/drawing/2018/hyperlinkcolor" showMasterPhAnim="0" showMasterSp="0">
+<p:notes xmlns:a="http://schemas.openxmlformats.org/drawingml/2006/main" xmlns:r="http://schemas.openxmlformats.org/officeDocument/2006/relationships" xmlns:p="http://schemas.openxmlformats.org/presentationml/2006/main" showMasterSp="0" showMasterPhAnim="0">
   <p:cSld>
     <p:spTree>
       <p:nvGrpSpPr>
-        <p:cNvPr id="128" name="Shape 128"/>
+        <p:cNvPr id="1" name="Shape 128"/>
         <p:cNvGrpSpPr/>
         <p:nvPr/>
       </p:nvGrpSpPr>
@@ -1115,9 +1150,11 @@
       <p:sp>
         <p:nvSpPr>
           <p:cNvPr id="129" name="Google Shape;129;ge293707a90_0_107:notes"/>
-          <p:cNvSpPr/>
+          <p:cNvSpPr>
+            <a:spLocks noGrp="1" noRot="1" noChangeAspect="1"/>
+          </p:cNvSpPr>
           <p:nvPr>
-            <p:ph idx="2" type="sldImg"/>
+            <p:ph type="sldImg" idx="2"/>
           </p:nvPr>
         </p:nvSpPr>
         <p:spPr>
@@ -1126,9 +1163,13 @@
             <a:ext cx="6096000" cy="3429000"/>
           </a:xfrm>
           <a:custGeom>
-            <a:rect b="b" l="l" r="r" t="t"/>
+            <a:avLst/>
+            <a:gdLst/>
+            <a:ahLst/>
+            <a:cxnLst/>
+            <a:rect l="l" t="t" r="r" b="b"/>
             <a:pathLst>
-              <a:path extrusionOk="0" h="120000" w="120000">
+              <a:path w="120000" h="120000" extrusionOk="0">
                 <a:moveTo>
                   <a:pt x="0" y="0"/>
                 </a:moveTo>
@@ -1150,9 +1191,11 @@
       <p:sp>
         <p:nvSpPr>
           <p:cNvPr id="130" name="Google Shape;130;ge293707a90_0_107:notes"/>
-          <p:cNvSpPr txBox="1"/>
+          <p:cNvSpPr txBox="1">
+            <a:spLocks noGrp="1"/>
+          </p:cNvSpPr>
           <p:nvPr>
-            <p:ph idx="1" type="body"/>
+            <p:ph type="body" idx="1"/>
           </p:nvPr>
         </p:nvSpPr>
         <p:spPr>
@@ -1165,12 +1208,12 @@
           </a:prstGeom>
         </p:spPr>
         <p:txBody>
-          <a:bodyPr anchorCtr="0" anchor="t" bIns="91425" lIns="91425" spcFirstLastPara="1" rIns="91425" wrap="square" tIns="91425">
+          <a:bodyPr spcFirstLastPara="1" wrap="square" lIns="91425" tIns="91425" rIns="91425" bIns="91425" anchor="t" anchorCtr="0">
             <a:noAutofit/>
           </a:bodyPr>
           <a:lstStyle/>
           <a:p>
-            <a:pPr indent="0" lvl="0" marL="0" rtl="0" algn="l">
+            <a:pPr marL="0" lvl="0" indent="0" algn="l" rtl="0">
               <a:spcBef>
                 <a:spcPts val="0"/>
               </a:spcBef>
@@ -1179,9 +1222,6 @@
               </a:spcAft>
               <a:buNone/>
             </a:pPr>
-            <a:r>
-              <a:t/>
-            </a:r>
             <a:endParaRPr/>
           </a:p>
         </p:txBody>
@@ -1195,11 +1235,11 @@
 </file>
 
 <file path=ppt/notesSlides/notesSlide14.xml><?xml version="1.0" encoding="utf-8"?>
-<p:notes xmlns:a="http://schemas.openxmlformats.org/drawingml/2006/main" xmlns:r="http://schemas.openxmlformats.org/officeDocument/2006/relationships" xmlns:mc="http://schemas.openxmlformats.org/markup-compatibility/2006" xmlns:mv="urn:schemas-microsoft-com:mac:vml" xmlns:p="http://schemas.openxmlformats.org/presentationml/2006/main" xmlns:c="http://schemas.openxmlformats.org/drawingml/2006/chart" xmlns:dgm="http://schemas.openxmlformats.org/drawingml/2006/diagram" xmlns:o="urn:schemas-microsoft-com:office:office" xmlns:v="urn:schemas-microsoft-com:vml" xmlns:pvml="urn:schemas-microsoft-com:office:powerpoint" xmlns:com="http://schemas.openxmlformats.org/drawingml/2006/compatibility" xmlns:p14="http://schemas.microsoft.com/office/powerpoint/2010/main" xmlns:p15="http://schemas.microsoft.com/office/powerpoint/2012/main" xmlns:ahyp="http://schemas.microsoft.com/office/drawing/2018/hyperlinkcolor" showMasterPhAnim="0" showMasterSp="0">
+<p:notes xmlns:a="http://schemas.openxmlformats.org/drawingml/2006/main" xmlns:r="http://schemas.openxmlformats.org/officeDocument/2006/relationships" xmlns:p="http://schemas.openxmlformats.org/presentationml/2006/main" showMasterSp="0" showMasterPhAnim="0">
   <p:cSld>
     <p:spTree>
       <p:nvGrpSpPr>
-        <p:cNvPr id="134" name="Shape 134"/>
+        <p:cNvPr id="1" name="Shape 134"/>
         <p:cNvGrpSpPr/>
         <p:nvPr/>
       </p:nvGrpSpPr>
@@ -1214,9 +1254,11 @@
       <p:sp>
         <p:nvSpPr>
           <p:cNvPr id="135" name="Google Shape;135;ge293707a90_0_112:notes"/>
-          <p:cNvSpPr/>
+          <p:cNvSpPr>
+            <a:spLocks noGrp="1" noRot="1" noChangeAspect="1"/>
+          </p:cNvSpPr>
           <p:nvPr>
-            <p:ph idx="2" type="sldImg"/>
+            <p:ph type="sldImg" idx="2"/>
           </p:nvPr>
         </p:nvSpPr>
         <p:spPr>
@@ -1225,9 +1267,13 @@
             <a:ext cx="6096000" cy="3429000"/>
           </a:xfrm>
           <a:custGeom>
-            <a:rect b="b" l="l" r="r" t="t"/>
+            <a:avLst/>
+            <a:gdLst/>
+            <a:ahLst/>
+            <a:cxnLst/>
+            <a:rect l="l" t="t" r="r" b="b"/>
             <a:pathLst>
-              <a:path extrusionOk="0" h="120000" w="120000">
+              <a:path w="120000" h="120000" extrusionOk="0">
                 <a:moveTo>
                   <a:pt x="0" y="0"/>
                 </a:moveTo>
@@ -1249,9 +1295,11 @@
       <p:sp>
         <p:nvSpPr>
           <p:cNvPr id="136" name="Google Shape;136;ge293707a90_0_112:notes"/>
-          <p:cNvSpPr txBox="1"/>
+          <p:cNvSpPr txBox="1">
+            <a:spLocks noGrp="1"/>
+          </p:cNvSpPr>
           <p:nvPr>
-            <p:ph idx="1" type="body"/>
+            <p:ph type="body" idx="1"/>
           </p:nvPr>
         </p:nvSpPr>
         <p:spPr>
@@ -1264,12 +1312,12 @@
           </a:prstGeom>
         </p:spPr>
         <p:txBody>
-          <a:bodyPr anchorCtr="0" anchor="t" bIns="91425" lIns="91425" spcFirstLastPara="1" rIns="91425" wrap="square" tIns="91425">
+          <a:bodyPr spcFirstLastPara="1" wrap="square" lIns="91425" tIns="91425" rIns="91425" bIns="91425" anchor="t" anchorCtr="0">
             <a:noAutofit/>
           </a:bodyPr>
           <a:lstStyle/>
           <a:p>
-            <a:pPr indent="0" lvl="0" marL="0" rtl="0" algn="l">
+            <a:pPr marL="0" lvl="0" indent="0" algn="l" rtl="0">
               <a:spcBef>
                 <a:spcPts val="0"/>
               </a:spcBef>
@@ -1278,9 +1326,6 @@
               </a:spcAft>
               <a:buNone/>
             </a:pPr>
-            <a:r>
-              <a:t/>
-            </a:r>
             <a:endParaRPr/>
           </a:p>
         </p:txBody>
@@ -1294,11 +1339,11 @@
 </file>
 
 <file path=ppt/notesSlides/notesSlide2.xml><?xml version="1.0" encoding="utf-8"?>
-<p:notes xmlns:a="http://schemas.openxmlformats.org/drawingml/2006/main" xmlns:r="http://schemas.openxmlformats.org/officeDocument/2006/relationships" xmlns:mc="http://schemas.openxmlformats.org/markup-compatibility/2006" xmlns:mv="urn:schemas-microsoft-com:mac:vml" xmlns:p="http://schemas.openxmlformats.org/presentationml/2006/main" xmlns:c="http://schemas.openxmlformats.org/drawingml/2006/chart" xmlns:dgm="http://schemas.openxmlformats.org/drawingml/2006/diagram" xmlns:o="urn:schemas-microsoft-com:office:office" xmlns:v="urn:schemas-microsoft-com:vml" xmlns:pvml="urn:schemas-microsoft-com:office:powerpoint" xmlns:com="http://schemas.openxmlformats.org/drawingml/2006/compatibility" xmlns:p14="http://schemas.microsoft.com/office/powerpoint/2010/main" xmlns:p15="http://schemas.microsoft.com/office/powerpoint/2012/main" xmlns:ahyp="http://schemas.microsoft.com/office/drawing/2018/hyperlinkcolor" showMasterPhAnim="0" showMasterSp="0">
+<p:notes xmlns:a="http://schemas.openxmlformats.org/drawingml/2006/main" xmlns:r="http://schemas.openxmlformats.org/officeDocument/2006/relationships" xmlns:p="http://schemas.openxmlformats.org/presentationml/2006/main" showMasterSp="0" showMasterPhAnim="0">
   <p:cSld>
     <p:spTree>
       <p:nvGrpSpPr>
-        <p:cNvPr id="56" name="Shape 56"/>
+        <p:cNvPr id="1" name="Shape 56"/>
         <p:cNvGrpSpPr/>
         <p:nvPr/>
       </p:nvGrpSpPr>
@@ -1313,9 +1358,11 @@
       <p:sp>
         <p:nvSpPr>
           <p:cNvPr id="57" name="Google Shape;57;ge293707a90_0_45:notes"/>
-          <p:cNvSpPr/>
+          <p:cNvSpPr>
+            <a:spLocks noGrp="1" noRot="1" noChangeAspect="1"/>
+          </p:cNvSpPr>
           <p:nvPr>
-            <p:ph idx="2" type="sldImg"/>
+            <p:ph type="sldImg" idx="2"/>
           </p:nvPr>
         </p:nvSpPr>
         <p:spPr>
@@ -1324,9 +1371,13 @@
             <a:ext cx="6096000" cy="3429000"/>
           </a:xfrm>
           <a:custGeom>
-            <a:rect b="b" l="l" r="r" t="t"/>
+            <a:avLst/>
+            <a:gdLst/>
+            <a:ahLst/>
+            <a:cxnLst/>
+            <a:rect l="l" t="t" r="r" b="b"/>
             <a:pathLst>
-              <a:path extrusionOk="0" h="120000" w="120000">
+              <a:path w="120000" h="120000" extrusionOk="0">
                 <a:moveTo>
                   <a:pt x="0" y="0"/>
                 </a:moveTo>
@@ -1348,9 +1399,11 @@
       <p:sp>
         <p:nvSpPr>
           <p:cNvPr id="58" name="Google Shape;58;ge293707a90_0_45:notes"/>
-          <p:cNvSpPr txBox="1"/>
+          <p:cNvSpPr txBox="1">
+            <a:spLocks noGrp="1"/>
+          </p:cNvSpPr>
           <p:nvPr>
-            <p:ph idx="1" type="body"/>
+            <p:ph type="body" idx="1"/>
           </p:nvPr>
         </p:nvSpPr>
         <p:spPr>
@@ -1363,12 +1416,12 @@
           </a:prstGeom>
         </p:spPr>
         <p:txBody>
-          <a:bodyPr anchorCtr="0" anchor="t" bIns="91425" lIns="91425" spcFirstLastPara="1" rIns="91425" wrap="square" tIns="91425">
+          <a:bodyPr spcFirstLastPara="1" wrap="square" lIns="91425" tIns="91425" rIns="91425" bIns="91425" anchor="t" anchorCtr="0">
             <a:noAutofit/>
           </a:bodyPr>
           <a:lstStyle/>
           <a:p>
-            <a:pPr indent="0" lvl="0" marL="0" rtl="0" algn="l">
+            <a:pPr marL="0" lvl="0" indent="0" algn="l" rtl="0">
               <a:spcBef>
                 <a:spcPts val="0"/>
               </a:spcBef>
@@ -1377,9 +1430,6 @@
               </a:spcAft>
               <a:buNone/>
             </a:pPr>
-            <a:r>
-              <a:t/>
-            </a:r>
             <a:endParaRPr/>
           </a:p>
         </p:txBody>
@@ -1393,11 +1443,11 @@
 </file>
 
 <file path=ppt/notesSlides/notesSlide3.xml><?xml version="1.0" encoding="utf-8"?>
-<p:notes xmlns:a="http://schemas.openxmlformats.org/drawingml/2006/main" xmlns:r="http://schemas.openxmlformats.org/officeDocument/2006/relationships" xmlns:mc="http://schemas.openxmlformats.org/markup-compatibility/2006" xmlns:mv="urn:schemas-microsoft-com:mac:vml" xmlns:p="http://schemas.openxmlformats.org/presentationml/2006/main" xmlns:c="http://schemas.openxmlformats.org/drawingml/2006/chart" xmlns:dgm="http://schemas.openxmlformats.org/drawingml/2006/diagram" xmlns:o="urn:schemas-microsoft-com:office:office" xmlns:v="urn:schemas-microsoft-com:vml" xmlns:pvml="urn:schemas-microsoft-com:office:powerpoint" xmlns:com="http://schemas.openxmlformats.org/drawingml/2006/compatibility" xmlns:p14="http://schemas.microsoft.com/office/powerpoint/2010/main" xmlns:p15="http://schemas.microsoft.com/office/powerpoint/2012/main" xmlns:ahyp="http://schemas.microsoft.com/office/drawing/2018/hyperlinkcolor" showMasterPhAnim="0" showMasterSp="0">
+<p:notes xmlns:a="http://schemas.openxmlformats.org/drawingml/2006/main" xmlns:r="http://schemas.openxmlformats.org/officeDocument/2006/relationships" xmlns:p="http://schemas.openxmlformats.org/presentationml/2006/main" showMasterSp="0" showMasterPhAnim="0">
   <p:cSld>
     <p:spTree>
       <p:nvGrpSpPr>
-        <p:cNvPr id="62" name="Shape 62"/>
+        <p:cNvPr id="1" name="Shape 62"/>
         <p:cNvGrpSpPr/>
         <p:nvPr/>
       </p:nvGrpSpPr>
@@ -1412,9 +1462,11 @@
       <p:sp>
         <p:nvSpPr>
           <p:cNvPr id="63" name="Google Shape;63;ge293707a90_0_50:notes"/>
-          <p:cNvSpPr/>
+          <p:cNvSpPr>
+            <a:spLocks noGrp="1" noRot="1" noChangeAspect="1"/>
+          </p:cNvSpPr>
           <p:nvPr>
-            <p:ph idx="2" type="sldImg"/>
+            <p:ph type="sldImg" idx="2"/>
           </p:nvPr>
         </p:nvSpPr>
         <p:spPr>
@@ -1423,9 +1475,13 @@
             <a:ext cx="6096000" cy="3429000"/>
           </a:xfrm>
           <a:custGeom>
-            <a:rect b="b" l="l" r="r" t="t"/>
+            <a:avLst/>
+            <a:gdLst/>
+            <a:ahLst/>
+            <a:cxnLst/>
+            <a:rect l="l" t="t" r="r" b="b"/>
             <a:pathLst>
-              <a:path extrusionOk="0" h="120000" w="120000">
+              <a:path w="120000" h="120000" extrusionOk="0">
                 <a:moveTo>
                   <a:pt x="0" y="0"/>
                 </a:moveTo>
@@ -1447,9 +1503,11 @@
       <p:sp>
         <p:nvSpPr>
           <p:cNvPr id="64" name="Google Shape;64;ge293707a90_0_50:notes"/>
-          <p:cNvSpPr txBox="1"/>
+          <p:cNvSpPr txBox="1">
+            <a:spLocks noGrp="1"/>
+          </p:cNvSpPr>
           <p:nvPr>
-            <p:ph idx="1" type="body"/>
+            <p:ph type="body" idx="1"/>
           </p:nvPr>
         </p:nvSpPr>
         <p:spPr>
@@ -1462,12 +1520,12 @@
           </a:prstGeom>
         </p:spPr>
         <p:txBody>
-          <a:bodyPr anchorCtr="0" anchor="t" bIns="91425" lIns="91425" spcFirstLastPara="1" rIns="91425" wrap="square" tIns="91425">
+          <a:bodyPr spcFirstLastPara="1" wrap="square" lIns="91425" tIns="91425" rIns="91425" bIns="91425" anchor="t" anchorCtr="0">
             <a:noAutofit/>
           </a:bodyPr>
           <a:lstStyle/>
           <a:p>
-            <a:pPr indent="0" lvl="0" marL="0" rtl="0" algn="l">
+            <a:pPr marL="0" lvl="0" indent="0" algn="l" rtl="0">
               <a:spcBef>
                 <a:spcPts val="0"/>
               </a:spcBef>
@@ -1476,9 +1534,6 @@
               </a:spcAft>
               <a:buNone/>
             </a:pPr>
-            <a:r>
-              <a:t/>
-            </a:r>
             <a:endParaRPr/>
           </a:p>
         </p:txBody>
@@ -1492,11 +1547,11 @@
 </file>
 
 <file path=ppt/notesSlides/notesSlide4.xml><?xml version="1.0" encoding="utf-8"?>
-<p:notes xmlns:a="http://schemas.openxmlformats.org/drawingml/2006/main" xmlns:r="http://schemas.openxmlformats.org/officeDocument/2006/relationships" xmlns:mc="http://schemas.openxmlformats.org/markup-compatibility/2006" xmlns:mv="urn:schemas-microsoft-com:mac:vml" xmlns:p="http://schemas.openxmlformats.org/presentationml/2006/main" xmlns:c="http://schemas.openxmlformats.org/drawingml/2006/chart" xmlns:dgm="http://schemas.openxmlformats.org/drawingml/2006/diagram" xmlns:o="urn:schemas-microsoft-com:office:office" xmlns:v="urn:schemas-microsoft-com:vml" xmlns:pvml="urn:schemas-microsoft-com:office:powerpoint" xmlns:com="http://schemas.openxmlformats.org/drawingml/2006/compatibility" xmlns:p14="http://schemas.microsoft.com/office/powerpoint/2010/main" xmlns:p15="http://schemas.microsoft.com/office/powerpoint/2012/main" xmlns:ahyp="http://schemas.microsoft.com/office/drawing/2018/hyperlinkcolor" showMasterPhAnim="0" showMasterSp="0">
+<p:notes xmlns:a="http://schemas.openxmlformats.org/drawingml/2006/main" xmlns:r="http://schemas.openxmlformats.org/officeDocument/2006/relationships" xmlns:p="http://schemas.openxmlformats.org/presentationml/2006/main" showMasterSp="0" showMasterPhAnim="0">
   <p:cSld>
     <p:spTree>
       <p:nvGrpSpPr>
-        <p:cNvPr id="68" name="Shape 68"/>
+        <p:cNvPr id="1" name="Shape 68"/>
         <p:cNvGrpSpPr/>
         <p:nvPr/>
       </p:nvGrpSpPr>
@@ -1511,9 +1566,11 @@
       <p:sp>
         <p:nvSpPr>
           <p:cNvPr id="69" name="Google Shape;69;ge293707a90_0_55:notes"/>
-          <p:cNvSpPr/>
+          <p:cNvSpPr>
+            <a:spLocks noGrp="1" noRot="1" noChangeAspect="1"/>
+          </p:cNvSpPr>
           <p:nvPr>
-            <p:ph idx="2" type="sldImg"/>
+            <p:ph type="sldImg" idx="2"/>
           </p:nvPr>
         </p:nvSpPr>
         <p:spPr>
@@ -1522,9 +1579,13 @@
             <a:ext cx="6096000" cy="3429000"/>
           </a:xfrm>
           <a:custGeom>
-            <a:rect b="b" l="l" r="r" t="t"/>
+            <a:avLst/>
+            <a:gdLst/>
+            <a:ahLst/>
+            <a:cxnLst/>
+            <a:rect l="l" t="t" r="r" b="b"/>
             <a:pathLst>
-              <a:path extrusionOk="0" h="120000" w="120000">
+              <a:path w="120000" h="120000" extrusionOk="0">
                 <a:moveTo>
                   <a:pt x="0" y="0"/>
                 </a:moveTo>
@@ -1546,9 +1607,11 @@
       <p:sp>
         <p:nvSpPr>
           <p:cNvPr id="70" name="Google Shape;70;ge293707a90_0_55:notes"/>
-          <p:cNvSpPr txBox="1"/>
+          <p:cNvSpPr txBox="1">
+            <a:spLocks noGrp="1"/>
+          </p:cNvSpPr>
           <p:nvPr>
-            <p:ph idx="1" type="body"/>
+            <p:ph type="body" idx="1"/>
           </p:nvPr>
         </p:nvSpPr>
         <p:spPr>
@@ -1561,12 +1624,12 @@
           </a:prstGeom>
         </p:spPr>
         <p:txBody>
-          <a:bodyPr anchorCtr="0" anchor="t" bIns="91425" lIns="91425" spcFirstLastPara="1" rIns="91425" wrap="square" tIns="91425">
+          <a:bodyPr spcFirstLastPara="1" wrap="square" lIns="91425" tIns="91425" rIns="91425" bIns="91425" anchor="t" anchorCtr="0">
             <a:noAutofit/>
           </a:bodyPr>
           <a:lstStyle/>
           <a:p>
-            <a:pPr indent="0" lvl="0" marL="0" rtl="0" algn="l">
+            <a:pPr marL="0" lvl="0" indent="0" algn="l" rtl="0">
               <a:spcBef>
                 <a:spcPts val="0"/>
               </a:spcBef>
@@ -1575,9 +1638,6 @@
               </a:spcAft>
               <a:buNone/>
             </a:pPr>
-            <a:r>
-              <a:t/>
-            </a:r>
             <a:endParaRPr/>
           </a:p>
         </p:txBody>
@@ -1591,11 +1651,11 @@
 </file>
 
 <file path=ppt/notesSlides/notesSlide5.xml><?xml version="1.0" encoding="utf-8"?>
-<p:notes xmlns:a="http://schemas.openxmlformats.org/drawingml/2006/main" xmlns:r="http://schemas.openxmlformats.org/officeDocument/2006/relationships" xmlns:mc="http://schemas.openxmlformats.org/markup-compatibility/2006" xmlns:mv="urn:schemas-microsoft-com:mac:vml" xmlns:p="http://schemas.openxmlformats.org/presentationml/2006/main" xmlns:c="http://schemas.openxmlformats.org/drawingml/2006/chart" xmlns:dgm="http://schemas.openxmlformats.org/drawingml/2006/diagram" xmlns:o="urn:schemas-microsoft-com:office:office" xmlns:v="urn:schemas-microsoft-com:vml" xmlns:pvml="urn:schemas-microsoft-com:office:powerpoint" xmlns:com="http://schemas.openxmlformats.org/drawingml/2006/compatibility" xmlns:p14="http://schemas.microsoft.com/office/powerpoint/2010/main" xmlns:p15="http://schemas.microsoft.com/office/powerpoint/2012/main" xmlns:ahyp="http://schemas.microsoft.com/office/drawing/2018/hyperlinkcolor" showMasterPhAnim="0" showMasterSp="0">
+<p:notes xmlns:a="http://schemas.openxmlformats.org/drawingml/2006/main" xmlns:r="http://schemas.openxmlformats.org/officeDocument/2006/relationships" xmlns:p="http://schemas.openxmlformats.org/presentationml/2006/main" showMasterSp="0" showMasterPhAnim="0">
   <p:cSld>
     <p:spTree>
       <p:nvGrpSpPr>
-        <p:cNvPr id="74" name="Shape 74"/>
+        <p:cNvPr id="1" name="Shape 74"/>
         <p:cNvGrpSpPr/>
         <p:nvPr/>
       </p:nvGrpSpPr>
@@ -1610,9 +1670,11 @@
       <p:sp>
         <p:nvSpPr>
           <p:cNvPr id="75" name="Google Shape;75;ge293707a90_0_60:notes"/>
-          <p:cNvSpPr/>
+          <p:cNvSpPr>
+            <a:spLocks noGrp="1" noRot="1" noChangeAspect="1"/>
+          </p:cNvSpPr>
           <p:nvPr>
-            <p:ph idx="2" type="sldImg"/>
+            <p:ph type="sldImg" idx="2"/>
           </p:nvPr>
         </p:nvSpPr>
         <p:spPr>
@@ -1621,9 +1683,13 @@
             <a:ext cx="6096000" cy="3429000"/>
           </a:xfrm>
           <a:custGeom>
-            <a:rect b="b" l="l" r="r" t="t"/>
+            <a:avLst/>
+            <a:gdLst/>
+            <a:ahLst/>
+            <a:cxnLst/>
+            <a:rect l="l" t="t" r="r" b="b"/>
             <a:pathLst>
-              <a:path extrusionOk="0" h="120000" w="120000">
+              <a:path w="120000" h="120000" extrusionOk="0">
                 <a:moveTo>
                   <a:pt x="0" y="0"/>
                 </a:moveTo>
@@ -1645,9 +1711,11 @@
       <p:sp>
         <p:nvSpPr>
           <p:cNvPr id="76" name="Google Shape;76;ge293707a90_0_60:notes"/>
-          <p:cNvSpPr txBox="1"/>
+          <p:cNvSpPr txBox="1">
+            <a:spLocks noGrp="1"/>
+          </p:cNvSpPr>
           <p:nvPr>
-            <p:ph idx="1" type="body"/>
+            <p:ph type="body" idx="1"/>
           </p:nvPr>
         </p:nvSpPr>
         <p:spPr>
@@ -1660,12 +1728,12 @@
           </a:prstGeom>
         </p:spPr>
         <p:txBody>
-          <a:bodyPr anchorCtr="0" anchor="t" bIns="91425" lIns="91425" spcFirstLastPara="1" rIns="91425" wrap="square" tIns="91425">
+          <a:bodyPr spcFirstLastPara="1" wrap="square" lIns="91425" tIns="91425" rIns="91425" bIns="91425" anchor="t" anchorCtr="0">
             <a:noAutofit/>
           </a:bodyPr>
           <a:lstStyle/>
           <a:p>
-            <a:pPr indent="0" lvl="0" marL="0" rtl="0" algn="l">
+            <a:pPr marL="0" lvl="0" indent="0" algn="l" rtl="0">
               <a:spcBef>
                 <a:spcPts val="0"/>
               </a:spcBef>
@@ -1674,9 +1742,6 @@
               </a:spcAft>
               <a:buNone/>
             </a:pPr>
-            <a:r>
-              <a:t/>
-            </a:r>
             <a:endParaRPr/>
           </a:p>
         </p:txBody>
@@ -1690,11 +1755,11 @@
 </file>
 
 <file path=ppt/notesSlides/notesSlide6.xml><?xml version="1.0" encoding="utf-8"?>
-<p:notes xmlns:a="http://schemas.openxmlformats.org/drawingml/2006/main" xmlns:r="http://schemas.openxmlformats.org/officeDocument/2006/relationships" xmlns:mc="http://schemas.openxmlformats.org/markup-compatibility/2006" xmlns:mv="urn:schemas-microsoft-com:mac:vml" xmlns:p="http://schemas.openxmlformats.org/presentationml/2006/main" xmlns:c="http://schemas.openxmlformats.org/drawingml/2006/chart" xmlns:dgm="http://schemas.openxmlformats.org/drawingml/2006/diagram" xmlns:o="urn:schemas-microsoft-com:office:office" xmlns:v="urn:schemas-microsoft-com:vml" xmlns:pvml="urn:schemas-microsoft-com:office:powerpoint" xmlns:com="http://schemas.openxmlformats.org/drawingml/2006/compatibility" xmlns:p14="http://schemas.microsoft.com/office/powerpoint/2010/main" xmlns:p15="http://schemas.microsoft.com/office/powerpoint/2012/main" xmlns:ahyp="http://schemas.microsoft.com/office/drawing/2018/hyperlinkcolor" showMasterPhAnim="0" showMasterSp="0">
+<p:notes xmlns:a="http://schemas.openxmlformats.org/drawingml/2006/main" xmlns:r="http://schemas.openxmlformats.org/officeDocument/2006/relationships" xmlns:p="http://schemas.openxmlformats.org/presentationml/2006/main" showMasterSp="0" showMasterPhAnim="0">
   <p:cSld>
     <p:spTree>
       <p:nvGrpSpPr>
-        <p:cNvPr id="80" name="Shape 80"/>
+        <p:cNvPr id="1" name="Shape 80"/>
         <p:cNvGrpSpPr/>
         <p:nvPr/>
       </p:nvGrpSpPr>
@@ -1709,9 +1774,11 @@
       <p:sp>
         <p:nvSpPr>
           <p:cNvPr id="81" name="Google Shape;81;ge293707a90_0_65:notes"/>
-          <p:cNvSpPr/>
+          <p:cNvSpPr>
+            <a:spLocks noGrp="1" noRot="1" noChangeAspect="1"/>
+          </p:cNvSpPr>
           <p:nvPr>
-            <p:ph idx="2" type="sldImg"/>
+            <p:ph type="sldImg" idx="2"/>
           </p:nvPr>
         </p:nvSpPr>
         <p:spPr>
@@ -1720,9 +1787,13 @@
             <a:ext cx="6096000" cy="3429000"/>
           </a:xfrm>
           <a:custGeom>
-            <a:rect b="b" l="l" r="r" t="t"/>
+            <a:avLst/>
+            <a:gdLst/>
+            <a:ahLst/>
+            <a:cxnLst/>
+            <a:rect l="l" t="t" r="r" b="b"/>
             <a:pathLst>
-              <a:path extrusionOk="0" h="120000" w="120000">
+              <a:path w="120000" h="120000" extrusionOk="0">
                 <a:moveTo>
                   <a:pt x="0" y="0"/>
                 </a:moveTo>
@@ -1744,9 +1815,11 @@
       <p:sp>
         <p:nvSpPr>
           <p:cNvPr id="82" name="Google Shape;82;ge293707a90_0_65:notes"/>
-          <p:cNvSpPr txBox="1"/>
+          <p:cNvSpPr txBox="1">
+            <a:spLocks noGrp="1"/>
+          </p:cNvSpPr>
           <p:nvPr>
-            <p:ph idx="1" type="body"/>
+            <p:ph type="body" idx="1"/>
           </p:nvPr>
         </p:nvSpPr>
         <p:spPr>
@@ -1759,12 +1832,12 @@
           </a:prstGeom>
         </p:spPr>
         <p:txBody>
-          <a:bodyPr anchorCtr="0" anchor="t" bIns="91425" lIns="91425" spcFirstLastPara="1" rIns="91425" wrap="square" tIns="91425">
+          <a:bodyPr spcFirstLastPara="1" wrap="square" lIns="91425" tIns="91425" rIns="91425" bIns="91425" anchor="t" anchorCtr="0">
             <a:noAutofit/>
           </a:bodyPr>
           <a:lstStyle/>
           <a:p>
-            <a:pPr indent="0" lvl="0" marL="0" rtl="0" algn="l">
+            <a:pPr marL="0" lvl="0" indent="0" algn="l" rtl="0">
               <a:spcBef>
                 <a:spcPts val="0"/>
               </a:spcBef>
@@ -1773,9 +1846,6 @@
               </a:spcAft>
               <a:buNone/>
             </a:pPr>
-            <a:r>
-              <a:t/>
-            </a:r>
             <a:endParaRPr/>
           </a:p>
         </p:txBody>
@@ -1789,11 +1859,11 @@
 </file>
 
 <file path=ppt/notesSlides/notesSlide7.xml><?xml version="1.0" encoding="utf-8"?>
-<p:notes xmlns:a="http://schemas.openxmlformats.org/drawingml/2006/main" xmlns:r="http://schemas.openxmlformats.org/officeDocument/2006/relationships" xmlns:mc="http://schemas.openxmlformats.org/markup-compatibility/2006" xmlns:mv="urn:schemas-microsoft-com:mac:vml" xmlns:p="http://schemas.openxmlformats.org/presentationml/2006/main" xmlns:c="http://schemas.openxmlformats.org/drawingml/2006/chart" xmlns:dgm="http://schemas.openxmlformats.org/drawingml/2006/diagram" xmlns:o="urn:schemas-microsoft-com:office:office" xmlns:v="urn:schemas-microsoft-com:vml" xmlns:pvml="urn:schemas-microsoft-com:office:powerpoint" xmlns:com="http://schemas.openxmlformats.org/drawingml/2006/compatibility" xmlns:p14="http://schemas.microsoft.com/office/powerpoint/2010/main" xmlns:p15="http://schemas.microsoft.com/office/powerpoint/2012/main" xmlns:ahyp="http://schemas.microsoft.com/office/drawing/2018/hyperlinkcolor" showMasterPhAnim="0" showMasterSp="0">
+<p:notes xmlns:a="http://schemas.openxmlformats.org/drawingml/2006/main" xmlns:r="http://schemas.openxmlformats.org/officeDocument/2006/relationships" xmlns:p="http://schemas.openxmlformats.org/presentationml/2006/main" showMasterSp="0" showMasterPhAnim="0">
   <p:cSld>
     <p:spTree>
       <p:nvGrpSpPr>
-        <p:cNvPr id="87" name="Shape 87"/>
+        <p:cNvPr id="1" name="Shape 87"/>
         <p:cNvGrpSpPr/>
         <p:nvPr/>
       </p:nvGrpSpPr>
@@ -1808,9 +1878,11 @@
       <p:sp>
         <p:nvSpPr>
           <p:cNvPr id="88" name="Google Shape;88;ge293707a90_0_71:notes"/>
-          <p:cNvSpPr/>
+          <p:cNvSpPr>
+            <a:spLocks noGrp="1" noRot="1" noChangeAspect="1"/>
+          </p:cNvSpPr>
           <p:nvPr>
-            <p:ph idx="2" type="sldImg"/>
+            <p:ph type="sldImg" idx="2"/>
           </p:nvPr>
         </p:nvSpPr>
         <p:spPr>
@@ -1819,9 +1891,13 @@
             <a:ext cx="6096000" cy="3429000"/>
           </a:xfrm>
           <a:custGeom>
-            <a:rect b="b" l="l" r="r" t="t"/>
+            <a:avLst/>
+            <a:gdLst/>
+            <a:ahLst/>
+            <a:cxnLst/>
+            <a:rect l="l" t="t" r="r" b="b"/>
             <a:pathLst>
-              <a:path extrusionOk="0" h="120000" w="120000">
+              <a:path w="120000" h="120000" extrusionOk="0">
                 <a:moveTo>
                   <a:pt x="0" y="0"/>
                 </a:moveTo>
@@ -1843,9 +1919,11 @@
       <p:sp>
         <p:nvSpPr>
           <p:cNvPr id="89" name="Google Shape;89;ge293707a90_0_71:notes"/>
-          <p:cNvSpPr txBox="1"/>
+          <p:cNvSpPr txBox="1">
+            <a:spLocks noGrp="1"/>
+          </p:cNvSpPr>
           <p:nvPr>
-            <p:ph idx="1" type="body"/>
+            <p:ph type="body" idx="1"/>
           </p:nvPr>
         </p:nvSpPr>
         <p:spPr>
@@ -1858,12 +1936,12 @@
           </a:prstGeom>
         </p:spPr>
         <p:txBody>
-          <a:bodyPr anchorCtr="0" anchor="t" bIns="91425" lIns="91425" spcFirstLastPara="1" rIns="91425" wrap="square" tIns="91425">
+          <a:bodyPr spcFirstLastPara="1" wrap="square" lIns="91425" tIns="91425" rIns="91425" bIns="91425" anchor="t" anchorCtr="0">
             <a:noAutofit/>
           </a:bodyPr>
           <a:lstStyle/>
           <a:p>
-            <a:pPr indent="0" lvl="0" marL="0" rtl="0" algn="l">
+            <a:pPr marL="0" lvl="0" indent="0" algn="l" rtl="0">
               <a:spcBef>
                 <a:spcPts val="0"/>
               </a:spcBef>
@@ -1872,9 +1950,6 @@
               </a:spcAft>
               <a:buNone/>
             </a:pPr>
-            <a:r>
-              <a:t/>
-            </a:r>
             <a:endParaRPr/>
           </a:p>
         </p:txBody>
@@ -1888,11 +1963,11 @@
 </file>
 
 <file path=ppt/notesSlides/notesSlide8.xml><?xml version="1.0" encoding="utf-8"?>
-<p:notes xmlns:a="http://schemas.openxmlformats.org/drawingml/2006/main" xmlns:r="http://schemas.openxmlformats.org/officeDocument/2006/relationships" xmlns:mc="http://schemas.openxmlformats.org/markup-compatibility/2006" xmlns:mv="urn:schemas-microsoft-com:mac:vml" xmlns:p="http://schemas.openxmlformats.org/presentationml/2006/main" xmlns:c="http://schemas.openxmlformats.org/drawingml/2006/chart" xmlns:dgm="http://schemas.openxmlformats.org/drawingml/2006/diagram" xmlns:o="urn:schemas-microsoft-com:office:office" xmlns:v="urn:schemas-microsoft-com:vml" xmlns:pvml="urn:schemas-microsoft-com:office:powerpoint" xmlns:com="http://schemas.openxmlformats.org/drawingml/2006/compatibility" xmlns:p14="http://schemas.microsoft.com/office/powerpoint/2010/main" xmlns:p15="http://schemas.microsoft.com/office/powerpoint/2012/main" xmlns:ahyp="http://schemas.microsoft.com/office/drawing/2018/hyperlinkcolor" showMasterPhAnim="0" showMasterSp="0">
+<p:notes xmlns:a="http://schemas.openxmlformats.org/drawingml/2006/main" xmlns:r="http://schemas.openxmlformats.org/officeDocument/2006/relationships" xmlns:p="http://schemas.openxmlformats.org/presentationml/2006/main" showMasterSp="0" showMasterPhAnim="0">
   <p:cSld>
     <p:spTree>
       <p:nvGrpSpPr>
-        <p:cNvPr id="94" name="Shape 94"/>
+        <p:cNvPr id="1" name="Shape 94"/>
         <p:cNvGrpSpPr/>
         <p:nvPr/>
       </p:nvGrpSpPr>
@@ -1907,9 +1982,11 @@
       <p:sp>
         <p:nvSpPr>
           <p:cNvPr id="95" name="Google Shape;95;ge293707a90_0_77:notes"/>
-          <p:cNvSpPr/>
+          <p:cNvSpPr>
+            <a:spLocks noGrp="1" noRot="1" noChangeAspect="1"/>
+          </p:cNvSpPr>
           <p:nvPr>
-            <p:ph idx="2" type="sldImg"/>
+            <p:ph type="sldImg" idx="2"/>
           </p:nvPr>
         </p:nvSpPr>
         <p:spPr>
@@ -1918,9 +1995,13 @@
             <a:ext cx="6096000" cy="3429000"/>
           </a:xfrm>
           <a:custGeom>
-            <a:rect b="b" l="l" r="r" t="t"/>
+            <a:avLst/>
+            <a:gdLst/>
+            <a:ahLst/>
+            <a:cxnLst/>
+            <a:rect l="l" t="t" r="r" b="b"/>
             <a:pathLst>
-              <a:path extrusionOk="0" h="120000" w="120000">
+              <a:path w="120000" h="120000" extrusionOk="0">
                 <a:moveTo>
                   <a:pt x="0" y="0"/>
                 </a:moveTo>
@@ -1942,9 +2023,11 @@
       <p:sp>
         <p:nvSpPr>
           <p:cNvPr id="96" name="Google Shape;96;ge293707a90_0_77:notes"/>
-          <p:cNvSpPr txBox="1"/>
+          <p:cNvSpPr txBox="1">
+            <a:spLocks noGrp="1"/>
+          </p:cNvSpPr>
           <p:nvPr>
-            <p:ph idx="1" type="body"/>
+            <p:ph type="body" idx="1"/>
           </p:nvPr>
         </p:nvSpPr>
         <p:spPr>
@@ -1957,12 +2040,12 @@
           </a:prstGeom>
         </p:spPr>
         <p:txBody>
-          <a:bodyPr anchorCtr="0" anchor="t" bIns="91425" lIns="91425" spcFirstLastPara="1" rIns="91425" wrap="square" tIns="91425">
+          <a:bodyPr spcFirstLastPara="1" wrap="square" lIns="91425" tIns="91425" rIns="91425" bIns="91425" anchor="t" anchorCtr="0">
             <a:noAutofit/>
           </a:bodyPr>
           <a:lstStyle/>
           <a:p>
-            <a:pPr indent="0" lvl="0" marL="0" rtl="0" algn="l">
+            <a:pPr marL="0" lvl="0" indent="0" algn="l" rtl="0">
               <a:spcBef>
                 <a:spcPts val="0"/>
               </a:spcBef>
@@ -1971,9 +2054,6 @@
               </a:spcAft>
               <a:buNone/>
             </a:pPr>
-            <a:r>
-              <a:t/>
-            </a:r>
             <a:endParaRPr/>
           </a:p>
         </p:txBody>
@@ -1987,11 +2067,11 @@
 </file>
 
 <file path=ppt/notesSlides/notesSlide9.xml><?xml version="1.0" encoding="utf-8"?>
-<p:notes xmlns:a="http://schemas.openxmlformats.org/drawingml/2006/main" xmlns:r="http://schemas.openxmlformats.org/officeDocument/2006/relationships" xmlns:mc="http://schemas.openxmlformats.org/markup-compatibility/2006" xmlns:mv="urn:schemas-microsoft-com:mac:vml" xmlns:p="http://schemas.openxmlformats.org/presentationml/2006/main" xmlns:c="http://schemas.openxmlformats.org/drawingml/2006/chart" xmlns:dgm="http://schemas.openxmlformats.org/drawingml/2006/diagram" xmlns:o="urn:schemas-microsoft-com:office:office" xmlns:v="urn:schemas-microsoft-com:vml" xmlns:pvml="urn:schemas-microsoft-com:office:powerpoint" xmlns:com="http://schemas.openxmlformats.org/drawingml/2006/compatibility" xmlns:p14="http://schemas.microsoft.com/office/powerpoint/2010/main" xmlns:p15="http://schemas.microsoft.com/office/powerpoint/2012/main" xmlns:ahyp="http://schemas.microsoft.com/office/drawing/2018/hyperlinkcolor" showMasterPhAnim="0" showMasterSp="0">
+<p:notes xmlns:a="http://schemas.openxmlformats.org/drawingml/2006/main" xmlns:r="http://schemas.openxmlformats.org/officeDocument/2006/relationships" xmlns:p="http://schemas.openxmlformats.org/presentationml/2006/main" showMasterSp="0" showMasterPhAnim="0">
   <p:cSld>
     <p:spTree>
       <p:nvGrpSpPr>
-        <p:cNvPr id="101" name="Shape 101"/>
+        <p:cNvPr id="1" name="Shape 101"/>
         <p:cNvGrpSpPr/>
         <p:nvPr/>
       </p:nvGrpSpPr>
@@ -2006,20 +2086,26 @@
       <p:sp>
         <p:nvSpPr>
           <p:cNvPr id="102" name="Google Shape;102;ge293707a90_0_83:notes"/>
-          <p:cNvSpPr/>
+          <p:cNvSpPr>
+            <a:spLocks noGrp="1" noRot="1" noChangeAspect="1"/>
+          </p:cNvSpPr>
           <p:nvPr>
-            <p:ph idx="2" type="sldImg"/>
+            <p:ph type="sldImg" idx="2"/>
           </p:nvPr>
         </p:nvSpPr>
         <p:spPr>
           <a:xfrm>
-            <a:off x="381300" y="685800"/>
+            <a:off x="381000" y="685800"/>
             <a:ext cx="6096000" cy="3429000"/>
           </a:xfrm>
           <a:custGeom>
-            <a:rect b="b" l="l" r="r" t="t"/>
+            <a:avLst/>
+            <a:gdLst/>
+            <a:ahLst/>
+            <a:cxnLst/>
+            <a:rect l="l" t="t" r="r" b="b"/>
             <a:pathLst>
-              <a:path extrusionOk="0" h="120000" w="120000">
+              <a:path w="120000" h="120000" extrusionOk="0">
                 <a:moveTo>
                   <a:pt x="0" y="0"/>
                 </a:moveTo>
@@ -2041,9 +2127,11 @@
       <p:sp>
         <p:nvSpPr>
           <p:cNvPr id="103" name="Google Shape;103;ge293707a90_0_83:notes"/>
-          <p:cNvSpPr txBox="1"/>
+          <p:cNvSpPr txBox="1">
+            <a:spLocks noGrp="1"/>
+          </p:cNvSpPr>
           <p:nvPr>
-            <p:ph idx="1" type="body"/>
+            <p:ph type="body" idx="1"/>
           </p:nvPr>
         </p:nvSpPr>
         <p:spPr>
@@ -2056,12 +2144,12 @@
           </a:prstGeom>
         </p:spPr>
         <p:txBody>
-          <a:bodyPr anchorCtr="0" anchor="t" bIns="91425" lIns="91425" spcFirstLastPara="1" rIns="91425" wrap="square" tIns="91425">
+          <a:bodyPr spcFirstLastPara="1" wrap="square" lIns="91425" tIns="91425" rIns="91425" bIns="91425" anchor="t" anchorCtr="0">
             <a:noAutofit/>
           </a:bodyPr>
           <a:lstStyle/>
           <a:p>
-            <a:pPr indent="0" lvl="0" marL="0" rtl="0" algn="l">
+            <a:pPr marL="0" lvl="0" indent="0" algn="l" rtl="0">
               <a:spcBef>
                 <a:spcPts val="0"/>
               </a:spcBef>
@@ -2070,9 +2158,6 @@
               </a:spcAft>
               <a:buNone/>
             </a:pPr>
-            <a:r>
-              <a:t/>
-            </a:r>
             <a:endParaRPr/>
           </a:p>
         </p:txBody>
@@ -2086,11 +2171,11 @@
 </file>
 
 <file path=ppt/slideLayouts/slideLayout1.xml><?xml version="1.0" encoding="utf-8"?>
-<p:sldLayout xmlns:a="http://schemas.openxmlformats.org/drawingml/2006/main" xmlns:r="http://schemas.openxmlformats.org/officeDocument/2006/relationships" xmlns:mc="http://schemas.openxmlformats.org/markup-compatibility/2006" xmlns:mv="urn:schemas-microsoft-com:mac:vml" xmlns:p="http://schemas.openxmlformats.org/presentationml/2006/main" xmlns:c="http://schemas.openxmlformats.org/drawingml/2006/chart" xmlns:dgm="http://schemas.openxmlformats.org/drawingml/2006/diagram" xmlns:o="urn:schemas-microsoft-com:office:office" xmlns:v="urn:schemas-microsoft-com:vml" xmlns:pvml="urn:schemas-microsoft-com:office:powerpoint" xmlns:com="http://schemas.openxmlformats.org/drawingml/2006/compatibility" xmlns:p14="http://schemas.microsoft.com/office/powerpoint/2010/main" xmlns:p15="http://schemas.microsoft.com/office/powerpoint/2012/main" xmlns:ahyp="http://schemas.microsoft.com/office/drawing/2018/hyperlinkcolor" matchingName="Title slide" type="title">
+<p:sldLayout xmlns:a="http://schemas.openxmlformats.org/drawingml/2006/main" xmlns:r="http://schemas.openxmlformats.org/officeDocument/2006/relationships" xmlns:p="http://schemas.openxmlformats.org/presentationml/2006/main" matchingName="Title slide" type="title">
   <p:cSld name="TITLE">
     <p:spTree>
       <p:nvGrpSpPr>
-        <p:cNvPr id="9" name="Shape 9"/>
+        <p:cNvPr id="1" name="Shape 9"/>
         <p:cNvGrpSpPr/>
         <p:nvPr/>
       </p:nvGrpSpPr>
@@ -2105,7 +2190,9 @@
       <p:sp>
         <p:nvSpPr>
           <p:cNvPr id="10" name="Google Shape;10;p2"/>
-          <p:cNvSpPr txBox="1"/>
+          <p:cNvSpPr txBox="1">
+            <a:spLocks noGrp="1"/>
+          </p:cNvSpPr>
           <p:nvPr>
             <p:ph type="ctrTitle"/>
           </p:nvPr>
@@ -2120,7 +2207,7 @@
           </a:prstGeom>
         </p:spPr>
         <p:txBody>
-          <a:bodyPr anchorCtr="0" anchor="b" bIns="91425" lIns="91425" spcFirstLastPara="1" rIns="91425" wrap="square" tIns="91425">
+          <a:bodyPr spcFirstLastPara="1" wrap="square" lIns="91425" tIns="91425" rIns="91425" bIns="91425" anchor="b" anchorCtr="0">
             <a:normAutofit/>
           </a:bodyPr>
           <a:lstStyle>
@@ -2224,15 +2311,19 @@
               <a:defRPr sz="5200"/>
             </a:lvl9pPr>
           </a:lstStyle>
-          <a:p/>
+          <a:p>
+            <a:endParaRPr/>
+          </a:p>
         </p:txBody>
       </p:sp>
       <p:sp>
         <p:nvSpPr>
           <p:cNvPr id="11" name="Google Shape;11;p2"/>
-          <p:cNvSpPr txBox="1"/>
+          <p:cNvSpPr txBox="1">
+            <a:spLocks noGrp="1"/>
+          </p:cNvSpPr>
           <p:nvPr>
-            <p:ph idx="1" type="subTitle"/>
+            <p:ph type="subTitle" idx="1"/>
           </p:nvPr>
         </p:nvSpPr>
         <p:spPr>
@@ -2245,7 +2336,7 @@
           </a:prstGeom>
         </p:spPr>
         <p:txBody>
-          <a:bodyPr anchorCtr="0" anchor="t" bIns="91425" lIns="91425" spcFirstLastPara="1" rIns="91425" wrap="square" tIns="91425">
+          <a:bodyPr spcFirstLastPara="1" wrap="square" lIns="91425" tIns="91425" rIns="91425" bIns="91425" anchor="t" anchorCtr="0">
             <a:normAutofit/>
           </a:bodyPr>
           <a:lstStyle>
@@ -2376,15 +2467,19 @@
               <a:defRPr sz="2800"/>
             </a:lvl9pPr>
           </a:lstStyle>
-          <a:p/>
+          <a:p>
+            <a:endParaRPr/>
+          </a:p>
         </p:txBody>
       </p:sp>
       <p:sp>
         <p:nvSpPr>
           <p:cNvPr id="12" name="Google Shape;12;p2"/>
-          <p:cNvSpPr txBox="1"/>
+          <p:cNvSpPr txBox="1">
+            <a:spLocks noGrp="1"/>
+          </p:cNvSpPr>
           <p:nvPr>
-            <p:ph idx="12" type="sldNum"/>
+            <p:ph type="sldNum" idx="12"/>
           </p:nvPr>
         </p:nvSpPr>
         <p:spPr>
@@ -2397,7 +2492,7 @@
           </a:prstGeom>
         </p:spPr>
         <p:txBody>
-          <a:bodyPr anchorCtr="0" anchor="ctr" bIns="91425" lIns="91425" spcFirstLastPara="1" rIns="91425" wrap="square" tIns="91425">
+          <a:bodyPr spcFirstLastPara="1" wrap="square" lIns="91425" tIns="91425" rIns="91425" bIns="91425" anchor="ctr" anchorCtr="0">
             <a:normAutofit/>
           </a:bodyPr>
           <a:lstStyle>
@@ -2439,7 +2534,7 @@
             </a:lvl9pPr>
           </a:lstStyle>
           <a:p>
-            <a:pPr indent="0" lvl="0" marL="0" rtl="0" algn="r">
+            <a:pPr marL="0" lvl="0" indent="0" algn="r" rtl="0">
               <a:spcBef>
                 <a:spcPts val="0"/>
               </a:spcBef>
@@ -2465,11 +2560,11 @@
 </file>
 
 <file path=ppt/slideLayouts/slideLayout10.xml><?xml version="1.0" encoding="utf-8"?>
-<p:sldLayout xmlns:a="http://schemas.openxmlformats.org/drawingml/2006/main" xmlns:r="http://schemas.openxmlformats.org/officeDocument/2006/relationships" xmlns:mc="http://schemas.openxmlformats.org/markup-compatibility/2006" xmlns:mv="urn:schemas-microsoft-com:mac:vml" xmlns:p="http://schemas.openxmlformats.org/presentationml/2006/main" xmlns:c="http://schemas.openxmlformats.org/drawingml/2006/chart" xmlns:dgm="http://schemas.openxmlformats.org/drawingml/2006/diagram" xmlns:o="urn:schemas-microsoft-com:office:office" xmlns:v="urn:schemas-microsoft-com:vml" xmlns:pvml="urn:schemas-microsoft-com:office:powerpoint" xmlns:com="http://schemas.openxmlformats.org/drawingml/2006/compatibility" xmlns:p14="http://schemas.microsoft.com/office/powerpoint/2010/main" xmlns:p15="http://schemas.microsoft.com/office/powerpoint/2012/main" xmlns:ahyp="http://schemas.microsoft.com/office/drawing/2018/hyperlinkcolor" matchingName="Big number">
+<p:sldLayout xmlns:a="http://schemas.openxmlformats.org/drawingml/2006/main" xmlns:r="http://schemas.openxmlformats.org/officeDocument/2006/relationships" xmlns:p="http://schemas.openxmlformats.org/presentationml/2006/main" matchingName="Big number">
   <p:cSld name="BIG_NUMBER">
     <p:spTree>
       <p:nvGrpSpPr>
-        <p:cNvPr id="44" name="Shape 44"/>
+        <p:cNvPr id="1" name="Shape 44"/>
         <p:cNvGrpSpPr/>
         <p:nvPr/>
       </p:nvGrpSpPr>
@@ -2484,9 +2579,11 @@
       <p:sp>
         <p:nvSpPr>
           <p:cNvPr id="45" name="Google Shape;45;p11"/>
-          <p:cNvSpPr txBox="1"/>
+          <p:cNvSpPr txBox="1">
+            <a:spLocks noGrp="1"/>
+          </p:cNvSpPr>
           <p:nvPr>
-            <p:ph hasCustomPrompt="1" type="title"/>
+            <p:ph type="title" hasCustomPrompt="1"/>
           </p:nvPr>
         </p:nvSpPr>
         <p:spPr>
@@ -2499,7 +2596,7 @@
           </a:prstGeom>
         </p:spPr>
         <p:txBody>
-          <a:bodyPr anchorCtr="0" anchor="b" bIns="91425" lIns="91425" spcFirstLastPara="1" rIns="91425" wrap="square" tIns="91425">
+          <a:bodyPr spcFirstLastPara="1" wrap="square" lIns="91425" tIns="91425" rIns="91425" bIns="91425" anchor="b" anchorCtr="0">
             <a:normAutofit/>
           </a:bodyPr>
           <a:lstStyle>
@@ -2613,9 +2710,11 @@
       <p:sp>
         <p:nvSpPr>
           <p:cNvPr id="46" name="Google Shape;46;p11"/>
-          <p:cNvSpPr txBox="1"/>
+          <p:cNvSpPr txBox="1">
+            <a:spLocks noGrp="1"/>
+          </p:cNvSpPr>
           <p:nvPr>
-            <p:ph idx="1" type="body"/>
+            <p:ph type="body" idx="1"/>
           </p:nvPr>
         </p:nvSpPr>
         <p:spPr>
@@ -2628,11 +2727,11 @@
           </a:prstGeom>
         </p:spPr>
         <p:txBody>
-          <a:bodyPr anchorCtr="0" anchor="t" bIns="91425" lIns="91425" spcFirstLastPara="1" rIns="91425" wrap="square" tIns="91425">
+          <a:bodyPr spcFirstLastPara="1" wrap="square" lIns="91425" tIns="91425" rIns="91425" bIns="91425" anchor="t" anchorCtr="0">
             <a:normAutofit/>
           </a:bodyPr>
           <a:lstStyle>
-            <a:lvl1pPr indent="-342900" lvl="0" marL="457200" algn="ctr">
+            <a:lvl1pPr marL="457200" lvl="0" indent="-342900" algn="ctr">
               <a:spcBef>
                 <a:spcPts val="0"/>
               </a:spcBef>
@@ -2643,7 +2742,7 @@
               <a:buChar char="●"/>
               <a:defRPr/>
             </a:lvl1pPr>
-            <a:lvl2pPr indent="-317500" lvl="1" marL="914400" algn="ctr">
+            <a:lvl2pPr marL="914400" lvl="1" indent="-317500" algn="ctr">
               <a:spcBef>
                 <a:spcPts val="0"/>
               </a:spcBef>
@@ -2654,7 +2753,7 @@
               <a:buChar char="○"/>
               <a:defRPr/>
             </a:lvl2pPr>
-            <a:lvl3pPr indent="-317500" lvl="2" marL="1371600" algn="ctr">
+            <a:lvl3pPr marL="1371600" lvl="2" indent="-317500" algn="ctr">
               <a:spcBef>
                 <a:spcPts val="0"/>
               </a:spcBef>
@@ -2665,7 +2764,7 @@
               <a:buChar char="■"/>
               <a:defRPr/>
             </a:lvl3pPr>
-            <a:lvl4pPr indent="-317500" lvl="3" marL="1828800" algn="ctr">
+            <a:lvl4pPr marL="1828800" lvl="3" indent="-317500" algn="ctr">
               <a:spcBef>
                 <a:spcPts val="0"/>
               </a:spcBef>
@@ -2676,7 +2775,7 @@
               <a:buChar char="●"/>
               <a:defRPr/>
             </a:lvl4pPr>
-            <a:lvl5pPr indent="-317500" lvl="4" marL="2286000" algn="ctr">
+            <a:lvl5pPr marL="2286000" lvl="4" indent="-317500" algn="ctr">
               <a:spcBef>
                 <a:spcPts val="0"/>
               </a:spcBef>
@@ -2687,7 +2786,7 @@
               <a:buChar char="○"/>
               <a:defRPr/>
             </a:lvl5pPr>
-            <a:lvl6pPr indent="-317500" lvl="5" marL="2743200" algn="ctr">
+            <a:lvl6pPr marL="2743200" lvl="5" indent="-317500" algn="ctr">
               <a:spcBef>
                 <a:spcPts val="0"/>
               </a:spcBef>
@@ -2698,7 +2797,7 @@
               <a:buChar char="■"/>
               <a:defRPr/>
             </a:lvl6pPr>
-            <a:lvl7pPr indent="-317500" lvl="6" marL="3200400" algn="ctr">
+            <a:lvl7pPr marL="3200400" lvl="6" indent="-317500" algn="ctr">
               <a:spcBef>
                 <a:spcPts val="0"/>
               </a:spcBef>
@@ -2709,7 +2808,7 @@
               <a:buChar char="●"/>
               <a:defRPr/>
             </a:lvl7pPr>
-            <a:lvl8pPr indent="-317500" lvl="7" marL="3657600" algn="ctr">
+            <a:lvl8pPr marL="3657600" lvl="7" indent="-317500" algn="ctr">
               <a:spcBef>
                 <a:spcPts val="0"/>
               </a:spcBef>
@@ -2720,7 +2819,7 @@
               <a:buChar char="○"/>
               <a:defRPr/>
             </a:lvl8pPr>
-            <a:lvl9pPr indent="-317500" lvl="8" marL="4114800" algn="ctr">
+            <a:lvl9pPr marL="4114800" lvl="8" indent="-317500" algn="ctr">
               <a:spcBef>
                 <a:spcPts val="0"/>
               </a:spcBef>
@@ -2732,15 +2831,19 @@
               <a:defRPr/>
             </a:lvl9pPr>
           </a:lstStyle>
-          <a:p/>
+          <a:p>
+            <a:endParaRPr/>
+          </a:p>
         </p:txBody>
       </p:sp>
       <p:sp>
         <p:nvSpPr>
           <p:cNvPr id="47" name="Google Shape;47;p11"/>
-          <p:cNvSpPr txBox="1"/>
+          <p:cNvSpPr txBox="1">
+            <a:spLocks noGrp="1"/>
+          </p:cNvSpPr>
           <p:nvPr>
-            <p:ph idx="12" type="sldNum"/>
+            <p:ph type="sldNum" idx="12"/>
           </p:nvPr>
         </p:nvSpPr>
         <p:spPr>
@@ -2753,7 +2856,7 @@
           </a:prstGeom>
         </p:spPr>
         <p:txBody>
-          <a:bodyPr anchorCtr="0" anchor="ctr" bIns="91425" lIns="91425" spcFirstLastPara="1" rIns="91425" wrap="square" tIns="91425">
+          <a:bodyPr spcFirstLastPara="1" wrap="square" lIns="91425" tIns="91425" rIns="91425" bIns="91425" anchor="ctr" anchorCtr="0">
             <a:normAutofit/>
           </a:bodyPr>
           <a:lstStyle>
@@ -2795,7 +2898,7 @@
             </a:lvl9pPr>
           </a:lstStyle>
           <a:p>
-            <a:pPr indent="0" lvl="0" marL="0" rtl="0" algn="r">
+            <a:pPr marL="0" lvl="0" indent="0" algn="r" rtl="0">
               <a:spcBef>
                 <a:spcPts val="0"/>
               </a:spcBef>
@@ -2821,11 +2924,11 @@
 </file>
 
 <file path=ppt/slideLayouts/slideLayout11.xml><?xml version="1.0" encoding="utf-8"?>
-<p:sldLayout xmlns:a="http://schemas.openxmlformats.org/drawingml/2006/main" xmlns:r="http://schemas.openxmlformats.org/officeDocument/2006/relationships" xmlns:mc="http://schemas.openxmlformats.org/markup-compatibility/2006" xmlns:mv="urn:schemas-microsoft-com:mac:vml" xmlns:p="http://schemas.openxmlformats.org/presentationml/2006/main" xmlns:c="http://schemas.openxmlformats.org/drawingml/2006/chart" xmlns:dgm="http://schemas.openxmlformats.org/drawingml/2006/diagram" xmlns:o="urn:schemas-microsoft-com:office:office" xmlns:v="urn:schemas-microsoft-com:vml" xmlns:pvml="urn:schemas-microsoft-com:office:powerpoint" xmlns:com="http://schemas.openxmlformats.org/drawingml/2006/compatibility" xmlns:p14="http://schemas.microsoft.com/office/powerpoint/2010/main" xmlns:p15="http://schemas.microsoft.com/office/powerpoint/2012/main" xmlns:ahyp="http://schemas.microsoft.com/office/drawing/2018/hyperlinkcolor" matchingName="Blank" type="blank">
+<p:sldLayout xmlns:a="http://schemas.openxmlformats.org/drawingml/2006/main" xmlns:r="http://schemas.openxmlformats.org/officeDocument/2006/relationships" xmlns:p="http://schemas.openxmlformats.org/presentationml/2006/main" matchingName="Blank" type="blank">
   <p:cSld name="BLANK">
     <p:spTree>
       <p:nvGrpSpPr>
-        <p:cNvPr id="48" name="Shape 48"/>
+        <p:cNvPr id="1" name="Shape 48"/>
         <p:cNvGrpSpPr/>
         <p:nvPr/>
       </p:nvGrpSpPr>
@@ -2840,9 +2943,11 @@
       <p:sp>
         <p:nvSpPr>
           <p:cNvPr id="49" name="Google Shape;49;p12"/>
-          <p:cNvSpPr txBox="1"/>
+          <p:cNvSpPr txBox="1">
+            <a:spLocks noGrp="1"/>
+          </p:cNvSpPr>
           <p:nvPr>
-            <p:ph idx="12" type="sldNum"/>
+            <p:ph type="sldNum" idx="12"/>
           </p:nvPr>
         </p:nvSpPr>
         <p:spPr>
@@ -2855,7 +2960,7 @@
           </a:prstGeom>
         </p:spPr>
         <p:txBody>
-          <a:bodyPr anchorCtr="0" anchor="ctr" bIns="91425" lIns="91425" spcFirstLastPara="1" rIns="91425" wrap="square" tIns="91425">
+          <a:bodyPr spcFirstLastPara="1" wrap="square" lIns="91425" tIns="91425" rIns="91425" bIns="91425" anchor="ctr" anchorCtr="0">
             <a:normAutofit/>
           </a:bodyPr>
           <a:lstStyle>
@@ -2897,7 +3002,7 @@
             </a:lvl9pPr>
           </a:lstStyle>
           <a:p>
-            <a:pPr indent="0" lvl="0" marL="0" rtl="0" algn="r">
+            <a:pPr marL="0" lvl="0" indent="0" algn="r" rtl="0">
               <a:spcBef>
                 <a:spcPts val="0"/>
               </a:spcBef>
@@ -2923,11 +3028,11 @@
 </file>
 
 <file path=ppt/slideLayouts/slideLayout2.xml><?xml version="1.0" encoding="utf-8"?>
-<p:sldLayout xmlns:a="http://schemas.openxmlformats.org/drawingml/2006/main" xmlns:r="http://schemas.openxmlformats.org/officeDocument/2006/relationships" xmlns:mc="http://schemas.openxmlformats.org/markup-compatibility/2006" xmlns:mv="urn:schemas-microsoft-com:mac:vml" xmlns:p="http://schemas.openxmlformats.org/presentationml/2006/main" xmlns:c="http://schemas.openxmlformats.org/drawingml/2006/chart" xmlns:dgm="http://schemas.openxmlformats.org/drawingml/2006/diagram" xmlns:o="urn:schemas-microsoft-com:office:office" xmlns:v="urn:schemas-microsoft-com:vml" xmlns:pvml="urn:schemas-microsoft-com:office:powerpoint" xmlns:com="http://schemas.openxmlformats.org/drawingml/2006/compatibility" xmlns:p14="http://schemas.microsoft.com/office/powerpoint/2010/main" xmlns:p15="http://schemas.microsoft.com/office/powerpoint/2012/main" xmlns:ahyp="http://schemas.microsoft.com/office/drawing/2018/hyperlinkcolor" matchingName="Section header" type="secHead">
+<p:sldLayout xmlns:a="http://schemas.openxmlformats.org/drawingml/2006/main" xmlns:r="http://schemas.openxmlformats.org/officeDocument/2006/relationships" xmlns:p="http://schemas.openxmlformats.org/presentationml/2006/main" matchingName="Section header" type="secHead">
   <p:cSld name="SECTION_HEADER">
     <p:spTree>
       <p:nvGrpSpPr>
-        <p:cNvPr id="13" name="Shape 13"/>
+        <p:cNvPr id="1" name="Shape 13"/>
         <p:cNvGrpSpPr/>
         <p:nvPr/>
       </p:nvGrpSpPr>
@@ -2942,7 +3047,9 @@
       <p:sp>
         <p:nvSpPr>
           <p:cNvPr id="14" name="Google Shape;14;p3"/>
-          <p:cNvSpPr txBox="1"/>
+          <p:cNvSpPr txBox="1">
+            <a:spLocks noGrp="1"/>
+          </p:cNvSpPr>
           <p:nvPr>
             <p:ph type="title"/>
           </p:nvPr>
@@ -2957,7 +3064,7 @@
           </a:prstGeom>
         </p:spPr>
         <p:txBody>
-          <a:bodyPr anchorCtr="0" anchor="ctr" bIns="91425" lIns="91425" spcFirstLastPara="1" rIns="91425" wrap="square" tIns="91425">
+          <a:bodyPr spcFirstLastPara="1" wrap="square" lIns="91425" tIns="91425" rIns="91425" bIns="91425" anchor="ctr" anchorCtr="0">
             <a:normAutofit/>
           </a:bodyPr>
           <a:lstStyle>
@@ -3061,15 +3168,19 @@
               <a:defRPr sz="3600"/>
             </a:lvl9pPr>
           </a:lstStyle>
-          <a:p/>
+          <a:p>
+            <a:endParaRPr/>
+          </a:p>
         </p:txBody>
       </p:sp>
       <p:sp>
         <p:nvSpPr>
           <p:cNvPr id="15" name="Google Shape;15;p3"/>
-          <p:cNvSpPr txBox="1"/>
+          <p:cNvSpPr txBox="1">
+            <a:spLocks noGrp="1"/>
+          </p:cNvSpPr>
           <p:nvPr>
-            <p:ph idx="12" type="sldNum"/>
+            <p:ph type="sldNum" idx="12"/>
           </p:nvPr>
         </p:nvSpPr>
         <p:spPr>
@@ -3082,7 +3193,7 @@
           </a:prstGeom>
         </p:spPr>
         <p:txBody>
-          <a:bodyPr anchorCtr="0" anchor="ctr" bIns="91425" lIns="91425" spcFirstLastPara="1" rIns="91425" wrap="square" tIns="91425">
+          <a:bodyPr spcFirstLastPara="1" wrap="square" lIns="91425" tIns="91425" rIns="91425" bIns="91425" anchor="ctr" anchorCtr="0">
             <a:normAutofit/>
           </a:bodyPr>
           <a:lstStyle>
@@ -3124,7 +3235,7 @@
             </a:lvl9pPr>
           </a:lstStyle>
           <a:p>
-            <a:pPr indent="0" lvl="0" marL="0" rtl="0" algn="r">
+            <a:pPr marL="0" lvl="0" indent="0" algn="r" rtl="0">
               <a:spcBef>
                 <a:spcPts val="0"/>
               </a:spcBef>
@@ -3150,11 +3261,11 @@
 </file>
 
 <file path=ppt/slideLayouts/slideLayout3.xml><?xml version="1.0" encoding="utf-8"?>
-<p:sldLayout xmlns:a="http://schemas.openxmlformats.org/drawingml/2006/main" xmlns:r="http://schemas.openxmlformats.org/officeDocument/2006/relationships" xmlns:mc="http://schemas.openxmlformats.org/markup-compatibility/2006" xmlns:mv="urn:schemas-microsoft-com:mac:vml" xmlns:p="http://schemas.openxmlformats.org/presentationml/2006/main" xmlns:c="http://schemas.openxmlformats.org/drawingml/2006/chart" xmlns:dgm="http://schemas.openxmlformats.org/drawingml/2006/diagram" xmlns:o="urn:schemas-microsoft-com:office:office" xmlns:v="urn:schemas-microsoft-com:vml" xmlns:pvml="urn:schemas-microsoft-com:office:powerpoint" xmlns:com="http://schemas.openxmlformats.org/drawingml/2006/compatibility" xmlns:p14="http://schemas.microsoft.com/office/powerpoint/2010/main" xmlns:p15="http://schemas.microsoft.com/office/powerpoint/2012/main" xmlns:ahyp="http://schemas.microsoft.com/office/drawing/2018/hyperlinkcolor" matchingName="Title and body" type="tx">
+<p:sldLayout xmlns:a="http://schemas.openxmlformats.org/drawingml/2006/main" xmlns:r="http://schemas.openxmlformats.org/officeDocument/2006/relationships" xmlns:p="http://schemas.openxmlformats.org/presentationml/2006/main" matchingName="Title and body" type="tx">
   <p:cSld name="TITLE_AND_BODY">
     <p:spTree>
       <p:nvGrpSpPr>
-        <p:cNvPr id="16" name="Shape 16"/>
+        <p:cNvPr id="1" name="Shape 16"/>
         <p:cNvGrpSpPr/>
         <p:nvPr/>
       </p:nvGrpSpPr>
@@ -3169,7 +3280,9 @@
       <p:sp>
         <p:nvSpPr>
           <p:cNvPr id="17" name="Google Shape;17;p4"/>
-          <p:cNvSpPr txBox="1"/>
+          <p:cNvSpPr txBox="1">
+            <a:spLocks noGrp="1"/>
+          </p:cNvSpPr>
           <p:nvPr>
             <p:ph type="title"/>
           </p:nvPr>
@@ -3184,7 +3297,7 @@
           </a:prstGeom>
         </p:spPr>
         <p:txBody>
-          <a:bodyPr anchorCtr="0" anchor="t" bIns="91425" lIns="91425" spcFirstLastPara="1" rIns="91425" wrap="square" tIns="91425">
+          <a:bodyPr spcFirstLastPara="1" wrap="square" lIns="91425" tIns="91425" rIns="91425" bIns="91425" anchor="t" anchorCtr="0">
             <a:normAutofit/>
           </a:bodyPr>
           <a:lstStyle>
@@ -3288,15 +3401,19 @@
               <a:defRPr/>
             </a:lvl9pPr>
           </a:lstStyle>
-          <a:p/>
+          <a:p>
+            <a:endParaRPr/>
+          </a:p>
         </p:txBody>
       </p:sp>
       <p:sp>
         <p:nvSpPr>
           <p:cNvPr id="18" name="Google Shape;18;p4"/>
-          <p:cNvSpPr txBox="1"/>
+          <p:cNvSpPr txBox="1">
+            <a:spLocks noGrp="1"/>
+          </p:cNvSpPr>
           <p:nvPr>
-            <p:ph idx="1" type="body"/>
+            <p:ph type="body" idx="1"/>
           </p:nvPr>
         </p:nvSpPr>
         <p:spPr>
@@ -3309,11 +3426,11 @@
           </a:prstGeom>
         </p:spPr>
         <p:txBody>
-          <a:bodyPr anchorCtr="0" anchor="t" bIns="91425" lIns="91425" spcFirstLastPara="1" rIns="91425" wrap="square" tIns="91425">
+          <a:bodyPr spcFirstLastPara="1" wrap="square" lIns="91425" tIns="91425" rIns="91425" bIns="91425" anchor="t" anchorCtr="0">
             <a:normAutofit/>
           </a:bodyPr>
           <a:lstStyle>
-            <a:lvl1pPr indent="-342900" lvl="0" marL="457200">
+            <a:lvl1pPr marL="457200" lvl="0" indent="-342900">
               <a:spcBef>
                 <a:spcPts val="0"/>
               </a:spcBef>
@@ -3324,7 +3441,7 @@
               <a:buChar char="●"/>
               <a:defRPr/>
             </a:lvl1pPr>
-            <a:lvl2pPr indent="-317500" lvl="1" marL="914400">
+            <a:lvl2pPr marL="914400" lvl="1" indent="-317500">
               <a:spcBef>
                 <a:spcPts val="0"/>
               </a:spcBef>
@@ -3335,7 +3452,7 @@
               <a:buChar char="○"/>
               <a:defRPr/>
             </a:lvl2pPr>
-            <a:lvl3pPr indent="-317500" lvl="2" marL="1371600">
+            <a:lvl3pPr marL="1371600" lvl="2" indent="-317500">
               <a:spcBef>
                 <a:spcPts val="0"/>
               </a:spcBef>
@@ -3346,7 +3463,7 @@
               <a:buChar char="■"/>
               <a:defRPr/>
             </a:lvl3pPr>
-            <a:lvl4pPr indent="-317500" lvl="3" marL="1828800">
+            <a:lvl4pPr marL="1828800" lvl="3" indent="-317500">
               <a:spcBef>
                 <a:spcPts val="0"/>
               </a:spcBef>
@@ -3357,7 +3474,7 @@
               <a:buChar char="●"/>
               <a:defRPr/>
             </a:lvl4pPr>
-            <a:lvl5pPr indent="-317500" lvl="4" marL="2286000">
+            <a:lvl5pPr marL="2286000" lvl="4" indent="-317500">
               <a:spcBef>
                 <a:spcPts val="0"/>
               </a:spcBef>
@@ -3368,7 +3485,7 @@
               <a:buChar char="○"/>
               <a:defRPr/>
             </a:lvl5pPr>
-            <a:lvl6pPr indent="-317500" lvl="5" marL="2743200">
+            <a:lvl6pPr marL="2743200" lvl="5" indent="-317500">
               <a:spcBef>
                 <a:spcPts val="0"/>
               </a:spcBef>
@@ -3379,7 +3496,7 @@
               <a:buChar char="■"/>
               <a:defRPr/>
             </a:lvl6pPr>
-            <a:lvl7pPr indent="-317500" lvl="6" marL="3200400">
+            <a:lvl7pPr marL="3200400" lvl="6" indent="-317500">
               <a:spcBef>
                 <a:spcPts val="0"/>
               </a:spcBef>
@@ -3390,7 +3507,7 @@
               <a:buChar char="●"/>
               <a:defRPr/>
             </a:lvl7pPr>
-            <a:lvl8pPr indent="-317500" lvl="7" marL="3657600">
+            <a:lvl8pPr marL="3657600" lvl="7" indent="-317500">
               <a:spcBef>
                 <a:spcPts val="0"/>
               </a:spcBef>
@@ -3401,7 +3518,7 @@
               <a:buChar char="○"/>
               <a:defRPr/>
             </a:lvl8pPr>
-            <a:lvl9pPr indent="-317500" lvl="8" marL="4114800">
+            <a:lvl9pPr marL="4114800" lvl="8" indent="-317500">
               <a:spcBef>
                 <a:spcPts val="0"/>
               </a:spcBef>
@@ -3413,15 +3530,19 @@
               <a:defRPr/>
             </a:lvl9pPr>
           </a:lstStyle>
-          <a:p/>
+          <a:p>
+            <a:endParaRPr/>
+          </a:p>
         </p:txBody>
       </p:sp>
       <p:sp>
         <p:nvSpPr>
           <p:cNvPr id="19" name="Google Shape;19;p4"/>
-          <p:cNvSpPr txBox="1"/>
+          <p:cNvSpPr txBox="1">
+            <a:spLocks noGrp="1"/>
+          </p:cNvSpPr>
           <p:nvPr>
-            <p:ph idx="12" type="sldNum"/>
+            <p:ph type="sldNum" idx="12"/>
           </p:nvPr>
         </p:nvSpPr>
         <p:spPr>
@@ -3434,7 +3555,7 @@
           </a:prstGeom>
         </p:spPr>
         <p:txBody>
-          <a:bodyPr anchorCtr="0" anchor="ctr" bIns="91425" lIns="91425" spcFirstLastPara="1" rIns="91425" wrap="square" tIns="91425">
+          <a:bodyPr spcFirstLastPara="1" wrap="square" lIns="91425" tIns="91425" rIns="91425" bIns="91425" anchor="ctr" anchorCtr="0">
             <a:normAutofit/>
           </a:bodyPr>
           <a:lstStyle>
@@ -3476,7 +3597,7 @@
             </a:lvl9pPr>
           </a:lstStyle>
           <a:p>
-            <a:pPr indent="0" lvl="0" marL="0" rtl="0" algn="r">
+            <a:pPr marL="0" lvl="0" indent="0" algn="r" rtl="0">
               <a:spcBef>
                 <a:spcPts val="0"/>
               </a:spcBef>
@@ -3502,11 +3623,11 @@
 </file>
 
 <file path=ppt/slideLayouts/slideLayout4.xml><?xml version="1.0" encoding="utf-8"?>
-<p:sldLayout xmlns:a="http://schemas.openxmlformats.org/drawingml/2006/main" xmlns:r="http://schemas.openxmlformats.org/officeDocument/2006/relationships" xmlns:mc="http://schemas.openxmlformats.org/markup-compatibility/2006" xmlns:mv="urn:schemas-microsoft-com:mac:vml" xmlns:p="http://schemas.openxmlformats.org/presentationml/2006/main" xmlns:c="http://schemas.openxmlformats.org/drawingml/2006/chart" xmlns:dgm="http://schemas.openxmlformats.org/drawingml/2006/diagram" xmlns:o="urn:schemas-microsoft-com:office:office" xmlns:v="urn:schemas-microsoft-com:vml" xmlns:pvml="urn:schemas-microsoft-com:office:powerpoint" xmlns:com="http://schemas.openxmlformats.org/drawingml/2006/compatibility" xmlns:p14="http://schemas.microsoft.com/office/powerpoint/2010/main" xmlns:p15="http://schemas.microsoft.com/office/powerpoint/2012/main" xmlns:ahyp="http://schemas.microsoft.com/office/drawing/2018/hyperlinkcolor" matchingName="Title and two columns" type="twoColTx">
+<p:sldLayout xmlns:a="http://schemas.openxmlformats.org/drawingml/2006/main" xmlns:r="http://schemas.openxmlformats.org/officeDocument/2006/relationships" xmlns:p="http://schemas.openxmlformats.org/presentationml/2006/main" matchingName="Title and two columns" type="twoColTx">
   <p:cSld name="TITLE_AND_TWO_COLUMNS">
     <p:spTree>
       <p:nvGrpSpPr>
-        <p:cNvPr id="20" name="Shape 20"/>
+        <p:cNvPr id="1" name="Shape 20"/>
         <p:cNvGrpSpPr/>
         <p:nvPr/>
       </p:nvGrpSpPr>
@@ -3521,7 +3642,9 @@
       <p:sp>
         <p:nvSpPr>
           <p:cNvPr id="21" name="Google Shape;21;p5"/>
-          <p:cNvSpPr txBox="1"/>
+          <p:cNvSpPr txBox="1">
+            <a:spLocks noGrp="1"/>
+          </p:cNvSpPr>
           <p:nvPr>
             <p:ph type="title"/>
           </p:nvPr>
@@ -3536,7 +3659,7 @@
           </a:prstGeom>
         </p:spPr>
         <p:txBody>
-          <a:bodyPr anchorCtr="0" anchor="t" bIns="91425" lIns="91425" spcFirstLastPara="1" rIns="91425" wrap="square" tIns="91425">
+          <a:bodyPr spcFirstLastPara="1" wrap="square" lIns="91425" tIns="91425" rIns="91425" bIns="91425" anchor="t" anchorCtr="0">
             <a:normAutofit/>
           </a:bodyPr>
           <a:lstStyle>
@@ -3640,15 +3763,19 @@
               <a:defRPr/>
             </a:lvl9pPr>
           </a:lstStyle>
-          <a:p/>
+          <a:p>
+            <a:endParaRPr/>
+          </a:p>
         </p:txBody>
       </p:sp>
       <p:sp>
         <p:nvSpPr>
           <p:cNvPr id="22" name="Google Shape;22;p5"/>
-          <p:cNvSpPr txBox="1"/>
+          <p:cNvSpPr txBox="1">
+            <a:spLocks noGrp="1"/>
+          </p:cNvSpPr>
           <p:nvPr>
-            <p:ph idx="1" type="body"/>
+            <p:ph type="body" idx="1"/>
           </p:nvPr>
         </p:nvSpPr>
         <p:spPr>
@@ -3661,11 +3788,11 @@
           </a:prstGeom>
         </p:spPr>
         <p:txBody>
-          <a:bodyPr anchorCtr="0" anchor="t" bIns="91425" lIns="91425" spcFirstLastPara="1" rIns="91425" wrap="square" tIns="91425">
+          <a:bodyPr spcFirstLastPara="1" wrap="square" lIns="91425" tIns="91425" rIns="91425" bIns="91425" anchor="t" anchorCtr="0">
             <a:normAutofit/>
           </a:bodyPr>
           <a:lstStyle>
-            <a:lvl1pPr indent="-317500" lvl="0" marL="457200">
+            <a:lvl1pPr marL="457200" lvl="0" indent="-317500">
               <a:spcBef>
                 <a:spcPts val="0"/>
               </a:spcBef>
@@ -3676,7 +3803,7 @@
               <a:buChar char="●"/>
               <a:defRPr sz="1400"/>
             </a:lvl1pPr>
-            <a:lvl2pPr indent="-304800" lvl="1" marL="914400">
+            <a:lvl2pPr marL="914400" lvl="1" indent="-304800">
               <a:spcBef>
                 <a:spcPts val="0"/>
               </a:spcBef>
@@ -3687,7 +3814,7 @@
               <a:buChar char="○"/>
               <a:defRPr sz="1200"/>
             </a:lvl2pPr>
-            <a:lvl3pPr indent="-304800" lvl="2" marL="1371600">
+            <a:lvl3pPr marL="1371600" lvl="2" indent="-304800">
               <a:spcBef>
                 <a:spcPts val="0"/>
               </a:spcBef>
@@ -3698,7 +3825,7 @@
               <a:buChar char="■"/>
               <a:defRPr sz="1200"/>
             </a:lvl3pPr>
-            <a:lvl4pPr indent="-304800" lvl="3" marL="1828800">
+            <a:lvl4pPr marL="1828800" lvl="3" indent="-304800">
               <a:spcBef>
                 <a:spcPts val="0"/>
               </a:spcBef>
@@ -3709,7 +3836,7 @@
               <a:buChar char="●"/>
               <a:defRPr sz="1200"/>
             </a:lvl4pPr>
-            <a:lvl5pPr indent="-304800" lvl="4" marL="2286000">
+            <a:lvl5pPr marL="2286000" lvl="4" indent="-304800">
               <a:spcBef>
                 <a:spcPts val="0"/>
               </a:spcBef>
@@ -3720,7 +3847,7 @@
               <a:buChar char="○"/>
               <a:defRPr sz="1200"/>
             </a:lvl5pPr>
-            <a:lvl6pPr indent="-304800" lvl="5" marL="2743200">
+            <a:lvl6pPr marL="2743200" lvl="5" indent="-304800">
               <a:spcBef>
                 <a:spcPts val="0"/>
               </a:spcBef>
@@ -3731,7 +3858,7 @@
               <a:buChar char="■"/>
               <a:defRPr sz="1200"/>
             </a:lvl6pPr>
-            <a:lvl7pPr indent="-304800" lvl="6" marL="3200400">
+            <a:lvl7pPr marL="3200400" lvl="6" indent="-304800">
               <a:spcBef>
                 <a:spcPts val="0"/>
               </a:spcBef>
@@ -3742,7 +3869,7 @@
               <a:buChar char="●"/>
               <a:defRPr sz="1200"/>
             </a:lvl7pPr>
-            <a:lvl8pPr indent="-304800" lvl="7" marL="3657600">
+            <a:lvl8pPr marL="3657600" lvl="7" indent="-304800">
               <a:spcBef>
                 <a:spcPts val="0"/>
               </a:spcBef>
@@ -3753,7 +3880,7 @@
               <a:buChar char="○"/>
               <a:defRPr sz="1200"/>
             </a:lvl8pPr>
-            <a:lvl9pPr indent="-304800" lvl="8" marL="4114800">
+            <a:lvl9pPr marL="4114800" lvl="8" indent="-304800">
               <a:spcBef>
                 <a:spcPts val="0"/>
               </a:spcBef>
@@ -3765,15 +3892,19 @@
               <a:defRPr sz="1200"/>
             </a:lvl9pPr>
           </a:lstStyle>
-          <a:p/>
+          <a:p>
+            <a:endParaRPr/>
+          </a:p>
         </p:txBody>
       </p:sp>
       <p:sp>
         <p:nvSpPr>
           <p:cNvPr id="23" name="Google Shape;23;p5"/>
-          <p:cNvSpPr txBox="1"/>
+          <p:cNvSpPr txBox="1">
+            <a:spLocks noGrp="1"/>
+          </p:cNvSpPr>
           <p:nvPr>
-            <p:ph idx="2" type="body"/>
+            <p:ph type="body" idx="2"/>
           </p:nvPr>
         </p:nvSpPr>
         <p:spPr>
@@ -3786,11 +3917,11 @@
           </a:prstGeom>
         </p:spPr>
         <p:txBody>
-          <a:bodyPr anchorCtr="0" anchor="t" bIns="91425" lIns="91425" spcFirstLastPara="1" rIns="91425" wrap="square" tIns="91425">
+          <a:bodyPr spcFirstLastPara="1" wrap="square" lIns="91425" tIns="91425" rIns="91425" bIns="91425" anchor="t" anchorCtr="0">
             <a:normAutofit/>
           </a:bodyPr>
           <a:lstStyle>
-            <a:lvl1pPr indent="-317500" lvl="0" marL="457200">
+            <a:lvl1pPr marL="457200" lvl="0" indent="-317500">
               <a:spcBef>
                 <a:spcPts val="0"/>
               </a:spcBef>
@@ -3801,7 +3932,7 @@
               <a:buChar char="●"/>
               <a:defRPr sz="1400"/>
             </a:lvl1pPr>
-            <a:lvl2pPr indent="-304800" lvl="1" marL="914400">
+            <a:lvl2pPr marL="914400" lvl="1" indent="-304800">
               <a:spcBef>
                 <a:spcPts val="0"/>
               </a:spcBef>
@@ -3812,7 +3943,7 @@
               <a:buChar char="○"/>
               <a:defRPr sz="1200"/>
             </a:lvl2pPr>
-            <a:lvl3pPr indent="-304800" lvl="2" marL="1371600">
+            <a:lvl3pPr marL="1371600" lvl="2" indent="-304800">
               <a:spcBef>
                 <a:spcPts val="0"/>
               </a:spcBef>
@@ -3823,7 +3954,7 @@
               <a:buChar char="■"/>
               <a:defRPr sz="1200"/>
             </a:lvl3pPr>
-            <a:lvl4pPr indent="-304800" lvl="3" marL="1828800">
+            <a:lvl4pPr marL="1828800" lvl="3" indent="-304800">
               <a:spcBef>
                 <a:spcPts val="0"/>
               </a:spcBef>
@@ -3834,7 +3965,7 @@
               <a:buChar char="●"/>
               <a:defRPr sz="1200"/>
             </a:lvl4pPr>
-            <a:lvl5pPr indent="-304800" lvl="4" marL="2286000">
+            <a:lvl5pPr marL="2286000" lvl="4" indent="-304800">
               <a:spcBef>
                 <a:spcPts val="0"/>
               </a:spcBef>
@@ -3845,7 +3976,7 @@
               <a:buChar char="○"/>
               <a:defRPr sz="1200"/>
             </a:lvl5pPr>
-            <a:lvl6pPr indent="-304800" lvl="5" marL="2743200">
+            <a:lvl6pPr marL="2743200" lvl="5" indent="-304800">
               <a:spcBef>
                 <a:spcPts val="0"/>
               </a:spcBef>
@@ -3856,7 +3987,7 @@
               <a:buChar char="■"/>
               <a:defRPr sz="1200"/>
             </a:lvl6pPr>
-            <a:lvl7pPr indent="-304800" lvl="6" marL="3200400">
+            <a:lvl7pPr marL="3200400" lvl="6" indent="-304800">
               <a:spcBef>
                 <a:spcPts val="0"/>
               </a:spcBef>
@@ -3867,7 +3998,7 @@
               <a:buChar char="●"/>
               <a:defRPr sz="1200"/>
             </a:lvl7pPr>
-            <a:lvl8pPr indent="-304800" lvl="7" marL="3657600">
+            <a:lvl8pPr marL="3657600" lvl="7" indent="-304800">
               <a:spcBef>
                 <a:spcPts val="0"/>
               </a:spcBef>
@@ -3878,7 +4009,7 @@
               <a:buChar char="○"/>
               <a:defRPr sz="1200"/>
             </a:lvl8pPr>
-            <a:lvl9pPr indent="-304800" lvl="8" marL="4114800">
+            <a:lvl9pPr marL="4114800" lvl="8" indent="-304800">
               <a:spcBef>
                 <a:spcPts val="0"/>
               </a:spcBef>
@@ -3890,15 +4021,19 @@
               <a:defRPr sz="1200"/>
             </a:lvl9pPr>
           </a:lstStyle>
-          <a:p/>
+          <a:p>
+            <a:endParaRPr/>
+          </a:p>
         </p:txBody>
       </p:sp>
       <p:sp>
         <p:nvSpPr>
           <p:cNvPr id="24" name="Google Shape;24;p5"/>
-          <p:cNvSpPr txBox="1"/>
+          <p:cNvSpPr txBox="1">
+            <a:spLocks noGrp="1"/>
+          </p:cNvSpPr>
           <p:nvPr>
-            <p:ph idx="12" type="sldNum"/>
+            <p:ph type="sldNum" idx="12"/>
           </p:nvPr>
         </p:nvSpPr>
         <p:spPr>
@@ -3911,7 +4046,7 @@
           </a:prstGeom>
         </p:spPr>
         <p:txBody>
-          <a:bodyPr anchorCtr="0" anchor="ctr" bIns="91425" lIns="91425" spcFirstLastPara="1" rIns="91425" wrap="square" tIns="91425">
+          <a:bodyPr spcFirstLastPara="1" wrap="square" lIns="91425" tIns="91425" rIns="91425" bIns="91425" anchor="ctr" anchorCtr="0">
             <a:normAutofit/>
           </a:bodyPr>
           <a:lstStyle>
@@ -3953,7 +4088,7 @@
             </a:lvl9pPr>
           </a:lstStyle>
           <a:p>
-            <a:pPr indent="0" lvl="0" marL="0" rtl="0" algn="r">
+            <a:pPr marL="0" lvl="0" indent="0" algn="r" rtl="0">
               <a:spcBef>
                 <a:spcPts val="0"/>
               </a:spcBef>
@@ -3979,11 +4114,11 @@
 </file>
 
 <file path=ppt/slideLayouts/slideLayout5.xml><?xml version="1.0" encoding="utf-8"?>
-<p:sldLayout xmlns:a="http://schemas.openxmlformats.org/drawingml/2006/main" xmlns:r="http://schemas.openxmlformats.org/officeDocument/2006/relationships" xmlns:mc="http://schemas.openxmlformats.org/markup-compatibility/2006" xmlns:mv="urn:schemas-microsoft-com:mac:vml" xmlns:p="http://schemas.openxmlformats.org/presentationml/2006/main" xmlns:c="http://schemas.openxmlformats.org/drawingml/2006/chart" xmlns:dgm="http://schemas.openxmlformats.org/drawingml/2006/diagram" xmlns:o="urn:schemas-microsoft-com:office:office" xmlns:v="urn:schemas-microsoft-com:vml" xmlns:pvml="urn:schemas-microsoft-com:office:powerpoint" xmlns:com="http://schemas.openxmlformats.org/drawingml/2006/compatibility" xmlns:p14="http://schemas.microsoft.com/office/powerpoint/2010/main" xmlns:p15="http://schemas.microsoft.com/office/powerpoint/2012/main" xmlns:ahyp="http://schemas.microsoft.com/office/drawing/2018/hyperlinkcolor" matchingName="Title only" type="titleOnly">
+<p:sldLayout xmlns:a="http://schemas.openxmlformats.org/drawingml/2006/main" xmlns:r="http://schemas.openxmlformats.org/officeDocument/2006/relationships" xmlns:p="http://schemas.openxmlformats.org/presentationml/2006/main" matchingName="Title only" type="titleOnly">
   <p:cSld name="TITLE_ONLY">
     <p:spTree>
       <p:nvGrpSpPr>
-        <p:cNvPr id="25" name="Shape 25"/>
+        <p:cNvPr id="1" name="Shape 25"/>
         <p:cNvGrpSpPr/>
         <p:nvPr/>
       </p:nvGrpSpPr>
@@ -3998,7 +4133,9 @@
       <p:sp>
         <p:nvSpPr>
           <p:cNvPr id="26" name="Google Shape;26;p6"/>
-          <p:cNvSpPr txBox="1"/>
+          <p:cNvSpPr txBox="1">
+            <a:spLocks noGrp="1"/>
+          </p:cNvSpPr>
           <p:nvPr>
             <p:ph type="title"/>
           </p:nvPr>
@@ -4013,7 +4150,7 @@
           </a:prstGeom>
         </p:spPr>
         <p:txBody>
-          <a:bodyPr anchorCtr="0" anchor="t" bIns="91425" lIns="91425" spcFirstLastPara="1" rIns="91425" wrap="square" tIns="91425">
+          <a:bodyPr spcFirstLastPara="1" wrap="square" lIns="91425" tIns="91425" rIns="91425" bIns="91425" anchor="t" anchorCtr="0">
             <a:normAutofit/>
           </a:bodyPr>
           <a:lstStyle>
@@ -4117,15 +4254,19 @@
               <a:defRPr/>
             </a:lvl9pPr>
           </a:lstStyle>
-          <a:p/>
+          <a:p>
+            <a:endParaRPr/>
+          </a:p>
         </p:txBody>
       </p:sp>
       <p:sp>
         <p:nvSpPr>
           <p:cNvPr id="27" name="Google Shape;27;p6"/>
-          <p:cNvSpPr txBox="1"/>
+          <p:cNvSpPr txBox="1">
+            <a:spLocks noGrp="1"/>
+          </p:cNvSpPr>
           <p:nvPr>
-            <p:ph idx="12" type="sldNum"/>
+            <p:ph type="sldNum" idx="12"/>
           </p:nvPr>
         </p:nvSpPr>
         <p:spPr>
@@ -4138,7 +4279,7 @@
           </a:prstGeom>
         </p:spPr>
         <p:txBody>
-          <a:bodyPr anchorCtr="0" anchor="ctr" bIns="91425" lIns="91425" spcFirstLastPara="1" rIns="91425" wrap="square" tIns="91425">
+          <a:bodyPr spcFirstLastPara="1" wrap="square" lIns="91425" tIns="91425" rIns="91425" bIns="91425" anchor="ctr" anchorCtr="0">
             <a:normAutofit/>
           </a:bodyPr>
           <a:lstStyle>
@@ -4180,7 +4321,7 @@
             </a:lvl9pPr>
           </a:lstStyle>
           <a:p>
-            <a:pPr indent="0" lvl="0" marL="0" rtl="0" algn="r">
+            <a:pPr marL="0" lvl="0" indent="0" algn="r" rtl="0">
               <a:spcBef>
                 <a:spcPts val="0"/>
               </a:spcBef>
@@ -4206,11 +4347,11 @@
 </file>
 
 <file path=ppt/slideLayouts/slideLayout6.xml><?xml version="1.0" encoding="utf-8"?>
-<p:sldLayout xmlns:a="http://schemas.openxmlformats.org/drawingml/2006/main" xmlns:r="http://schemas.openxmlformats.org/officeDocument/2006/relationships" xmlns:mc="http://schemas.openxmlformats.org/markup-compatibility/2006" xmlns:mv="urn:schemas-microsoft-com:mac:vml" xmlns:p="http://schemas.openxmlformats.org/presentationml/2006/main" xmlns:c="http://schemas.openxmlformats.org/drawingml/2006/chart" xmlns:dgm="http://schemas.openxmlformats.org/drawingml/2006/diagram" xmlns:o="urn:schemas-microsoft-com:office:office" xmlns:v="urn:schemas-microsoft-com:vml" xmlns:pvml="urn:schemas-microsoft-com:office:powerpoint" xmlns:com="http://schemas.openxmlformats.org/drawingml/2006/compatibility" xmlns:p14="http://schemas.microsoft.com/office/powerpoint/2010/main" xmlns:p15="http://schemas.microsoft.com/office/powerpoint/2012/main" xmlns:ahyp="http://schemas.microsoft.com/office/drawing/2018/hyperlinkcolor" matchingName="One column text">
+<p:sldLayout xmlns:a="http://schemas.openxmlformats.org/drawingml/2006/main" xmlns:r="http://schemas.openxmlformats.org/officeDocument/2006/relationships" xmlns:p="http://schemas.openxmlformats.org/presentationml/2006/main" matchingName="One column text">
   <p:cSld name="ONE_COLUMN_TEXT">
     <p:spTree>
       <p:nvGrpSpPr>
-        <p:cNvPr id="28" name="Shape 28"/>
+        <p:cNvPr id="1" name="Shape 28"/>
         <p:cNvGrpSpPr/>
         <p:nvPr/>
       </p:nvGrpSpPr>
@@ -4225,7 +4366,9 @@
       <p:sp>
         <p:nvSpPr>
           <p:cNvPr id="29" name="Google Shape;29;p7"/>
-          <p:cNvSpPr txBox="1"/>
+          <p:cNvSpPr txBox="1">
+            <a:spLocks noGrp="1"/>
+          </p:cNvSpPr>
           <p:nvPr>
             <p:ph type="title"/>
           </p:nvPr>
@@ -4240,7 +4383,7 @@
           </a:prstGeom>
         </p:spPr>
         <p:txBody>
-          <a:bodyPr anchorCtr="0" anchor="b" bIns="91425" lIns="91425" spcFirstLastPara="1" rIns="91425" wrap="square" tIns="91425">
+          <a:bodyPr spcFirstLastPara="1" wrap="square" lIns="91425" tIns="91425" rIns="91425" bIns="91425" anchor="b" anchorCtr="0">
             <a:normAutofit/>
           </a:bodyPr>
           <a:lstStyle>
@@ -4344,15 +4487,19 @@
               <a:defRPr sz="2400"/>
             </a:lvl9pPr>
           </a:lstStyle>
-          <a:p/>
+          <a:p>
+            <a:endParaRPr/>
+          </a:p>
         </p:txBody>
       </p:sp>
       <p:sp>
         <p:nvSpPr>
           <p:cNvPr id="30" name="Google Shape;30;p7"/>
-          <p:cNvSpPr txBox="1"/>
+          <p:cNvSpPr txBox="1">
+            <a:spLocks noGrp="1"/>
+          </p:cNvSpPr>
           <p:nvPr>
-            <p:ph idx="1" type="body"/>
+            <p:ph type="body" idx="1"/>
           </p:nvPr>
         </p:nvSpPr>
         <p:spPr>
@@ -4365,11 +4512,11 @@
           </a:prstGeom>
         </p:spPr>
         <p:txBody>
-          <a:bodyPr anchorCtr="0" anchor="t" bIns="91425" lIns="91425" spcFirstLastPara="1" rIns="91425" wrap="square" tIns="91425">
+          <a:bodyPr spcFirstLastPara="1" wrap="square" lIns="91425" tIns="91425" rIns="91425" bIns="91425" anchor="t" anchorCtr="0">
             <a:normAutofit/>
           </a:bodyPr>
           <a:lstStyle>
-            <a:lvl1pPr indent="-304800" lvl="0" marL="457200">
+            <a:lvl1pPr marL="457200" lvl="0" indent="-304800">
               <a:spcBef>
                 <a:spcPts val="0"/>
               </a:spcBef>
@@ -4380,7 +4527,7 @@
               <a:buChar char="●"/>
               <a:defRPr sz="1200"/>
             </a:lvl1pPr>
-            <a:lvl2pPr indent="-304800" lvl="1" marL="914400">
+            <a:lvl2pPr marL="914400" lvl="1" indent="-304800">
               <a:spcBef>
                 <a:spcPts val="0"/>
               </a:spcBef>
@@ -4391,7 +4538,7 @@
               <a:buChar char="○"/>
               <a:defRPr sz="1200"/>
             </a:lvl2pPr>
-            <a:lvl3pPr indent="-304800" lvl="2" marL="1371600">
+            <a:lvl3pPr marL="1371600" lvl="2" indent="-304800">
               <a:spcBef>
                 <a:spcPts val="0"/>
               </a:spcBef>
@@ -4402,7 +4549,7 @@
               <a:buChar char="■"/>
               <a:defRPr sz="1200"/>
             </a:lvl3pPr>
-            <a:lvl4pPr indent="-304800" lvl="3" marL="1828800">
+            <a:lvl4pPr marL="1828800" lvl="3" indent="-304800">
               <a:spcBef>
                 <a:spcPts val="0"/>
               </a:spcBef>
@@ -4413,7 +4560,7 @@
               <a:buChar char="●"/>
               <a:defRPr sz="1200"/>
             </a:lvl4pPr>
-            <a:lvl5pPr indent="-304800" lvl="4" marL="2286000">
+            <a:lvl5pPr marL="2286000" lvl="4" indent="-304800">
               <a:spcBef>
                 <a:spcPts val="0"/>
               </a:spcBef>
@@ -4424,7 +4571,7 @@
               <a:buChar char="○"/>
               <a:defRPr sz="1200"/>
             </a:lvl5pPr>
-            <a:lvl6pPr indent="-304800" lvl="5" marL="2743200">
+            <a:lvl6pPr marL="2743200" lvl="5" indent="-304800">
               <a:spcBef>
                 <a:spcPts val="0"/>
               </a:spcBef>
@@ -4435,7 +4582,7 @@
               <a:buChar char="■"/>
               <a:defRPr sz="1200"/>
             </a:lvl6pPr>
-            <a:lvl7pPr indent="-304800" lvl="6" marL="3200400">
+            <a:lvl7pPr marL="3200400" lvl="6" indent="-304800">
               <a:spcBef>
                 <a:spcPts val="0"/>
               </a:spcBef>
@@ -4446,7 +4593,7 @@
               <a:buChar char="●"/>
               <a:defRPr sz="1200"/>
             </a:lvl7pPr>
-            <a:lvl8pPr indent="-304800" lvl="7" marL="3657600">
+            <a:lvl8pPr marL="3657600" lvl="7" indent="-304800">
               <a:spcBef>
                 <a:spcPts val="0"/>
               </a:spcBef>
@@ -4457,7 +4604,7 @@
               <a:buChar char="○"/>
               <a:defRPr sz="1200"/>
             </a:lvl8pPr>
-            <a:lvl9pPr indent="-304800" lvl="8" marL="4114800">
+            <a:lvl9pPr marL="4114800" lvl="8" indent="-304800">
               <a:spcBef>
                 <a:spcPts val="0"/>
               </a:spcBef>
@@ -4469,15 +4616,19 @@
               <a:defRPr sz="1200"/>
             </a:lvl9pPr>
           </a:lstStyle>
-          <a:p/>
+          <a:p>
+            <a:endParaRPr/>
+          </a:p>
         </p:txBody>
       </p:sp>
       <p:sp>
         <p:nvSpPr>
           <p:cNvPr id="31" name="Google Shape;31;p7"/>
-          <p:cNvSpPr txBox="1"/>
+          <p:cNvSpPr txBox="1">
+            <a:spLocks noGrp="1"/>
+          </p:cNvSpPr>
           <p:nvPr>
-            <p:ph idx="12" type="sldNum"/>
+            <p:ph type="sldNum" idx="12"/>
           </p:nvPr>
         </p:nvSpPr>
         <p:spPr>
@@ -4490,7 +4641,7 @@
           </a:prstGeom>
         </p:spPr>
         <p:txBody>
-          <a:bodyPr anchorCtr="0" anchor="ctr" bIns="91425" lIns="91425" spcFirstLastPara="1" rIns="91425" wrap="square" tIns="91425">
+          <a:bodyPr spcFirstLastPara="1" wrap="square" lIns="91425" tIns="91425" rIns="91425" bIns="91425" anchor="ctr" anchorCtr="0">
             <a:normAutofit/>
           </a:bodyPr>
           <a:lstStyle>
@@ -4532,7 +4683,7 @@
             </a:lvl9pPr>
           </a:lstStyle>
           <a:p>
-            <a:pPr indent="0" lvl="0" marL="0" rtl="0" algn="r">
+            <a:pPr marL="0" lvl="0" indent="0" algn="r" rtl="0">
               <a:spcBef>
                 <a:spcPts val="0"/>
               </a:spcBef>
@@ -4558,11 +4709,11 @@
 </file>
 
 <file path=ppt/slideLayouts/slideLayout7.xml><?xml version="1.0" encoding="utf-8"?>
-<p:sldLayout xmlns:a="http://schemas.openxmlformats.org/drawingml/2006/main" xmlns:r="http://schemas.openxmlformats.org/officeDocument/2006/relationships" xmlns:mc="http://schemas.openxmlformats.org/markup-compatibility/2006" xmlns:mv="urn:schemas-microsoft-com:mac:vml" xmlns:p="http://schemas.openxmlformats.org/presentationml/2006/main" xmlns:c="http://schemas.openxmlformats.org/drawingml/2006/chart" xmlns:dgm="http://schemas.openxmlformats.org/drawingml/2006/diagram" xmlns:o="urn:schemas-microsoft-com:office:office" xmlns:v="urn:schemas-microsoft-com:vml" xmlns:pvml="urn:schemas-microsoft-com:office:powerpoint" xmlns:com="http://schemas.openxmlformats.org/drawingml/2006/compatibility" xmlns:p14="http://schemas.microsoft.com/office/powerpoint/2010/main" xmlns:p15="http://schemas.microsoft.com/office/powerpoint/2012/main" xmlns:ahyp="http://schemas.microsoft.com/office/drawing/2018/hyperlinkcolor" matchingName="Main point">
+<p:sldLayout xmlns:a="http://schemas.openxmlformats.org/drawingml/2006/main" xmlns:r="http://schemas.openxmlformats.org/officeDocument/2006/relationships" xmlns:p="http://schemas.openxmlformats.org/presentationml/2006/main" matchingName="Main point">
   <p:cSld name="MAIN_POINT">
     <p:spTree>
       <p:nvGrpSpPr>
-        <p:cNvPr id="32" name="Shape 32"/>
+        <p:cNvPr id="1" name="Shape 32"/>
         <p:cNvGrpSpPr/>
         <p:nvPr/>
       </p:nvGrpSpPr>
@@ -4577,7 +4728,9 @@
       <p:sp>
         <p:nvSpPr>
           <p:cNvPr id="33" name="Google Shape;33;p8"/>
-          <p:cNvSpPr txBox="1"/>
+          <p:cNvSpPr txBox="1">
+            <a:spLocks noGrp="1"/>
+          </p:cNvSpPr>
           <p:nvPr>
             <p:ph type="title"/>
           </p:nvPr>
@@ -4592,7 +4745,7 @@
           </a:prstGeom>
         </p:spPr>
         <p:txBody>
-          <a:bodyPr anchorCtr="0" anchor="ctr" bIns="91425" lIns="91425" spcFirstLastPara="1" rIns="91425" wrap="square" tIns="91425">
+          <a:bodyPr spcFirstLastPara="1" wrap="square" lIns="91425" tIns="91425" rIns="91425" bIns="91425" anchor="ctr" anchorCtr="0">
             <a:normAutofit/>
           </a:bodyPr>
           <a:lstStyle>
@@ -4696,15 +4849,19 @@
               <a:defRPr sz="4800"/>
             </a:lvl9pPr>
           </a:lstStyle>
-          <a:p/>
+          <a:p>
+            <a:endParaRPr/>
+          </a:p>
         </p:txBody>
       </p:sp>
       <p:sp>
         <p:nvSpPr>
           <p:cNvPr id="34" name="Google Shape;34;p8"/>
-          <p:cNvSpPr txBox="1"/>
+          <p:cNvSpPr txBox="1">
+            <a:spLocks noGrp="1"/>
+          </p:cNvSpPr>
           <p:nvPr>
-            <p:ph idx="12" type="sldNum"/>
+            <p:ph type="sldNum" idx="12"/>
           </p:nvPr>
         </p:nvSpPr>
         <p:spPr>
@@ -4717,7 +4874,7 @@
           </a:prstGeom>
         </p:spPr>
         <p:txBody>
-          <a:bodyPr anchorCtr="0" anchor="ctr" bIns="91425" lIns="91425" spcFirstLastPara="1" rIns="91425" wrap="square" tIns="91425">
+          <a:bodyPr spcFirstLastPara="1" wrap="square" lIns="91425" tIns="91425" rIns="91425" bIns="91425" anchor="ctr" anchorCtr="0">
             <a:normAutofit/>
           </a:bodyPr>
           <a:lstStyle>
@@ -4759,7 +4916,7 @@
             </a:lvl9pPr>
           </a:lstStyle>
           <a:p>
-            <a:pPr indent="0" lvl="0" marL="0" rtl="0" algn="r">
+            <a:pPr marL="0" lvl="0" indent="0" algn="r" rtl="0">
               <a:spcBef>
                 <a:spcPts val="0"/>
               </a:spcBef>
@@ -4785,11 +4942,11 @@
 </file>
 
 <file path=ppt/slideLayouts/slideLayout8.xml><?xml version="1.0" encoding="utf-8"?>
-<p:sldLayout xmlns:a="http://schemas.openxmlformats.org/drawingml/2006/main" xmlns:r="http://schemas.openxmlformats.org/officeDocument/2006/relationships" xmlns:mc="http://schemas.openxmlformats.org/markup-compatibility/2006" xmlns:mv="urn:schemas-microsoft-com:mac:vml" xmlns:p="http://schemas.openxmlformats.org/presentationml/2006/main" xmlns:c="http://schemas.openxmlformats.org/drawingml/2006/chart" xmlns:dgm="http://schemas.openxmlformats.org/drawingml/2006/diagram" xmlns:o="urn:schemas-microsoft-com:office:office" xmlns:v="urn:schemas-microsoft-com:vml" xmlns:pvml="urn:schemas-microsoft-com:office:powerpoint" xmlns:com="http://schemas.openxmlformats.org/drawingml/2006/compatibility" xmlns:p14="http://schemas.microsoft.com/office/powerpoint/2010/main" xmlns:p15="http://schemas.microsoft.com/office/powerpoint/2012/main" xmlns:ahyp="http://schemas.microsoft.com/office/drawing/2018/hyperlinkcolor" matchingName="Section title and description">
+<p:sldLayout xmlns:a="http://schemas.openxmlformats.org/drawingml/2006/main" xmlns:r="http://schemas.openxmlformats.org/officeDocument/2006/relationships" xmlns:p="http://schemas.openxmlformats.org/presentationml/2006/main" matchingName="Section title and description">
   <p:cSld name="SECTION_TITLE_AND_DESCRIPTION">
     <p:spTree>
       <p:nvGrpSpPr>
-        <p:cNvPr id="35" name="Shape 35"/>
+        <p:cNvPr id="1" name="Shape 35"/>
         <p:cNvGrpSpPr/>
         <p:nvPr/>
       </p:nvGrpSpPr>
@@ -4823,12 +4980,12 @@
           </a:ln>
         </p:spPr>
         <p:txBody>
-          <a:bodyPr anchorCtr="0" anchor="ctr" bIns="91425" lIns="91425" spcFirstLastPara="1" rIns="91425" wrap="square" tIns="91425">
+          <a:bodyPr spcFirstLastPara="1" wrap="square" lIns="91425" tIns="91425" rIns="91425" bIns="91425" anchor="ctr" anchorCtr="0">
             <a:noAutofit/>
           </a:bodyPr>
           <a:lstStyle/>
           <a:p>
-            <a:pPr indent="0" lvl="0" marL="0" rtl="0" algn="l">
+            <a:pPr marL="0" lvl="0" indent="0" algn="l" rtl="0">
               <a:spcBef>
                 <a:spcPts val="0"/>
               </a:spcBef>
@@ -4837,9 +4994,6 @@
               </a:spcAft>
               <a:buNone/>
             </a:pPr>
-            <a:r>
-              <a:t/>
-            </a:r>
             <a:endParaRPr/>
           </a:p>
         </p:txBody>
@@ -4847,7 +5001,9 @@
       <p:sp>
         <p:nvSpPr>
           <p:cNvPr id="37" name="Google Shape;37;p9"/>
-          <p:cNvSpPr txBox="1"/>
+          <p:cNvSpPr txBox="1">
+            <a:spLocks noGrp="1"/>
+          </p:cNvSpPr>
           <p:nvPr>
             <p:ph type="title"/>
           </p:nvPr>
@@ -4862,7 +5018,7 @@
           </a:prstGeom>
         </p:spPr>
         <p:txBody>
-          <a:bodyPr anchorCtr="0" anchor="b" bIns="91425" lIns="91425" spcFirstLastPara="1" rIns="91425" wrap="square" tIns="91425">
+          <a:bodyPr spcFirstLastPara="1" wrap="square" lIns="91425" tIns="91425" rIns="91425" bIns="91425" anchor="b" anchorCtr="0">
             <a:normAutofit/>
           </a:bodyPr>
           <a:lstStyle>
@@ -4966,15 +5122,19 @@
               <a:defRPr sz="4200"/>
             </a:lvl9pPr>
           </a:lstStyle>
-          <a:p/>
+          <a:p>
+            <a:endParaRPr/>
+          </a:p>
         </p:txBody>
       </p:sp>
       <p:sp>
         <p:nvSpPr>
           <p:cNvPr id="38" name="Google Shape;38;p9"/>
-          <p:cNvSpPr txBox="1"/>
+          <p:cNvSpPr txBox="1">
+            <a:spLocks noGrp="1"/>
+          </p:cNvSpPr>
           <p:nvPr>
-            <p:ph idx="1" type="subTitle"/>
+            <p:ph type="subTitle" idx="1"/>
           </p:nvPr>
         </p:nvSpPr>
         <p:spPr>
@@ -4987,7 +5147,7 @@
           </a:prstGeom>
         </p:spPr>
         <p:txBody>
-          <a:bodyPr anchorCtr="0" anchor="t" bIns="91425" lIns="91425" spcFirstLastPara="1" rIns="91425" wrap="square" tIns="91425">
+          <a:bodyPr spcFirstLastPara="1" wrap="square" lIns="91425" tIns="91425" rIns="91425" bIns="91425" anchor="t" anchorCtr="0">
             <a:normAutofit/>
           </a:bodyPr>
           <a:lstStyle>
@@ -5118,15 +5278,19 @@
               <a:defRPr sz="2100"/>
             </a:lvl9pPr>
           </a:lstStyle>
-          <a:p/>
+          <a:p>
+            <a:endParaRPr/>
+          </a:p>
         </p:txBody>
       </p:sp>
       <p:sp>
         <p:nvSpPr>
           <p:cNvPr id="39" name="Google Shape;39;p9"/>
-          <p:cNvSpPr txBox="1"/>
+          <p:cNvSpPr txBox="1">
+            <a:spLocks noGrp="1"/>
+          </p:cNvSpPr>
           <p:nvPr>
-            <p:ph idx="2" type="body"/>
+            <p:ph type="body" idx="2"/>
           </p:nvPr>
         </p:nvSpPr>
         <p:spPr>
@@ -5139,11 +5303,11 @@
           </a:prstGeom>
         </p:spPr>
         <p:txBody>
-          <a:bodyPr anchorCtr="0" anchor="ctr" bIns="91425" lIns="91425" spcFirstLastPara="1" rIns="91425" wrap="square" tIns="91425">
+          <a:bodyPr spcFirstLastPara="1" wrap="square" lIns="91425" tIns="91425" rIns="91425" bIns="91425" anchor="ctr" anchorCtr="0">
             <a:normAutofit/>
           </a:bodyPr>
           <a:lstStyle>
-            <a:lvl1pPr indent="-342900" lvl="0" marL="457200">
+            <a:lvl1pPr marL="457200" lvl="0" indent="-342900">
               <a:spcBef>
                 <a:spcPts val="0"/>
               </a:spcBef>
@@ -5161,7 +5325,7 @@
                 </a:solidFill>
               </a:defRPr>
             </a:lvl1pPr>
-            <a:lvl2pPr indent="-317500" lvl="1" marL="914400">
+            <a:lvl2pPr marL="914400" lvl="1" indent="-317500">
               <a:spcBef>
                 <a:spcPts val="0"/>
               </a:spcBef>
@@ -5179,7 +5343,7 @@
                 </a:solidFill>
               </a:defRPr>
             </a:lvl2pPr>
-            <a:lvl3pPr indent="-317500" lvl="2" marL="1371600">
+            <a:lvl3pPr marL="1371600" lvl="2" indent="-317500">
               <a:spcBef>
                 <a:spcPts val="0"/>
               </a:spcBef>
@@ -5197,7 +5361,7 @@
                 </a:solidFill>
               </a:defRPr>
             </a:lvl3pPr>
-            <a:lvl4pPr indent="-317500" lvl="3" marL="1828800">
+            <a:lvl4pPr marL="1828800" lvl="3" indent="-317500">
               <a:spcBef>
                 <a:spcPts val="0"/>
               </a:spcBef>
@@ -5215,7 +5379,7 @@
                 </a:solidFill>
               </a:defRPr>
             </a:lvl4pPr>
-            <a:lvl5pPr indent="-317500" lvl="4" marL="2286000">
+            <a:lvl5pPr marL="2286000" lvl="4" indent="-317500">
               <a:spcBef>
                 <a:spcPts val="0"/>
               </a:spcBef>
@@ -5233,7 +5397,7 @@
                 </a:solidFill>
               </a:defRPr>
             </a:lvl5pPr>
-            <a:lvl6pPr indent="-317500" lvl="5" marL="2743200">
+            <a:lvl6pPr marL="2743200" lvl="5" indent="-317500">
               <a:spcBef>
                 <a:spcPts val="0"/>
               </a:spcBef>
@@ -5251,7 +5415,7 @@
                 </a:solidFill>
               </a:defRPr>
             </a:lvl6pPr>
-            <a:lvl7pPr indent="-317500" lvl="6" marL="3200400">
+            <a:lvl7pPr marL="3200400" lvl="6" indent="-317500">
               <a:spcBef>
                 <a:spcPts val="0"/>
               </a:spcBef>
@@ -5269,7 +5433,7 @@
                 </a:solidFill>
               </a:defRPr>
             </a:lvl7pPr>
-            <a:lvl8pPr indent="-317500" lvl="7" marL="3657600">
+            <a:lvl8pPr marL="3657600" lvl="7" indent="-317500">
               <a:spcBef>
                 <a:spcPts val="0"/>
               </a:spcBef>
@@ -5287,7 +5451,7 @@
                 </a:solidFill>
               </a:defRPr>
             </a:lvl8pPr>
-            <a:lvl9pPr indent="-317500" lvl="8" marL="4114800">
+            <a:lvl9pPr marL="4114800" lvl="8" indent="-317500">
               <a:spcBef>
                 <a:spcPts val="0"/>
               </a:spcBef>
@@ -5306,15 +5470,19 @@
               </a:defRPr>
             </a:lvl9pPr>
           </a:lstStyle>
-          <a:p/>
+          <a:p>
+            <a:endParaRPr/>
+          </a:p>
         </p:txBody>
       </p:sp>
       <p:sp>
         <p:nvSpPr>
           <p:cNvPr id="40" name="Google Shape;40;p9"/>
-          <p:cNvSpPr txBox="1"/>
+          <p:cNvSpPr txBox="1">
+            <a:spLocks noGrp="1"/>
+          </p:cNvSpPr>
           <p:nvPr>
-            <p:ph idx="12" type="sldNum"/>
+            <p:ph type="sldNum" idx="12"/>
           </p:nvPr>
         </p:nvSpPr>
         <p:spPr>
@@ -5327,7 +5495,7 @@
           </a:prstGeom>
         </p:spPr>
         <p:txBody>
-          <a:bodyPr anchorCtr="0" anchor="ctr" bIns="91425" lIns="91425" spcFirstLastPara="1" rIns="91425" wrap="square" tIns="91425">
+          <a:bodyPr spcFirstLastPara="1" wrap="square" lIns="91425" tIns="91425" rIns="91425" bIns="91425" anchor="ctr" anchorCtr="0">
             <a:normAutofit/>
           </a:bodyPr>
           <a:lstStyle>
@@ -5369,7 +5537,7 @@
             </a:lvl9pPr>
           </a:lstStyle>
           <a:p>
-            <a:pPr indent="0" lvl="0" marL="0" rtl="0" algn="r">
+            <a:pPr marL="0" lvl="0" indent="0" algn="r" rtl="0">
               <a:spcBef>
                 <a:spcPts val="0"/>
               </a:spcBef>
@@ -5395,11 +5563,11 @@
 </file>
 
 <file path=ppt/slideLayouts/slideLayout9.xml><?xml version="1.0" encoding="utf-8"?>
-<p:sldLayout xmlns:a="http://schemas.openxmlformats.org/drawingml/2006/main" xmlns:r="http://schemas.openxmlformats.org/officeDocument/2006/relationships" xmlns:mc="http://schemas.openxmlformats.org/markup-compatibility/2006" xmlns:mv="urn:schemas-microsoft-com:mac:vml" xmlns:p="http://schemas.openxmlformats.org/presentationml/2006/main" xmlns:c="http://schemas.openxmlformats.org/drawingml/2006/chart" xmlns:dgm="http://schemas.openxmlformats.org/drawingml/2006/diagram" xmlns:o="urn:schemas-microsoft-com:office:office" xmlns:v="urn:schemas-microsoft-com:vml" xmlns:pvml="urn:schemas-microsoft-com:office:powerpoint" xmlns:com="http://schemas.openxmlformats.org/drawingml/2006/compatibility" xmlns:p14="http://schemas.microsoft.com/office/powerpoint/2010/main" xmlns:p15="http://schemas.microsoft.com/office/powerpoint/2012/main" xmlns:ahyp="http://schemas.microsoft.com/office/drawing/2018/hyperlinkcolor" matchingName="Caption">
+<p:sldLayout xmlns:a="http://schemas.openxmlformats.org/drawingml/2006/main" xmlns:r="http://schemas.openxmlformats.org/officeDocument/2006/relationships" xmlns:p="http://schemas.openxmlformats.org/presentationml/2006/main" matchingName="Caption">
   <p:cSld name="CAPTION_ONLY">
     <p:spTree>
       <p:nvGrpSpPr>
-        <p:cNvPr id="41" name="Shape 41"/>
+        <p:cNvPr id="1" name="Shape 41"/>
         <p:cNvGrpSpPr/>
         <p:nvPr/>
       </p:nvGrpSpPr>
@@ -5414,9 +5582,11 @@
       <p:sp>
         <p:nvSpPr>
           <p:cNvPr id="42" name="Google Shape;42;p10"/>
-          <p:cNvSpPr txBox="1"/>
+          <p:cNvSpPr txBox="1">
+            <a:spLocks noGrp="1"/>
+          </p:cNvSpPr>
           <p:nvPr>
-            <p:ph idx="1" type="body"/>
+            <p:ph type="body" idx="1"/>
           </p:nvPr>
         </p:nvSpPr>
         <p:spPr>
@@ -5429,11 +5599,11 @@
           </a:prstGeom>
         </p:spPr>
         <p:txBody>
-          <a:bodyPr anchorCtr="0" anchor="ctr" bIns="91425" lIns="91425" spcFirstLastPara="1" rIns="91425" wrap="square" tIns="91425">
+          <a:bodyPr spcFirstLastPara="1" wrap="square" lIns="91425" tIns="91425" rIns="91425" bIns="91425" anchor="ctr" anchorCtr="0">
             <a:normAutofit/>
           </a:bodyPr>
           <a:lstStyle>
-            <a:lvl1pPr indent="-228600" lvl="0" marL="457200">
+            <a:lvl1pPr marL="457200" lvl="0" indent="-228600">
               <a:lnSpc>
                 <a:spcPct val="100000"/>
               </a:lnSpc>
@@ -5448,15 +5618,19 @@
               <a:defRPr/>
             </a:lvl1pPr>
           </a:lstStyle>
-          <a:p/>
+          <a:p>
+            <a:endParaRPr/>
+          </a:p>
         </p:txBody>
       </p:sp>
       <p:sp>
         <p:nvSpPr>
           <p:cNvPr id="43" name="Google Shape;43;p10"/>
-          <p:cNvSpPr txBox="1"/>
+          <p:cNvSpPr txBox="1">
+            <a:spLocks noGrp="1"/>
+          </p:cNvSpPr>
           <p:nvPr>
-            <p:ph idx="12" type="sldNum"/>
+            <p:ph type="sldNum" idx="12"/>
           </p:nvPr>
         </p:nvSpPr>
         <p:spPr>
@@ -5469,7 +5643,7 @@
           </a:prstGeom>
         </p:spPr>
         <p:txBody>
-          <a:bodyPr anchorCtr="0" anchor="ctr" bIns="91425" lIns="91425" spcFirstLastPara="1" rIns="91425" wrap="square" tIns="91425">
+          <a:bodyPr spcFirstLastPara="1" wrap="square" lIns="91425" tIns="91425" rIns="91425" bIns="91425" anchor="ctr" anchorCtr="0">
             <a:normAutofit/>
           </a:bodyPr>
           <a:lstStyle>
@@ -5511,7 +5685,7 @@
             </a:lvl9pPr>
           </a:lstStyle>
           <a:p>
-            <a:pPr indent="0" lvl="0" marL="0" rtl="0" algn="r">
+            <a:pPr marL="0" lvl="0" indent="0" algn="r" rtl="0">
               <a:spcBef>
                 <a:spcPts val="0"/>
               </a:spcBef>
@@ -5537,18 +5711,19 @@
 </file>
 
 <file path=ppt/slideMasters/slideMaster1.xml><?xml version="1.0" encoding="utf-8"?>
-<p:sldMaster xmlns:a="http://schemas.openxmlformats.org/drawingml/2006/main" xmlns:r="http://schemas.openxmlformats.org/officeDocument/2006/relationships" xmlns:mc="http://schemas.openxmlformats.org/markup-compatibility/2006" xmlns:mv="urn:schemas-microsoft-com:mac:vml" xmlns:p="http://schemas.openxmlformats.org/presentationml/2006/main" xmlns:c="http://schemas.openxmlformats.org/drawingml/2006/chart" xmlns:dgm="http://schemas.openxmlformats.org/drawingml/2006/diagram" xmlns:o="urn:schemas-microsoft-com:office:office" xmlns:v="urn:schemas-microsoft-com:vml" xmlns:pvml="urn:schemas-microsoft-com:office:powerpoint" xmlns:com="http://schemas.openxmlformats.org/drawingml/2006/compatibility" xmlns:p14="http://schemas.microsoft.com/office/powerpoint/2010/main" xmlns:p15="http://schemas.microsoft.com/office/powerpoint/2012/main" xmlns:ahyp="http://schemas.microsoft.com/office/drawing/2018/hyperlinkcolor">
+<p:sldMaster xmlns:a="http://schemas.openxmlformats.org/drawingml/2006/main" xmlns:r="http://schemas.openxmlformats.org/officeDocument/2006/relationships" xmlns:p="http://schemas.openxmlformats.org/presentationml/2006/main">
   <p:cSld name="simple-dark-2">
     <p:bg>
       <p:bgPr>
         <a:solidFill>
           <a:schemeClr val="lt1"/>
         </a:solidFill>
+        <a:effectLst/>
       </p:bgPr>
     </p:bg>
     <p:spTree>
       <p:nvGrpSpPr>
-        <p:cNvPr id="5" name="Shape 5"/>
+        <p:cNvPr id="1" name="Shape 5"/>
         <p:cNvGrpSpPr/>
         <p:nvPr/>
       </p:nvGrpSpPr>
@@ -5563,7 +5738,9 @@
       <p:sp>
         <p:nvSpPr>
           <p:cNvPr id="6" name="Google Shape;6;p1"/>
-          <p:cNvSpPr txBox="1"/>
+          <p:cNvSpPr txBox="1">
+            <a:spLocks noGrp="1"/>
+          </p:cNvSpPr>
           <p:nvPr>
             <p:ph type="title"/>
           </p:nvPr>
@@ -5582,7 +5759,7 @@
           </a:ln>
         </p:spPr>
         <p:txBody>
-          <a:bodyPr anchorCtr="0" anchor="t" bIns="91425" lIns="91425" spcFirstLastPara="1" rIns="91425" wrap="square" tIns="91425">
+          <a:bodyPr spcFirstLastPara="1" wrap="square" lIns="91425" tIns="91425" rIns="91425" bIns="91425" anchor="t" anchorCtr="0">
             <a:normAutofit/>
           </a:bodyPr>
           <a:lstStyle>
@@ -5749,15 +5926,19 @@
               </a:defRPr>
             </a:lvl9pPr>
           </a:lstStyle>
-          <a:p/>
+          <a:p>
+            <a:endParaRPr/>
+          </a:p>
         </p:txBody>
       </p:sp>
       <p:sp>
         <p:nvSpPr>
           <p:cNvPr id="7" name="Google Shape;7;p1"/>
-          <p:cNvSpPr txBox="1"/>
+          <p:cNvSpPr txBox="1">
+            <a:spLocks noGrp="1"/>
+          </p:cNvSpPr>
           <p:nvPr>
-            <p:ph idx="1" type="body"/>
+            <p:ph type="body" idx="1"/>
           </p:nvPr>
         </p:nvSpPr>
         <p:spPr>
@@ -5774,11 +5955,11 @@
           </a:ln>
         </p:spPr>
         <p:txBody>
-          <a:bodyPr anchorCtr="0" anchor="t" bIns="91425" lIns="91425" spcFirstLastPara="1" rIns="91425" wrap="square" tIns="91425">
+          <a:bodyPr spcFirstLastPara="1" wrap="square" lIns="91425" tIns="91425" rIns="91425" bIns="91425" anchor="t" anchorCtr="0">
             <a:normAutofit/>
           </a:bodyPr>
           <a:lstStyle>
-            <a:lvl1pPr indent="-342900" lvl="0" marL="457200">
+            <a:lvl1pPr marL="457200" lvl="0" indent="-342900">
               <a:lnSpc>
                 <a:spcPct val="115000"/>
               </a:lnSpc>
@@ -5799,7 +5980,7 @@
                 </a:solidFill>
               </a:defRPr>
             </a:lvl1pPr>
-            <a:lvl2pPr indent="-317500" lvl="1" marL="914400">
+            <a:lvl2pPr marL="914400" lvl="1" indent="-317500">
               <a:lnSpc>
                 <a:spcPct val="115000"/>
               </a:lnSpc>
@@ -5820,7 +6001,7 @@
                 </a:solidFill>
               </a:defRPr>
             </a:lvl2pPr>
-            <a:lvl3pPr indent="-317500" lvl="2" marL="1371600">
+            <a:lvl3pPr marL="1371600" lvl="2" indent="-317500">
               <a:lnSpc>
                 <a:spcPct val="115000"/>
               </a:lnSpc>
@@ -5841,7 +6022,7 @@
                 </a:solidFill>
               </a:defRPr>
             </a:lvl3pPr>
-            <a:lvl4pPr indent="-317500" lvl="3" marL="1828800">
+            <a:lvl4pPr marL="1828800" lvl="3" indent="-317500">
               <a:lnSpc>
                 <a:spcPct val="115000"/>
               </a:lnSpc>
@@ -5862,7 +6043,7 @@
                 </a:solidFill>
               </a:defRPr>
             </a:lvl4pPr>
-            <a:lvl5pPr indent="-317500" lvl="4" marL="2286000">
+            <a:lvl5pPr marL="2286000" lvl="4" indent="-317500">
               <a:lnSpc>
                 <a:spcPct val="115000"/>
               </a:lnSpc>
@@ -5883,7 +6064,7 @@
                 </a:solidFill>
               </a:defRPr>
             </a:lvl5pPr>
-            <a:lvl6pPr indent="-317500" lvl="5" marL="2743200">
+            <a:lvl6pPr marL="2743200" lvl="5" indent="-317500">
               <a:lnSpc>
                 <a:spcPct val="115000"/>
               </a:lnSpc>
@@ -5904,7 +6085,7 @@
                 </a:solidFill>
               </a:defRPr>
             </a:lvl6pPr>
-            <a:lvl7pPr indent="-317500" lvl="6" marL="3200400">
+            <a:lvl7pPr marL="3200400" lvl="6" indent="-317500">
               <a:lnSpc>
                 <a:spcPct val="115000"/>
               </a:lnSpc>
@@ -5925,7 +6106,7 @@
                 </a:solidFill>
               </a:defRPr>
             </a:lvl7pPr>
-            <a:lvl8pPr indent="-317500" lvl="7" marL="3657600">
+            <a:lvl8pPr marL="3657600" lvl="7" indent="-317500">
               <a:lnSpc>
                 <a:spcPct val="115000"/>
               </a:lnSpc>
@@ -5946,7 +6127,7 @@
                 </a:solidFill>
               </a:defRPr>
             </a:lvl8pPr>
-            <a:lvl9pPr indent="-317500" lvl="8" marL="4114800">
+            <a:lvl9pPr marL="4114800" lvl="8" indent="-317500">
               <a:lnSpc>
                 <a:spcPct val="115000"/>
               </a:lnSpc>
@@ -5968,15 +6149,19 @@
               </a:defRPr>
             </a:lvl9pPr>
           </a:lstStyle>
-          <a:p/>
+          <a:p>
+            <a:endParaRPr/>
+          </a:p>
         </p:txBody>
       </p:sp>
       <p:sp>
         <p:nvSpPr>
           <p:cNvPr id="8" name="Google Shape;8;p1"/>
-          <p:cNvSpPr txBox="1"/>
+          <p:cNvSpPr txBox="1">
+            <a:spLocks noGrp="1"/>
+          </p:cNvSpPr>
           <p:nvPr>
-            <p:ph idx="12" type="sldNum"/>
+            <p:ph type="sldNum" idx="12"/>
           </p:nvPr>
         </p:nvSpPr>
         <p:spPr>
@@ -5993,7 +6178,7 @@
           </a:ln>
         </p:spPr>
         <p:txBody>
-          <a:bodyPr anchorCtr="0" anchor="ctr" bIns="91425" lIns="91425" spcFirstLastPara="1" rIns="91425" wrap="square" tIns="91425">
+          <a:bodyPr spcFirstLastPara="1" wrap="square" lIns="91425" tIns="91425" rIns="91425" bIns="91425" anchor="ctr" anchorCtr="0">
             <a:normAutofit/>
           </a:bodyPr>
           <a:lstStyle>
@@ -6071,7 +6256,7 @@
             </a:lvl9pPr>
           </a:lstStyle>
           <a:p>
-            <a:pPr indent="0" lvl="0" marL="0" rtl="0" algn="r">
+            <a:pPr marL="0" lvl="0" indent="0" algn="r" rtl="0">
               <a:spcBef>
                 <a:spcPts val="0"/>
               </a:spcBef>
@@ -6090,7 +6275,7 @@
       </p:sp>
     </p:spTree>
   </p:cSld>
-  <p:clrMap accent1="accent1" accent2="accent2" accent3="accent3" accent4="accent4" accent5="accent5" accent6="accent6" bg1="lt1" bg2="dk2" tx1="dk1" tx2="lt2" folHlink="folHlink" hlink="hlink"/>
+  <p:clrMap bg1="lt1" tx1="dk1" bg2="dk2" tx2="lt2" accent1="accent1" accent2="accent2" accent3="accent3" accent4="accent4" accent5="accent5" accent6="accent6" hlink="hlink" folHlink="folHlink"/>
   <p:sldLayoutIdLst>
     <p:sldLayoutId id="2147483648" r:id="rId1"/>
     <p:sldLayoutId id="2147483649" r:id="rId2"/>
@@ -6104,10 +6289,10 @@
     <p:sldLayoutId id="2147483657" r:id="rId10"/>
     <p:sldLayoutId id="2147483658" r:id="rId11"/>
   </p:sldLayoutIdLst>
-  <p:hf dt="0" ftr="0" hdr="0" sldNum="0"/>
+  <p:hf sldNum="0" hdr="0" ftr="0" dt="0"/>
   <p:txStyles>
     <p:titleStyle>
-      <a:defPPr lvl="0" marR="0" rtl="0" algn="l">
+      <a:defPPr marR="0" lvl="0" algn="l" rtl="0">
         <a:lnSpc>
           <a:spcPct val="100000"/>
         </a:lnSpc>
@@ -6118,7 +6303,7 @@
           <a:spcPts val="0"/>
         </a:spcAft>
       </a:defPPr>
-      <a:lvl1pPr lvl="0" marR="0" rtl="0" algn="l">
+      <a:lvl1pPr marR="0" lvl="0" algn="l" rtl="0">
         <a:lnSpc>
           <a:spcPct val="100000"/>
         </a:lnSpc>
@@ -6132,7 +6317,7 @@
           <a:srgbClr val="000000"/>
         </a:buClr>
         <a:buFont typeface="Arial"/>
-        <a:defRPr b="0" i="0" sz="1400" u="none" cap="none" strike="noStrike">
+        <a:defRPr sz="1400" b="0" i="0" u="none" strike="noStrike" cap="none">
           <a:solidFill>
             <a:srgbClr val="000000"/>
           </a:solidFill>
@@ -6142,7 +6327,7 @@
           <a:sym typeface="Arial"/>
         </a:defRPr>
       </a:lvl1pPr>
-      <a:lvl2pPr lvl="1" marR="0" rtl="0" algn="l">
+      <a:lvl2pPr marR="0" lvl="1" algn="l" rtl="0">
         <a:lnSpc>
           <a:spcPct val="100000"/>
         </a:lnSpc>
@@ -6156,7 +6341,7 @@
           <a:srgbClr val="000000"/>
         </a:buClr>
         <a:buFont typeface="Arial"/>
-        <a:defRPr b="0" i="0" sz="1400" u="none" cap="none" strike="noStrike">
+        <a:defRPr sz="1400" b="0" i="0" u="none" strike="noStrike" cap="none">
           <a:solidFill>
             <a:srgbClr val="000000"/>
           </a:solidFill>
@@ -6166,7 +6351,7 @@
           <a:sym typeface="Arial"/>
         </a:defRPr>
       </a:lvl2pPr>
-      <a:lvl3pPr lvl="2" marR="0" rtl="0" algn="l">
+      <a:lvl3pPr marR="0" lvl="2" algn="l" rtl="0">
         <a:lnSpc>
           <a:spcPct val="100000"/>
         </a:lnSpc>
@@ -6180,7 +6365,7 @@
           <a:srgbClr val="000000"/>
         </a:buClr>
         <a:buFont typeface="Arial"/>
-        <a:defRPr b="0" i="0" sz="1400" u="none" cap="none" strike="noStrike">
+        <a:defRPr sz="1400" b="0" i="0" u="none" strike="noStrike" cap="none">
           <a:solidFill>
             <a:srgbClr val="000000"/>
           </a:solidFill>
@@ -6190,7 +6375,7 @@
           <a:sym typeface="Arial"/>
         </a:defRPr>
       </a:lvl3pPr>
-      <a:lvl4pPr lvl="3" marR="0" rtl="0" algn="l">
+      <a:lvl4pPr marR="0" lvl="3" algn="l" rtl="0">
         <a:lnSpc>
           <a:spcPct val="100000"/>
         </a:lnSpc>
@@ -6204,7 +6389,7 @@
           <a:srgbClr val="000000"/>
         </a:buClr>
         <a:buFont typeface="Arial"/>
-        <a:defRPr b="0" i="0" sz="1400" u="none" cap="none" strike="noStrike">
+        <a:defRPr sz="1400" b="0" i="0" u="none" strike="noStrike" cap="none">
           <a:solidFill>
             <a:srgbClr val="000000"/>
           </a:solidFill>
@@ -6214,7 +6399,7 @@
           <a:sym typeface="Arial"/>
         </a:defRPr>
       </a:lvl4pPr>
-      <a:lvl5pPr lvl="4" marR="0" rtl="0" algn="l">
+      <a:lvl5pPr marR="0" lvl="4" algn="l" rtl="0">
         <a:lnSpc>
           <a:spcPct val="100000"/>
         </a:lnSpc>
@@ -6228,7 +6413,7 @@
           <a:srgbClr val="000000"/>
         </a:buClr>
         <a:buFont typeface="Arial"/>
-        <a:defRPr b="0" i="0" sz="1400" u="none" cap="none" strike="noStrike">
+        <a:defRPr sz="1400" b="0" i="0" u="none" strike="noStrike" cap="none">
           <a:solidFill>
             <a:srgbClr val="000000"/>
           </a:solidFill>
@@ -6238,7 +6423,7 @@
           <a:sym typeface="Arial"/>
         </a:defRPr>
       </a:lvl5pPr>
-      <a:lvl6pPr lvl="5" marR="0" rtl="0" algn="l">
+      <a:lvl6pPr marR="0" lvl="5" algn="l" rtl="0">
         <a:lnSpc>
           <a:spcPct val="100000"/>
         </a:lnSpc>
@@ -6252,7 +6437,7 @@
           <a:srgbClr val="000000"/>
         </a:buClr>
         <a:buFont typeface="Arial"/>
-        <a:defRPr b="0" i="0" sz="1400" u="none" cap="none" strike="noStrike">
+        <a:defRPr sz="1400" b="0" i="0" u="none" strike="noStrike" cap="none">
           <a:solidFill>
             <a:srgbClr val="000000"/>
           </a:solidFill>
@@ -6262,7 +6447,7 @@
           <a:sym typeface="Arial"/>
         </a:defRPr>
       </a:lvl6pPr>
-      <a:lvl7pPr lvl="6" marR="0" rtl="0" algn="l">
+      <a:lvl7pPr marR="0" lvl="6" algn="l" rtl="0">
         <a:lnSpc>
           <a:spcPct val="100000"/>
         </a:lnSpc>
@@ -6276,7 +6461,7 @@
           <a:srgbClr val="000000"/>
         </a:buClr>
         <a:buFont typeface="Arial"/>
-        <a:defRPr b="0" i="0" sz="1400" u="none" cap="none" strike="noStrike">
+        <a:defRPr sz="1400" b="0" i="0" u="none" strike="noStrike" cap="none">
           <a:solidFill>
             <a:srgbClr val="000000"/>
           </a:solidFill>
@@ -6286,7 +6471,7 @@
           <a:sym typeface="Arial"/>
         </a:defRPr>
       </a:lvl7pPr>
-      <a:lvl8pPr lvl="7" marR="0" rtl="0" algn="l">
+      <a:lvl8pPr marR="0" lvl="7" algn="l" rtl="0">
         <a:lnSpc>
           <a:spcPct val="100000"/>
         </a:lnSpc>
@@ -6300,7 +6485,7 @@
           <a:srgbClr val="000000"/>
         </a:buClr>
         <a:buFont typeface="Arial"/>
-        <a:defRPr b="0" i="0" sz="1400" u="none" cap="none" strike="noStrike">
+        <a:defRPr sz="1400" b="0" i="0" u="none" strike="noStrike" cap="none">
           <a:solidFill>
             <a:srgbClr val="000000"/>
           </a:solidFill>
@@ -6310,7 +6495,7 @@
           <a:sym typeface="Arial"/>
         </a:defRPr>
       </a:lvl8pPr>
-      <a:lvl9pPr lvl="8" marR="0" rtl="0" algn="l">
+      <a:lvl9pPr marR="0" lvl="8" algn="l" rtl="0">
         <a:lnSpc>
           <a:spcPct val="100000"/>
         </a:lnSpc>
@@ -6324,7 +6509,7 @@
           <a:srgbClr val="000000"/>
         </a:buClr>
         <a:buFont typeface="Arial"/>
-        <a:defRPr b="0" i="0" sz="1400" u="none" cap="none" strike="noStrike">
+        <a:defRPr sz="1400" b="0" i="0" u="none" strike="noStrike" cap="none">
           <a:solidFill>
             <a:srgbClr val="000000"/>
           </a:solidFill>
@@ -6336,7 +6521,7 @@
       </a:lvl9pPr>
     </p:titleStyle>
     <p:bodyStyle>
-      <a:defPPr lvl="0" marR="0" rtl="0" algn="l">
+      <a:defPPr marR="0" lvl="0" algn="l" rtl="0">
         <a:lnSpc>
           <a:spcPct val="100000"/>
         </a:lnSpc>
@@ -6347,7 +6532,7 @@
           <a:spcPts val="0"/>
         </a:spcAft>
       </a:defPPr>
-      <a:lvl1pPr lvl="0" marR="0" rtl="0" algn="l">
+      <a:lvl1pPr marR="0" lvl="0" algn="l" rtl="0">
         <a:lnSpc>
           <a:spcPct val="100000"/>
         </a:lnSpc>
@@ -6361,7 +6546,7 @@
           <a:srgbClr val="000000"/>
         </a:buClr>
         <a:buFont typeface="Arial"/>
-        <a:defRPr b="0" i="0" sz="1400" u="none" cap="none" strike="noStrike">
+        <a:defRPr sz="1400" b="0" i="0" u="none" strike="noStrike" cap="none">
           <a:solidFill>
             <a:srgbClr val="000000"/>
           </a:solidFill>
@@ -6371,7 +6556,7 @@
           <a:sym typeface="Arial"/>
         </a:defRPr>
       </a:lvl1pPr>
-      <a:lvl2pPr lvl="1" marR="0" rtl="0" algn="l">
+      <a:lvl2pPr marR="0" lvl="1" algn="l" rtl="0">
         <a:lnSpc>
           <a:spcPct val="100000"/>
         </a:lnSpc>
@@ -6385,7 +6570,7 @@
           <a:srgbClr val="000000"/>
         </a:buClr>
         <a:buFont typeface="Arial"/>
-        <a:defRPr b="0" i="0" sz="1400" u="none" cap="none" strike="noStrike">
+        <a:defRPr sz="1400" b="0" i="0" u="none" strike="noStrike" cap="none">
           <a:solidFill>
             <a:srgbClr val="000000"/>
           </a:solidFill>
@@ -6395,7 +6580,7 @@
           <a:sym typeface="Arial"/>
         </a:defRPr>
       </a:lvl2pPr>
-      <a:lvl3pPr lvl="2" marR="0" rtl="0" algn="l">
+      <a:lvl3pPr marR="0" lvl="2" algn="l" rtl="0">
         <a:lnSpc>
           <a:spcPct val="100000"/>
         </a:lnSpc>
@@ -6409,7 +6594,7 @@
           <a:srgbClr val="000000"/>
         </a:buClr>
         <a:buFont typeface="Arial"/>
-        <a:defRPr b="0" i="0" sz="1400" u="none" cap="none" strike="noStrike">
+        <a:defRPr sz="1400" b="0" i="0" u="none" strike="noStrike" cap="none">
           <a:solidFill>
             <a:srgbClr val="000000"/>
           </a:solidFill>
@@ -6419,7 +6604,7 @@
           <a:sym typeface="Arial"/>
         </a:defRPr>
       </a:lvl3pPr>
-      <a:lvl4pPr lvl="3" marR="0" rtl="0" algn="l">
+      <a:lvl4pPr marR="0" lvl="3" algn="l" rtl="0">
         <a:lnSpc>
           <a:spcPct val="100000"/>
         </a:lnSpc>
@@ -6433,7 +6618,7 @@
           <a:srgbClr val="000000"/>
         </a:buClr>
         <a:buFont typeface="Arial"/>
-        <a:defRPr b="0" i="0" sz="1400" u="none" cap="none" strike="noStrike">
+        <a:defRPr sz="1400" b="0" i="0" u="none" strike="noStrike" cap="none">
           <a:solidFill>
             <a:srgbClr val="000000"/>
           </a:solidFill>
@@ -6443,7 +6628,7 @@
           <a:sym typeface="Arial"/>
         </a:defRPr>
       </a:lvl4pPr>
-      <a:lvl5pPr lvl="4" marR="0" rtl="0" algn="l">
+      <a:lvl5pPr marR="0" lvl="4" algn="l" rtl="0">
         <a:lnSpc>
           <a:spcPct val="100000"/>
         </a:lnSpc>
@@ -6457,7 +6642,7 @@
           <a:srgbClr val="000000"/>
         </a:buClr>
         <a:buFont typeface="Arial"/>
-        <a:defRPr b="0" i="0" sz="1400" u="none" cap="none" strike="noStrike">
+        <a:defRPr sz="1400" b="0" i="0" u="none" strike="noStrike" cap="none">
           <a:solidFill>
             <a:srgbClr val="000000"/>
           </a:solidFill>
@@ -6467,7 +6652,7 @@
           <a:sym typeface="Arial"/>
         </a:defRPr>
       </a:lvl5pPr>
-      <a:lvl6pPr lvl="5" marR="0" rtl="0" algn="l">
+      <a:lvl6pPr marR="0" lvl="5" algn="l" rtl="0">
         <a:lnSpc>
           <a:spcPct val="100000"/>
         </a:lnSpc>
@@ -6481,7 +6666,7 @@
           <a:srgbClr val="000000"/>
         </a:buClr>
         <a:buFont typeface="Arial"/>
-        <a:defRPr b="0" i="0" sz="1400" u="none" cap="none" strike="noStrike">
+        <a:defRPr sz="1400" b="0" i="0" u="none" strike="noStrike" cap="none">
           <a:solidFill>
             <a:srgbClr val="000000"/>
           </a:solidFill>
@@ -6491,7 +6676,7 @@
           <a:sym typeface="Arial"/>
         </a:defRPr>
       </a:lvl6pPr>
-      <a:lvl7pPr lvl="6" marR="0" rtl="0" algn="l">
+      <a:lvl7pPr marR="0" lvl="6" algn="l" rtl="0">
         <a:lnSpc>
           <a:spcPct val="100000"/>
         </a:lnSpc>
@@ -6505,7 +6690,7 @@
           <a:srgbClr val="000000"/>
         </a:buClr>
         <a:buFont typeface="Arial"/>
-        <a:defRPr b="0" i="0" sz="1400" u="none" cap="none" strike="noStrike">
+        <a:defRPr sz="1400" b="0" i="0" u="none" strike="noStrike" cap="none">
           <a:solidFill>
             <a:srgbClr val="000000"/>
           </a:solidFill>
@@ -6515,7 +6700,7 @@
           <a:sym typeface="Arial"/>
         </a:defRPr>
       </a:lvl7pPr>
-      <a:lvl8pPr lvl="7" marR="0" rtl="0" algn="l">
+      <a:lvl8pPr marR="0" lvl="7" algn="l" rtl="0">
         <a:lnSpc>
           <a:spcPct val="100000"/>
         </a:lnSpc>
@@ -6529,7 +6714,7 @@
           <a:srgbClr val="000000"/>
         </a:buClr>
         <a:buFont typeface="Arial"/>
-        <a:defRPr b="0" i="0" sz="1400" u="none" cap="none" strike="noStrike">
+        <a:defRPr sz="1400" b="0" i="0" u="none" strike="noStrike" cap="none">
           <a:solidFill>
             <a:srgbClr val="000000"/>
           </a:solidFill>
@@ -6539,7 +6724,7 @@
           <a:sym typeface="Arial"/>
         </a:defRPr>
       </a:lvl8pPr>
-      <a:lvl9pPr lvl="8" marR="0" rtl="0" algn="l">
+      <a:lvl9pPr marR="0" lvl="8" algn="l" rtl="0">
         <a:lnSpc>
           <a:spcPct val="100000"/>
         </a:lnSpc>
@@ -6553,7 +6738,7 @@
           <a:srgbClr val="000000"/>
         </a:buClr>
         <a:buFont typeface="Arial"/>
-        <a:defRPr b="0" i="0" sz="1400" u="none" cap="none" strike="noStrike">
+        <a:defRPr sz="1400" b="0" i="0" u="none" strike="noStrike" cap="none">
           <a:solidFill>
             <a:srgbClr val="000000"/>
           </a:solidFill>
@@ -6565,7 +6750,7 @@
       </a:lvl9pPr>
     </p:bodyStyle>
     <p:otherStyle>
-      <a:defPPr lvl="0" marR="0" rtl="0" algn="l">
+      <a:defPPr marR="0" lvl="0" algn="l" rtl="0">
         <a:lnSpc>
           <a:spcPct val="100000"/>
         </a:lnSpc>
@@ -6576,7 +6761,7 @@
           <a:spcPts val="0"/>
         </a:spcAft>
       </a:defPPr>
-      <a:lvl1pPr lvl="0" marR="0" rtl="0" algn="l">
+      <a:lvl1pPr marR="0" lvl="0" algn="l" rtl="0">
         <a:lnSpc>
           <a:spcPct val="100000"/>
         </a:lnSpc>
@@ -6590,7 +6775,7 @@
           <a:srgbClr val="000000"/>
         </a:buClr>
         <a:buFont typeface="Arial"/>
-        <a:defRPr b="0" i="0" sz="1400" u="none" cap="none" strike="noStrike">
+        <a:defRPr sz="1400" b="0" i="0" u="none" strike="noStrike" cap="none">
           <a:solidFill>
             <a:srgbClr val="000000"/>
           </a:solidFill>
@@ -6600,7 +6785,7 @@
           <a:sym typeface="Arial"/>
         </a:defRPr>
       </a:lvl1pPr>
-      <a:lvl2pPr lvl="1" marR="0" rtl="0" algn="l">
+      <a:lvl2pPr marR="0" lvl="1" algn="l" rtl="0">
         <a:lnSpc>
           <a:spcPct val="100000"/>
         </a:lnSpc>
@@ -6614,7 +6799,7 @@
           <a:srgbClr val="000000"/>
         </a:buClr>
         <a:buFont typeface="Arial"/>
-        <a:defRPr b="0" i="0" sz="1400" u="none" cap="none" strike="noStrike">
+        <a:defRPr sz="1400" b="0" i="0" u="none" strike="noStrike" cap="none">
           <a:solidFill>
             <a:srgbClr val="000000"/>
           </a:solidFill>
@@ -6624,7 +6809,7 @@
           <a:sym typeface="Arial"/>
         </a:defRPr>
       </a:lvl2pPr>
-      <a:lvl3pPr lvl="2" marR="0" rtl="0" algn="l">
+      <a:lvl3pPr marR="0" lvl="2" algn="l" rtl="0">
         <a:lnSpc>
           <a:spcPct val="100000"/>
         </a:lnSpc>
@@ -6638,7 +6823,7 @@
           <a:srgbClr val="000000"/>
         </a:buClr>
         <a:buFont typeface="Arial"/>
-        <a:defRPr b="0" i="0" sz="1400" u="none" cap="none" strike="noStrike">
+        <a:defRPr sz="1400" b="0" i="0" u="none" strike="noStrike" cap="none">
           <a:solidFill>
             <a:srgbClr val="000000"/>
           </a:solidFill>
@@ -6648,7 +6833,7 @@
           <a:sym typeface="Arial"/>
         </a:defRPr>
       </a:lvl3pPr>
-      <a:lvl4pPr lvl="3" marR="0" rtl="0" algn="l">
+      <a:lvl4pPr marR="0" lvl="3" algn="l" rtl="0">
         <a:lnSpc>
           <a:spcPct val="100000"/>
         </a:lnSpc>
@@ -6662,7 +6847,7 @@
           <a:srgbClr val="000000"/>
         </a:buClr>
         <a:buFont typeface="Arial"/>
-        <a:defRPr b="0" i="0" sz="1400" u="none" cap="none" strike="noStrike">
+        <a:defRPr sz="1400" b="0" i="0" u="none" strike="noStrike" cap="none">
           <a:solidFill>
             <a:srgbClr val="000000"/>
           </a:solidFill>
@@ -6672,7 +6857,7 @@
           <a:sym typeface="Arial"/>
         </a:defRPr>
       </a:lvl4pPr>
-      <a:lvl5pPr lvl="4" marR="0" rtl="0" algn="l">
+      <a:lvl5pPr marR="0" lvl="4" algn="l" rtl="0">
         <a:lnSpc>
           <a:spcPct val="100000"/>
         </a:lnSpc>
@@ -6686,7 +6871,7 @@
           <a:srgbClr val="000000"/>
         </a:buClr>
         <a:buFont typeface="Arial"/>
-        <a:defRPr b="0" i="0" sz="1400" u="none" cap="none" strike="noStrike">
+        <a:defRPr sz="1400" b="0" i="0" u="none" strike="noStrike" cap="none">
           <a:solidFill>
             <a:srgbClr val="000000"/>
           </a:solidFill>
@@ -6696,7 +6881,7 @@
           <a:sym typeface="Arial"/>
         </a:defRPr>
       </a:lvl5pPr>
-      <a:lvl6pPr lvl="5" marR="0" rtl="0" algn="l">
+      <a:lvl6pPr marR="0" lvl="5" algn="l" rtl="0">
         <a:lnSpc>
           <a:spcPct val="100000"/>
         </a:lnSpc>
@@ -6710,7 +6895,7 @@
           <a:srgbClr val="000000"/>
         </a:buClr>
         <a:buFont typeface="Arial"/>
-        <a:defRPr b="0" i="0" sz="1400" u="none" cap="none" strike="noStrike">
+        <a:defRPr sz="1400" b="0" i="0" u="none" strike="noStrike" cap="none">
           <a:solidFill>
             <a:srgbClr val="000000"/>
           </a:solidFill>
@@ -6720,7 +6905,7 @@
           <a:sym typeface="Arial"/>
         </a:defRPr>
       </a:lvl6pPr>
-      <a:lvl7pPr lvl="6" marR="0" rtl="0" algn="l">
+      <a:lvl7pPr marR="0" lvl="6" algn="l" rtl="0">
         <a:lnSpc>
           <a:spcPct val="100000"/>
         </a:lnSpc>
@@ -6734,7 +6919,7 @@
           <a:srgbClr val="000000"/>
         </a:buClr>
         <a:buFont typeface="Arial"/>
-        <a:defRPr b="0" i="0" sz="1400" u="none" cap="none" strike="noStrike">
+        <a:defRPr sz="1400" b="0" i="0" u="none" strike="noStrike" cap="none">
           <a:solidFill>
             <a:srgbClr val="000000"/>
           </a:solidFill>
@@ -6744,7 +6929,7 @@
           <a:sym typeface="Arial"/>
         </a:defRPr>
       </a:lvl7pPr>
-      <a:lvl8pPr lvl="7" marR="0" rtl="0" algn="l">
+      <a:lvl8pPr marR="0" lvl="7" algn="l" rtl="0">
         <a:lnSpc>
           <a:spcPct val="100000"/>
         </a:lnSpc>
@@ -6758,7 +6943,7 @@
           <a:srgbClr val="000000"/>
         </a:buClr>
         <a:buFont typeface="Arial"/>
-        <a:defRPr b="0" i="0" sz="1400" u="none" cap="none" strike="noStrike">
+        <a:defRPr sz="1400" b="0" i="0" u="none" strike="noStrike" cap="none">
           <a:solidFill>
             <a:srgbClr val="000000"/>
           </a:solidFill>
@@ -6768,7 +6953,7 @@
           <a:sym typeface="Arial"/>
         </a:defRPr>
       </a:lvl8pPr>
-      <a:lvl9pPr lvl="8" marR="0" rtl="0" algn="l">
+      <a:lvl9pPr marR="0" lvl="8" algn="l" rtl="0">
         <a:lnSpc>
           <a:spcPct val="100000"/>
         </a:lnSpc>
@@ -6782,7 +6967,7 @@
           <a:srgbClr val="000000"/>
         </a:buClr>
         <a:buFont typeface="Arial"/>
-        <a:defRPr b="0" i="0" sz="1400" u="none" cap="none" strike="noStrike">
+        <a:defRPr sz="1400" b="0" i="0" u="none" strike="noStrike" cap="none">
           <a:solidFill>
             <a:srgbClr val="000000"/>
           </a:solidFill>
@@ -6798,11 +6983,11 @@
 </file>
 
 <file path=ppt/slides/slide1.xml><?xml version="1.0" encoding="utf-8"?>
-<p:sld xmlns:a="http://schemas.openxmlformats.org/drawingml/2006/main" xmlns:r="http://schemas.openxmlformats.org/officeDocument/2006/relationships" xmlns:mc="http://schemas.openxmlformats.org/markup-compatibility/2006" xmlns:mv="urn:schemas-microsoft-com:mac:vml" xmlns:p="http://schemas.openxmlformats.org/presentationml/2006/main" xmlns:c="http://schemas.openxmlformats.org/drawingml/2006/chart" xmlns:dgm="http://schemas.openxmlformats.org/drawingml/2006/diagram" xmlns:o="urn:schemas-microsoft-com:office:office" xmlns:v="urn:schemas-microsoft-com:vml" xmlns:pvml="urn:schemas-microsoft-com:office:powerpoint" xmlns:com="http://schemas.openxmlformats.org/drawingml/2006/compatibility" xmlns:p14="http://schemas.microsoft.com/office/powerpoint/2010/main" xmlns:p15="http://schemas.microsoft.com/office/powerpoint/2012/main" xmlns:ahyp="http://schemas.microsoft.com/office/drawing/2018/hyperlinkcolor">
+<p:sld xmlns:a="http://schemas.openxmlformats.org/drawingml/2006/main" xmlns:r="http://schemas.openxmlformats.org/officeDocument/2006/relationships" xmlns:p="http://schemas.openxmlformats.org/presentationml/2006/main">
   <p:cSld>
     <p:spTree>
       <p:nvGrpSpPr>
-        <p:cNvPr id="53" name="Shape 53"/>
+        <p:cNvPr id="1" name="Shape 53"/>
         <p:cNvGrpSpPr/>
         <p:nvPr/>
       </p:nvGrpSpPr>
@@ -6817,7 +7002,9 @@
       <p:sp>
         <p:nvSpPr>
           <p:cNvPr id="54" name="Google Shape;54;p13"/>
-          <p:cNvSpPr txBox="1"/>
+          <p:cNvSpPr txBox="1">
+            <a:spLocks noGrp="1"/>
+          </p:cNvSpPr>
           <p:nvPr>
             <p:ph type="ctrTitle"/>
           </p:nvPr>
@@ -6832,12 +7019,12 @@
           </a:prstGeom>
         </p:spPr>
         <p:txBody>
-          <a:bodyPr anchorCtr="0" anchor="b" bIns="91425" lIns="91425" spcFirstLastPara="1" rIns="91425" wrap="square" tIns="91425">
+          <a:bodyPr spcFirstLastPara="1" wrap="square" lIns="91425" tIns="91425" rIns="91425" bIns="91425" anchor="b" anchorCtr="0">
             <a:normAutofit/>
           </a:bodyPr>
           <a:lstStyle/>
           <a:p>
-            <a:pPr indent="0" lvl="0" marL="0" rtl="0" algn="ctr">
+            <a:pPr marL="0" lvl="0" indent="0" algn="ctr" rtl="0">
               <a:spcBef>
                 <a:spcPts val="0"/>
               </a:spcBef>
@@ -6857,9 +7044,11 @@
       <p:sp>
         <p:nvSpPr>
           <p:cNvPr id="55" name="Google Shape;55;p13"/>
-          <p:cNvSpPr txBox="1"/>
+          <p:cNvSpPr txBox="1">
+            <a:spLocks noGrp="1"/>
+          </p:cNvSpPr>
           <p:nvPr>
-            <p:ph idx="1" type="subTitle"/>
+            <p:ph type="subTitle" idx="1"/>
           </p:nvPr>
         </p:nvSpPr>
         <p:spPr>
@@ -6872,12 +7061,12 @@
           </a:prstGeom>
         </p:spPr>
         <p:txBody>
-          <a:bodyPr anchorCtr="0" anchor="t" bIns="91425" lIns="91425" spcFirstLastPara="1" rIns="91425" wrap="square" tIns="91425">
+          <a:bodyPr spcFirstLastPara="1" wrap="square" lIns="91425" tIns="91425" rIns="91425" bIns="91425" anchor="t" anchorCtr="0">
             <a:normAutofit lnSpcReduction="10000"/>
           </a:bodyPr>
           <a:lstStyle/>
           <a:p>
-            <a:pPr indent="0" lvl="0" marL="0" rtl="0" algn="ctr">
+            <a:pPr marL="0" lvl="0" indent="0" algn="ctr" rtl="0">
               <a:spcBef>
                 <a:spcPts val="0"/>
               </a:spcBef>
@@ -6893,7 +7082,7 @@
             <a:endParaRPr sz="2400"/>
           </a:p>
           <a:p>
-            <a:pPr indent="-381000" lvl="0" marL="457200" rtl="0" algn="ctr">
+            <a:pPr marL="457200" lvl="0" indent="-381000" algn="ctr" rtl="0">
               <a:spcBef>
                 <a:spcPts val="0"/>
               </a:spcBef>
@@ -6910,7 +7099,7 @@
             <a:endParaRPr sz="2400"/>
           </a:p>
           <a:p>
-            <a:pPr indent="-381000" lvl="0" marL="457200" rtl="0" algn="ctr">
+            <a:pPr marL="457200" lvl="0" indent="-381000" algn="ctr" rtl="0">
               <a:spcBef>
                 <a:spcPts val="0"/>
               </a:spcBef>
@@ -6927,7 +7116,7 @@
             <a:endParaRPr sz="2400"/>
           </a:p>
           <a:p>
-            <a:pPr indent="-381000" lvl="0" marL="457200" rtl="0" algn="ctr">
+            <a:pPr marL="457200" lvl="0" indent="-381000" algn="ctr" rtl="0">
               <a:spcBef>
                 <a:spcPts val="0"/>
               </a:spcBef>
@@ -6944,7 +7133,7 @@
             <a:endParaRPr sz="2400"/>
           </a:p>
           <a:p>
-            <a:pPr indent="-381000" lvl="0" marL="457200" rtl="0" algn="ctr">
+            <a:pPr marL="457200" lvl="0" indent="-381000" algn="ctr" rtl="0">
               <a:spcBef>
                 <a:spcPts val="0"/>
               </a:spcBef>
@@ -6971,11 +7160,11 @@
 </file>
 
 <file path=ppt/slides/slide10.xml><?xml version="1.0" encoding="utf-8"?>
-<p:sld xmlns:a="http://schemas.openxmlformats.org/drawingml/2006/main" xmlns:r="http://schemas.openxmlformats.org/officeDocument/2006/relationships" xmlns:mc="http://schemas.openxmlformats.org/markup-compatibility/2006" xmlns:mv="urn:schemas-microsoft-com:mac:vml" xmlns:p="http://schemas.openxmlformats.org/presentationml/2006/main" xmlns:c="http://schemas.openxmlformats.org/drawingml/2006/chart" xmlns:dgm="http://schemas.openxmlformats.org/drawingml/2006/diagram" xmlns:o="urn:schemas-microsoft-com:office:office" xmlns:v="urn:schemas-microsoft-com:vml" xmlns:pvml="urn:schemas-microsoft-com:office:powerpoint" xmlns:com="http://schemas.openxmlformats.org/drawingml/2006/compatibility" xmlns:p14="http://schemas.microsoft.com/office/powerpoint/2010/main" xmlns:p15="http://schemas.microsoft.com/office/powerpoint/2012/main" xmlns:ahyp="http://schemas.microsoft.com/office/drawing/2018/hyperlinkcolor">
+<p:sld xmlns:a="http://schemas.openxmlformats.org/drawingml/2006/main" xmlns:r="http://schemas.openxmlformats.org/officeDocument/2006/relationships" xmlns:p="http://schemas.openxmlformats.org/presentationml/2006/main">
   <p:cSld>
     <p:spTree>
       <p:nvGrpSpPr>
-        <p:cNvPr id="111" name="Shape 111"/>
+        <p:cNvPr id="1" name="Shape 111"/>
         <p:cNvGrpSpPr/>
         <p:nvPr/>
       </p:nvGrpSpPr>
@@ -6990,7 +7179,9 @@
       <p:sp>
         <p:nvSpPr>
           <p:cNvPr id="112" name="Google Shape;112;p22"/>
-          <p:cNvSpPr txBox="1"/>
+          <p:cNvSpPr txBox="1">
+            <a:spLocks noGrp="1"/>
+          </p:cNvSpPr>
           <p:nvPr>
             <p:ph type="title"/>
           </p:nvPr>
@@ -7005,12 +7196,12 @@
           </a:prstGeom>
         </p:spPr>
         <p:txBody>
-          <a:bodyPr anchorCtr="0" anchor="t" bIns="91425" lIns="91425" spcFirstLastPara="1" rIns="91425" wrap="square" tIns="91425">
+          <a:bodyPr spcFirstLastPara="1" wrap="square" lIns="91425" tIns="91425" rIns="91425" bIns="91425" anchor="t" anchorCtr="0">
             <a:normAutofit fontScale="90000"/>
           </a:bodyPr>
           <a:lstStyle/>
           <a:p>
-            <a:pPr indent="0" lvl="0" marL="0" rtl="0" algn="l">
+            <a:pPr marL="0" lvl="0" indent="0" algn="l" rtl="0">
               <a:spcBef>
                 <a:spcPts val="0"/>
               </a:spcBef>
@@ -7030,9 +7221,11 @@
       <p:sp>
         <p:nvSpPr>
           <p:cNvPr id="113" name="Google Shape;113;p22"/>
-          <p:cNvSpPr txBox="1"/>
+          <p:cNvSpPr txBox="1">
+            <a:spLocks noGrp="1"/>
+          </p:cNvSpPr>
           <p:nvPr>
-            <p:ph idx="1" type="body"/>
+            <p:ph type="body" idx="1"/>
           </p:nvPr>
         </p:nvSpPr>
         <p:spPr>
@@ -7045,12 +7238,12 @@
           </a:prstGeom>
         </p:spPr>
         <p:txBody>
-          <a:bodyPr anchorCtr="0" anchor="t" bIns="91425" lIns="91425" spcFirstLastPara="1" rIns="91425" wrap="square" tIns="91425">
+          <a:bodyPr spcFirstLastPara="1" wrap="square" lIns="91425" tIns="91425" rIns="91425" bIns="91425" anchor="t" anchorCtr="0">
             <a:normAutofit/>
           </a:bodyPr>
           <a:lstStyle/>
           <a:p>
-            <a:pPr indent="0" lvl="0" marL="0" rtl="0" algn="l">
+            <a:pPr marL="0" lvl="0" indent="0" algn="l" rtl="0">
               <a:spcBef>
                 <a:spcPts val="0"/>
               </a:spcBef>
@@ -7059,9 +7252,6 @@
               </a:spcAft>
               <a:buNone/>
             </a:pPr>
-            <a:r>
-              <a:t/>
-            </a:r>
             <a:endParaRPr/>
           </a:p>
         </p:txBody>
@@ -7103,11 +7293,11 @@
 </file>
 
 <file path=ppt/slides/slide11.xml><?xml version="1.0" encoding="utf-8"?>
-<p:sld xmlns:a="http://schemas.openxmlformats.org/drawingml/2006/main" xmlns:r="http://schemas.openxmlformats.org/officeDocument/2006/relationships" xmlns:mc="http://schemas.openxmlformats.org/markup-compatibility/2006" xmlns:mv="urn:schemas-microsoft-com:mac:vml" xmlns:p="http://schemas.openxmlformats.org/presentationml/2006/main" xmlns:c="http://schemas.openxmlformats.org/drawingml/2006/chart" xmlns:dgm="http://schemas.openxmlformats.org/drawingml/2006/diagram" xmlns:o="urn:schemas-microsoft-com:office:office" xmlns:v="urn:schemas-microsoft-com:vml" xmlns:pvml="urn:schemas-microsoft-com:office:powerpoint" xmlns:com="http://schemas.openxmlformats.org/drawingml/2006/compatibility" xmlns:p14="http://schemas.microsoft.com/office/powerpoint/2010/main" xmlns:p15="http://schemas.microsoft.com/office/powerpoint/2012/main" xmlns:ahyp="http://schemas.microsoft.com/office/drawing/2018/hyperlinkcolor">
+<p:sld xmlns:a="http://schemas.openxmlformats.org/drawingml/2006/main" xmlns:r="http://schemas.openxmlformats.org/officeDocument/2006/relationships" xmlns:p="http://schemas.openxmlformats.org/presentationml/2006/main">
   <p:cSld>
     <p:spTree>
       <p:nvGrpSpPr>
-        <p:cNvPr id="118" name="Shape 118"/>
+        <p:cNvPr id="1" name="Shape 118"/>
         <p:cNvGrpSpPr/>
         <p:nvPr/>
       </p:nvGrpSpPr>
@@ -7122,7 +7312,9 @@
       <p:sp>
         <p:nvSpPr>
           <p:cNvPr id="119" name="Google Shape;119;p23"/>
-          <p:cNvSpPr txBox="1"/>
+          <p:cNvSpPr txBox="1">
+            <a:spLocks noGrp="1"/>
+          </p:cNvSpPr>
           <p:nvPr>
             <p:ph type="title"/>
           </p:nvPr>
@@ -7137,12 +7329,12 @@
           </a:prstGeom>
         </p:spPr>
         <p:txBody>
-          <a:bodyPr anchorCtr="0" anchor="t" bIns="91425" lIns="91425" spcFirstLastPara="1" rIns="91425" wrap="square" tIns="91425">
+          <a:bodyPr spcFirstLastPara="1" wrap="square" lIns="91425" tIns="91425" rIns="91425" bIns="91425" anchor="t" anchorCtr="0">
             <a:normAutofit fontScale="90000"/>
           </a:bodyPr>
           <a:lstStyle/>
           <a:p>
-            <a:pPr indent="0" lvl="0" marL="0" rtl="0" algn="l">
+            <a:pPr marL="0" lvl="0" indent="0" algn="l" rtl="0">
               <a:spcBef>
                 <a:spcPts val="0"/>
               </a:spcBef>
@@ -7162,9 +7354,11 @@
       <p:sp>
         <p:nvSpPr>
           <p:cNvPr id="120" name="Google Shape;120;p23"/>
-          <p:cNvSpPr txBox="1"/>
+          <p:cNvSpPr txBox="1">
+            <a:spLocks noGrp="1"/>
+          </p:cNvSpPr>
           <p:nvPr>
-            <p:ph idx="1" type="body"/>
+            <p:ph type="body" idx="1"/>
           </p:nvPr>
         </p:nvSpPr>
         <p:spPr>
@@ -7177,12 +7371,12 @@
           </a:prstGeom>
         </p:spPr>
         <p:txBody>
-          <a:bodyPr anchorCtr="0" anchor="t" bIns="91425" lIns="91425" spcFirstLastPara="1" rIns="91425" wrap="square" tIns="91425">
+          <a:bodyPr spcFirstLastPara="1" wrap="square" lIns="91425" tIns="91425" rIns="91425" bIns="91425" anchor="t" anchorCtr="0">
             <a:normAutofit/>
           </a:bodyPr>
           <a:lstStyle/>
           <a:p>
-            <a:pPr indent="0" lvl="0" marL="0" rtl="0" algn="l">
+            <a:pPr marL="0" lvl="0" indent="0" algn="l" rtl="0">
               <a:spcBef>
                 <a:spcPts val="0"/>
               </a:spcBef>
@@ -7191,9 +7385,6 @@
               </a:spcAft>
               <a:buNone/>
             </a:pPr>
-            <a:r>
-              <a:t/>
-            </a:r>
             <a:endParaRPr/>
           </a:p>
         </p:txBody>
@@ -7208,7 +7399,7 @@
           <a:blip r:embed="rId3">
             <a:alphaModFix/>
           </a:blip>
-          <a:srcRect b="7089" l="0" r="0" t="0"/>
+          <a:srcRect b="7089"/>
           <a:stretch/>
         </p:blipFill>
         <p:spPr>
@@ -7234,11 +7425,11 @@
 </file>
 
 <file path=ppt/slides/slide12.xml><?xml version="1.0" encoding="utf-8"?>
-<p:sld xmlns:a="http://schemas.openxmlformats.org/drawingml/2006/main" xmlns:r="http://schemas.openxmlformats.org/officeDocument/2006/relationships" xmlns:mc="http://schemas.openxmlformats.org/markup-compatibility/2006" xmlns:mv="urn:schemas-microsoft-com:mac:vml" xmlns:p="http://schemas.openxmlformats.org/presentationml/2006/main" xmlns:c="http://schemas.openxmlformats.org/drawingml/2006/chart" xmlns:dgm="http://schemas.openxmlformats.org/drawingml/2006/diagram" xmlns:o="urn:schemas-microsoft-com:office:office" xmlns:v="urn:schemas-microsoft-com:vml" xmlns:pvml="urn:schemas-microsoft-com:office:powerpoint" xmlns:com="http://schemas.openxmlformats.org/drawingml/2006/compatibility" xmlns:p14="http://schemas.microsoft.com/office/powerpoint/2010/main" xmlns:p15="http://schemas.microsoft.com/office/powerpoint/2012/main" xmlns:ahyp="http://schemas.microsoft.com/office/drawing/2018/hyperlinkcolor">
+<p:sld xmlns:a="http://schemas.openxmlformats.org/drawingml/2006/main" xmlns:r="http://schemas.openxmlformats.org/officeDocument/2006/relationships" xmlns:p="http://schemas.openxmlformats.org/presentationml/2006/main">
   <p:cSld>
     <p:spTree>
       <p:nvGrpSpPr>
-        <p:cNvPr id="125" name="Shape 125"/>
+        <p:cNvPr id="1" name="Shape 125"/>
         <p:cNvGrpSpPr/>
         <p:nvPr/>
       </p:nvGrpSpPr>
@@ -7253,7 +7444,9 @@
       <p:sp>
         <p:nvSpPr>
           <p:cNvPr id="126" name="Google Shape;126;p24"/>
-          <p:cNvSpPr txBox="1"/>
+          <p:cNvSpPr txBox="1">
+            <a:spLocks noGrp="1"/>
+          </p:cNvSpPr>
           <p:nvPr>
             <p:ph type="title"/>
           </p:nvPr>
@@ -7268,12 +7461,12 @@
           </a:prstGeom>
         </p:spPr>
         <p:txBody>
-          <a:bodyPr anchorCtr="0" anchor="t" bIns="91425" lIns="91425" spcFirstLastPara="1" rIns="91425" wrap="square" tIns="91425">
+          <a:bodyPr spcFirstLastPara="1" wrap="square" lIns="91425" tIns="91425" rIns="91425" bIns="91425" anchor="t" anchorCtr="0">
             <a:normAutofit fontScale="90000"/>
           </a:bodyPr>
           <a:lstStyle/>
           <a:p>
-            <a:pPr indent="0" lvl="0" marL="0" rtl="0" algn="l">
+            <a:pPr marL="0" lvl="0" indent="0" algn="l" rtl="0">
               <a:spcBef>
                 <a:spcPts val="0"/>
               </a:spcBef>
@@ -7293,9 +7486,11 @@
       <p:sp>
         <p:nvSpPr>
           <p:cNvPr id="127" name="Google Shape;127;p24"/>
-          <p:cNvSpPr txBox="1"/>
+          <p:cNvSpPr txBox="1">
+            <a:spLocks noGrp="1"/>
+          </p:cNvSpPr>
           <p:nvPr>
-            <p:ph idx="1" type="body"/>
+            <p:ph type="body" idx="1"/>
           </p:nvPr>
         </p:nvSpPr>
         <p:spPr>
@@ -7308,12 +7503,12 @@
           </a:prstGeom>
         </p:spPr>
         <p:txBody>
-          <a:bodyPr anchorCtr="0" anchor="t" bIns="91425" lIns="91425" spcFirstLastPara="1" rIns="91425" wrap="square" tIns="91425">
+          <a:bodyPr spcFirstLastPara="1" wrap="square" lIns="91425" tIns="91425" rIns="91425" bIns="91425" anchor="t" anchorCtr="0">
             <a:normAutofit/>
           </a:bodyPr>
           <a:lstStyle/>
           <a:p>
-            <a:pPr indent="0" lvl="0" marL="0" rtl="0" algn="l">
+            <a:pPr marL="0" lvl="0" indent="0" algn="l" rtl="0">
               <a:spcBef>
                 <a:spcPts val="0"/>
               </a:spcBef>
@@ -7322,9 +7517,6 @@
               </a:spcAft>
               <a:buNone/>
             </a:pPr>
-            <a:r>
-              <a:t/>
-            </a:r>
             <a:endParaRPr/>
           </a:p>
         </p:txBody>
@@ -7338,11 +7530,11 @@
 </file>
 
 <file path=ppt/slides/slide13.xml><?xml version="1.0" encoding="utf-8"?>
-<p:sld xmlns:a="http://schemas.openxmlformats.org/drawingml/2006/main" xmlns:r="http://schemas.openxmlformats.org/officeDocument/2006/relationships" xmlns:mc="http://schemas.openxmlformats.org/markup-compatibility/2006" xmlns:mv="urn:schemas-microsoft-com:mac:vml" xmlns:p="http://schemas.openxmlformats.org/presentationml/2006/main" xmlns:c="http://schemas.openxmlformats.org/drawingml/2006/chart" xmlns:dgm="http://schemas.openxmlformats.org/drawingml/2006/diagram" xmlns:o="urn:schemas-microsoft-com:office:office" xmlns:v="urn:schemas-microsoft-com:vml" xmlns:pvml="urn:schemas-microsoft-com:office:powerpoint" xmlns:com="http://schemas.openxmlformats.org/drawingml/2006/compatibility" xmlns:p14="http://schemas.microsoft.com/office/powerpoint/2010/main" xmlns:p15="http://schemas.microsoft.com/office/powerpoint/2012/main" xmlns:ahyp="http://schemas.microsoft.com/office/drawing/2018/hyperlinkcolor">
+<p:sld xmlns:a="http://schemas.openxmlformats.org/drawingml/2006/main" xmlns:r="http://schemas.openxmlformats.org/officeDocument/2006/relationships" xmlns:p="http://schemas.openxmlformats.org/presentationml/2006/main">
   <p:cSld>
     <p:spTree>
       <p:nvGrpSpPr>
-        <p:cNvPr id="131" name="Shape 131"/>
+        <p:cNvPr id="1" name="Shape 131"/>
         <p:cNvGrpSpPr/>
         <p:nvPr/>
       </p:nvGrpSpPr>
@@ -7357,7 +7549,9 @@
       <p:sp>
         <p:nvSpPr>
           <p:cNvPr id="132" name="Google Shape;132;p25"/>
-          <p:cNvSpPr txBox="1"/>
+          <p:cNvSpPr txBox="1">
+            <a:spLocks noGrp="1"/>
+          </p:cNvSpPr>
           <p:nvPr>
             <p:ph type="title"/>
           </p:nvPr>
@@ -7372,12 +7566,12 @@
           </a:prstGeom>
         </p:spPr>
         <p:txBody>
-          <a:bodyPr anchorCtr="0" anchor="t" bIns="91425" lIns="91425" spcFirstLastPara="1" rIns="91425" wrap="square" tIns="91425">
+          <a:bodyPr spcFirstLastPara="1" wrap="square" lIns="91425" tIns="91425" rIns="91425" bIns="91425" anchor="t" anchorCtr="0">
             <a:normAutofit fontScale="90000"/>
           </a:bodyPr>
           <a:lstStyle/>
           <a:p>
-            <a:pPr indent="0" lvl="0" marL="0" rtl="0" algn="l">
+            <a:pPr marL="0" lvl="0" indent="0" algn="l" rtl="0">
               <a:spcBef>
                 <a:spcPts val="0"/>
               </a:spcBef>
@@ -7397,9 +7591,11 @@
       <p:sp>
         <p:nvSpPr>
           <p:cNvPr id="133" name="Google Shape;133;p25"/>
-          <p:cNvSpPr txBox="1"/>
+          <p:cNvSpPr txBox="1">
+            <a:spLocks noGrp="1"/>
+          </p:cNvSpPr>
           <p:nvPr>
-            <p:ph idx="1" type="body"/>
+            <p:ph type="body" idx="1"/>
           </p:nvPr>
         </p:nvSpPr>
         <p:spPr>
@@ -7412,12 +7608,12 @@
           </a:prstGeom>
         </p:spPr>
         <p:txBody>
-          <a:bodyPr anchorCtr="0" anchor="t" bIns="91425" lIns="91425" spcFirstLastPara="1" rIns="91425" wrap="square" tIns="91425">
+          <a:bodyPr spcFirstLastPara="1" wrap="square" lIns="91425" tIns="91425" rIns="91425" bIns="91425" anchor="t" anchorCtr="0">
             <a:normAutofit/>
           </a:bodyPr>
           <a:lstStyle/>
           <a:p>
-            <a:pPr indent="-342900" lvl="0" marL="457200" rtl="0" algn="l">
+            <a:pPr marL="457200" lvl="0" indent="-342900" algn="l" rtl="0">
               <a:spcBef>
                 <a:spcPts val="0"/>
               </a:spcBef>
@@ -7434,7 +7630,7 @@
             <a:endParaRPr/>
           </a:p>
           <a:p>
-            <a:pPr indent="-342900" lvl="0" marL="457200" rtl="0" algn="l">
+            <a:pPr marL="457200" lvl="0" indent="-342900" algn="l" rtl="0">
               <a:spcBef>
                 <a:spcPts val="0"/>
               </a:spcBef>
@@ -7461,11 +7657,11 @@
 </file>
 
 <file path=ppt/slides/slide14.xml><?xml version="1.0" encoding="utf-8"?>
-<p:sld xmlns:a="http://schemas.openxmlformats.org/drawingml/2006/main" xmlns:r="http://schemas.openxmlformats.org/officeDocument/2006/relationships" xmlns:mc="http://schemas.openxmlformats.org/markup-compatibility/2006" xmlns:mv="urn:schemas-microsoft-com:mac:vml" xmlns:p="http://schemas.openxmlformats.org/presentationml/2006/main" xmlns:c="http://schemas.openxmlformats.org/drawingml/2006/chart" xmlns:dgm="http://schemas.openxmlformats.org/drawingml/2006/diagram" xmlns:o="urn:schemas-microsoft-com:office:office" xmlns:v="urn:schemas-microsoft-com:vml" xmlns:pvml="urn:schemas-microsoft-com:office:powerpoint" xmlns:com="http://schemas.openxmlformats.org/drawingml/2006/compatibility" xmlns:p14="http://schemas.microsoft.com/office/powerpoint/2010/main" xmlns:p15="http://schemas.microsoft.com/office/powerpoint/2012/main" xmlns:ahyp="http://schemas.microsoft.com/office/drawing/2018/hyperlinkcolor">
+<p:sld xmlns:a="http://schemas.openxmlformats.org/drawingml/2006/main" xmlns:r="http://schemas.openxmlformats.org/officeDocument/2006/relationships" xmlns:p="http://schemas.openxmlformats.org/presentationml/2006/main">
   <p:cSld>
     <p:spTree>
       <p:nvGrpSpPr>
-        <p:cNvPr id="137" name="Shape 137"/>
+        <p:cNvPr id="1" name="Shape 137"/>
         <p:cNvGrpSpPr/>
         <p:nvPr/>
       </p:nvGrpSpPr>
@@ -7480,7 +7676,9 @@
       <p:sp>
         <p:nvSpPr>
           <p:cNvPr id="138" name="Google Shape;138;p26"/>
-          <p:cNvSpPr txBox="1"/>
+          <p:cNvSpPr txBox="1">
+            <a:spLocks noGrp="1"/>
+          </p:cNvSpPr>
           <p:nvPr>
             <p:ph type="title"/>
           </p:nvPr>
@@ -7495,12 +7693,12 @@
           </a:prstGeom>
         </p:spPr>
         <p:txBody>
-          <a:bodyPr anchorCtr="0" anchor="t" bIns="91425" lIns="91425" spcFirstLastPara="1" rIns="91425" wrap="square" tIns="91425">
+          <a:bodyPr spcFirstLastPara="1" wrap="square" lIns="91425" tIns="91425" rIns="91425" bIns="91425" anchor="t" anchorCtr="0">
             <a:normAutofit fontScale="90000"/>
           </a:bodyPr>
           <a:lstStyle/>
           <a:p>
-            <a:pPr indent="0" lvl="0" marL="0" rtl="0" algn="l">
+            <a:pPr marL="0" lvl="0" indent="0" algn="l" rtl="0">
               <a:spcBef>
                 <a:spcPts val="0"/>
               </a:spcBef>
@@ -7520,9 +7718,11 @@
       <p:sp>
         <p:nvSpPr>
           <p:cNvPr id="139" name="Google Shape;139;p26"/>
-          <p:cNvSpPr txBox="1"/>
+          <p:cNvSpPr txBox="1">
+            <a:spLocks noGrp="1"/>
+          </p:cNvSpPr>
           <p:nvPr>
-            <p:ph idx="1" type="body"/>
+            <p:ph type="body" idx="1"/>
           </p:nvPr>
         </p:nvSpPr>
         <p:spPr>
@@ -7535,12 +7735,12 @@
           </a:prstGeom>
         </p:spPr>
         <p:txBody>
-          <a:bodyPr anchorCtr="0" anchor="t" bIns="91425" lIns="91425" spcFirstLastPara="1" rIns="91425" wrap="square" tIns="91425">
+          <a:bodyPr spcFirstLastPara="1" wrap="square" lIns="91425" tIns="91425" rIns="91425" bIns="91425" anchor="t" anchorCtr="0">
             <a:normAutofit/>
           </a:bodyPr>
           <a:lstStyle/>
           <a:p>
-            <a:pPr indent="-342900" lvl="0" marL="457200" rtl="0" algn="l">
+            <a:pPr marL="457200" lvl="0" indent="-342900" algn="l" rtl="0">
               <a:spcBef>
                 <a:spcPts val="0"/>
               </a:spcBef>
@@ -7567,11 +7767,11 @@
 </file>
 
 <file path=ppt/slides/slide2.xml><?xml version="1.0" encoding="utf-8"?>
-<p:sld xmlns:a="http://schemas.openxmlformats.org/drawingml/2006/main" xmlns:r="http://schemas.openxmlformats.org/officeDocument/2006/relationships" xmlns:mc="http://schemas.openxmlformats.org/markup-compatibility/2006" xmlns:mv="urn:schemas-microsoft-com:mac:vml" xmlns:p="http://schemas.openxmlformats.org/presentationml/2006/main" xmlns:c="http://schemas.openxmlformats.org/drawingml/2006/chart" xmlns:dgm="http://schemas.openxmlformats.org/drawingml/2006/diagram" xmlns:o="urn:schemas-microsoft-com:office:office" xmlns:v="urn:schemas-microsoft-com:vml" xmlns:pvml="urn:schemas-microsoft-com:office:powerpoint" xmlns:com="http://schemas.openxmlformats.org/drawingml/2006/compatibility" xmlns:p14="http://schemas.microsoft.com/office/powerpoint/2010/main" xmlns:p15="http://schemas.microsoft.com/office/powerpoint/2012/main" xmlns:ahyp="http://schemas.microsoft.com/office/drawing/2018/hyperlinkcolor">
+<p:sld xmlns:a="http://schemas.openxmlformats.org/drawingml/2006/main" xmlns:r="http://schemas.openxmlformats.org/officeDocument/2006/relationships" xmlns:p="http://schemas.openxmlformats.org/presentationml/2006/main">
   <p:cSld>
     <p:spTree>
       <p:nvGrpSpPr>
-        <p:cNvPr id="59" name="Shape 59"/>
+        <p:cNvPr id="1" name="Shape 59"/>
         <p:cNvGrpSpPr/>
         <p:nvPr/>
       </p:nvGrpSpPr>
@@ -7586,7 +7786,9 @@
       <p:sp>
         <p:nvSpPr>
           <p:cNvPr id="60" name="Google Shape;60;p14"/>
-          <p:cNvSpPr txBox="1"/>
+          <p:cNvSpPr txBox="1">
+            <a:spLocks noGrp="1"/>
+          </p:cNvSpPr>
           <p:nvPr>
             <p:ph type="title"/>
           </p:nvPr>
@@ -7601,12 +7803,12 @@
           </a:prstGeom>
         </p:spPr>
         <p:txBody>
-          <a:bodyPr anchorCtr="0" anchor="t" bIns="91425" lIns="91425" spcFirstLastPara="1" rIns="91425" wrap="square" tIns="91425">
+          <a:bodyPr spcFirstLastPara="1" wrap="square" lIns="91425" tIns="91425" rIns="91425" bIns="91425" anchor="t" anchorCtr="0">
             <a:normAutofit fontScale="90000"/>
           </a:bodyPr>
           <a:lstStyle/>
           <a:p>
-            <a:pPr indent="0" lvl="0" marL="0" rtl="0" algn="l">
+            <a:pPr marL="0" lvl="0" indent="0" algn="l" rtl="0">
               <a:spcBef>
                 <a:spcPts val="0"/>
               </a:spcBef>
@@ -7626,9 +7828,11 @@
       <p:sp>
         <p:nvSpPr>
           <p:cNvPr id="61" name="Google Shape;61;p14"/>
-          <p:cNvSpPr txBox="1"/>
+          <p:cNvSpPr txBox="1">
+            <a:spLocks noGrp="1"/>
+          </p:cNvSpPr>
           <p:nvPr>
-            <p:ph idx="1" type="body"/>
+            <p:ph type="body" idx="1"/>
           </p:nvPr>
         </p:nvSpPr>
         <p:spPr>
@@ -7641,12 +7845,12 @@
           </a:prstGeom>
         </p:spPr>
         <p:txBody>
-          <a:bodyPr anchorCtr="0" anchor="t" bIns="91425" lIns="91425" spcFirstLastPara="1" rIns="91425" wrap="square" tIns="91425">
+          <a:bodyPr spcFirstLastPara="1" wrap="square" lIns="91425" tIns="91425" rIns="91425" bIns="91425" anchor="t" anchorCtr="0">
             <a:normAutofit/>
           </a:bodyPr>
           <a:lstStyle/>
           <a:p>
-            <a:pPr indent="-342900" lvl="0" marL="457200" rtl="0" algn="l">
+            <a:pPr marL="457200" lvl="0" indent="-342900" algn="l" rtl="0">
               <a:spcBef>
                 <a:spcPts val="0"/>
               </a:spcBef>
@@ -7663,7 +7867,7 @@
             <a:endParaRPr/>
           </a:p>
           <a:p>
-            <a:pPr indent="-342900" lvl="0" marL="457200" rtl="0" algn="l">
+            <a:pPr marL="457200" lvl="0" indent="-342900" algn="l" rtl="0">
               <a:spcBef>
                 <a:spcPts val="0"/>
               </a:spcBef>
@@ -7680,7 +7884,7 @@
             <a:endParaRPr/>
           </a:p>
           <a:p>
-            <a:pPr indent="-342900" lvl="0" marL="457200" rtl="0" algn="l">
+            <a:pPr marL="457200" lvl="0" indent="-342900" algn="l" rtl="0">
               <a:spcBef>
                 <a:spcPts val="0"/>
               </a:spcBef>
@@ -7707,11 +7911,11 @@
 </file>
 
 <file path=ppt/slides/slide3.xml><?xml version="1.0" encoding="utf-8"?>
-<p:sld xmlns:a="http://schemas.openxmlformats.org/drawingml/2006/main" xmlns:r="http://schemas.openxmlformats.org/officeDocument/2006/relationships" xmlns:mc="http://schemas.openxmlformats.org/markup-compatibility/2006" xmlns:mv="urn:schemas-microsoft-com:mac:vml" xmlns:p="http://schemas.openxmlformats.org/presentationml/2006/main" xmlns:c="http://schemas.openxmlformats.org/drawingml/2006/chart" xmlns:dgm="http://schemas.openxmlformats.org/drawingml/2006/diagram" xmlns:o="urn:schemas-microsoft-com:office:office" xmlns:v="urn:schemas-microsoft-com:vml" xmlns:pvml="urn:schemas-microsoft-com:office:powerpoint" xmlns:com="http://schemas.openxmlformats.org/drawingml/2006/compatibility" xmlns:p14="http://schemas.microsoft.com/office/powerpoint/2010/main" xmlns:p15="http://schemas.microsoft.com/office/powerpoint/2012/main" xmlns:ahyp="http://schemas.microsoft.com/office/drawing/2018/hyperlinkcolor">
+<p:sld xmlns:a="http://schemas.openxmlformats.org/drawingml/2006/main" xmlns:r="http://schemas.openxmlformats.org/officeDocument/2006/relationships" xmlns:p="http://schemas.openxmlformats.org/presentationml/2006/main">
   <p:cSld>
     <p:spTree>
       <p:nvGrpSpPr>
-        <p:cNvPr id="65" name="Shape 65"/>
+        <p:cNvPr id="1" name="Shape 65"/>
         <p:cNvGrpSpPr/>
         <p:nvPr/>
       </p:nvGrpSpPr>
@@ -7726,7 +7930,9 @@
       <p:sp>
         <p:nvSpPr>
           <p:cNvPr id="66" name="Google Shape;66;p15"/>
-          <p:cNvSpPr txBox="1"/>
+          <p:cNvSpPr txBox="1">
+            <a:spLocks noGrp="1"/>
+          </p:cNvSpPr>
           <p:nvPr>
             <p:ph type="title"/>
           </p:nvPr>
@@ -7741,12 +7947,12 @@
           </a:prstGeom>
         </p:spPr>
         <p:txBody>
-          <a:bodyPr anchorCtr="0" anchor="t" bIns="91425" lIns="91425" spcFirstLastPara="1" rIns="91425" wrap="square" tIns="91425">
+          <a:bodyPr spcFirstLastPara="1" wrap="square" lIns="91425" tIns="91425" rIns="91425" bIns="91425" anchor="t" anchorCtr="0">
             <a:normAutofit fontScale="90000"/>
           </a:bodyPr>
           <a:lstStyle/>
           <a:p>
-            <a:pPr indent="0" lvl="0" marL="0" rtl="0" algn="l">
+            <a:pPr marL="0" lvl="0" indent="0" algn="l" rtl="0">
               <a:spcBef>
                 <a:spcPts val="0"/>
               </a:spcBef>
@@ -7766,9 +7972,11 @@
       <p:sp>
         <p:nvSpPr>
           <p:cNvPr id="67" name="Google Shape;67;p15"/>
-          <p:cNvSpPr txBox="1"/>
+          <p:cNvSpPr txBox="1">
+            <a:spLocks noGrp="1"/>
+          </p:cNvSpPr>
           <p:nvPr>
-            <p:ph idx="1" type="body"/>
+            <p:ph type="body" idx="1"/>
           </p:nvPr>
         </p:nvSpPr>
         <p:spPr>
@@ -7781,12 +7989,12 @@
           </a:prstGeom>
         </p:spPr>
         <p:txBody>
-          <a:bodyPr anchorCtr="0" anchor="t" bIns="91425" lIns="91425" spcFirstLastPara="1" rIns="91425" wrap="square" tIns="91425">
+          <a:bodyPr spcFirstLastPara="1" wrap="square" lIns="91425" tIns="91425" rIns="91425" bIns="91425" anchor="t" anchorCtr="0">
             <a:normAutofit/>
           </a:bodyPr>
           <a:lstStyle/>
           <a:p>
-            <a:pPr indent="-342900" lvl="0" marL="457200" rtl="0" algn="l">
+            <a:pPr marL="457200" lvl="0" indent="-342900" algn="l" rtl="0">
               <a:spcBef>
                 <a:spcPts val="0"/>
               </a:spcBef>
@@ -7803,7 +8011,7 @@
             <a:endParaRPr/>
           </a:p>
           <a:p>
-            <a:pPr indent="-342900" lvl="0" marL="457200" rtl="0" algn="l">
+            <a:pPr marL="457200" lvl="0" indent="-342900" algn="l" rtl="0">
               <a:spcBef>
                 <a:spcPts val="0"/>
               </a:spcBef>
@@ -7830,11 +8038,11 @@
 </file>
 
 <file path=ppt/slides/slide4.xml><?xml version="1.0" encoding="utf-8"?>
-<p:sld xmlns:a="http://schemas.openxmlformats.org/drawingml/2006/main" xmlns:r="http://schemas.openxmlformats.org/officeDocument/2006/relationships" xmlns:mc="http://schemas.openxmlformats.org/markup-compatibility/2006" xmlns:mv="urn:schemas-microsoft-com:mac:vml" xmlns:p="http://schemas.openxmlformats.org/presentationml/2006/main" xmlns:c="http://schemas.openxmlformats.org/drawingml/2006/chart" xmlns:dgm="http://schemas.openxmlformats.org/drawingml/2006/diagram" xmlns:o="urn:schemas-microsoft-com:office:office" xmlns:v="urn:schemas-microsoft-com:vml" xmlns:pvml="urn:schemas-microsoft-com:office:powerpoint" xmlns:com="http://schemas.openxmlformats.org/drawingml/2006/compatibility" xmlns:p14="http://schemas.microsoft.com/office/powerpoint/2010/main" xmlns:p15="http://schemas.microsoft.com/office/powerpoint/2012/main" xmlns:ahyp="http://schemas.microsoft.com/office/drawing/2018/hyperlinkcolor">
+<p:sld xmlns:a="http://schemas.openxmlformats.org/drawingml/2006/main" xmlns:r="http://schemas.openxmlformats.org/officeDocument/2006/relationships" xmlns:p="http://schemas.openxmlformats.org/presentationml/2006/main">
   <p:cSld>
     <p:spTree>
       <p:nvGrpSpPr>
-        <p:cNvPr id="71" name="Shape 71"/>
+        <p:cNvPr id="1" name="Shape 71"/>
         <p:cNvGrpSpPr/>
         <p:nvPr/>
       </p:nvGrpSpPr>
@@ -7849,7 +8057,9 @@
       <p:sp>
         <p:nvSpPr>
           <p:cNvPr id="72" name="Google Shape;72;p16"/>
-          <p:cNvSpPr txBox="1"/>
+          <p:cNvSpPr txBox="1">
+            <a:spLocks noGrp="1"/>
+          </p:cNvSpPr>
           <p:nvPr>
             <p:ph type="title"/>
           </p:nvPr>
@@ -7864,12 +8074,12 @@
           </a:prstGeom>
         </p:spPr>
         <p:txBody>
-          <a:bodyPr anchorCtr="0" anchor="t" bIns="91425" lIns="91425" spcFirstLastPara="1" rIns="91425" wrap="square" tIns="91425">
+          <a:bodyPr spcFirstLastPara="1" wrap="square" lIns="91425" tIns="91425" rIns="91425" bIns="91425" anchor="t" anchorCtr="0">
             <a:normAutofit fontScale="90000"/>
           </a:bodyPr>
           <a:lstStyle/>
           <a:p>
-            <a:pPr indent="0" lvl="0" marL="0" rtl="0" algn="l">
+            <a:pPr marL="0" lvl="0" indent="0" algn="l" rtl="0">
               <a:spcBef>
                 <a:spcPts val="0"/>
               </a:spcBef>
@@ -7889,9 +8099,11 @@
       <p:sp>
         <p:nvSpPr>
           <p:cNvPr id="73" name="Google Shape;73;p16"/>
-          <p:cNvSpPr txBox="1"/>
+          <p:cNvSpPr txBox="1">
+            <a:spLocks noGrp="1"/>
+          </p:cNvSpPr>
           <p:nvPr>
-            <p:ph idx="1" type="body"/>
+            <p:ph type="body" idx="1"/>
           </p:nvPr>
         </p:nvSpPr>
         <p:spPr>
@@ -7904,12 +8116,12 @@
           </a:prstGeom>
         </p:spPr>
         <p:txBody>
-          <a:bodyPr anchorCtr="0" anchor="t" bIns="91425" lIns="91425" spcFirstLastPara="1" rIns="91425" wrap="square" tIns="91425">
+          <a:bodyPr spcFirstLastPara="1" wrap="square" lIns="91425" tIns="91425" rIns="91425" bIns="91425" anchor="t" anchorCtr="0">
             <a:normAutofit/>
           </a:bodyPr>
           <a:lstStyle/>
           <a:p>
-            <a:pPr indent="-342900" lvl="0" marL="457200" rtl="0" algn="l">
+            <a:pPr marL="457200" lvl="0" indent="-342900" algn="l" rtl="0">
               <a:spcBef>
                 <a:spcPts val="0"/>
               </a:spcBef>
@@ -7926,7 +8138,7 @@
             <a:endParaRPr/>
           </a:p>
           <a:p>
-            <a:pPr indent="-342900" lvl="0" marL="457200" rtl="0" algn="l">
+            <a:pPr marL="457200" lvl="0" indent="-342900" algn="l" rtl="0">
               <a:spcBef>
                 <a:spcPts val="0"/>
               </a:spcBef>
@@ -7943,7 +8155,7 @@
             <a:endParaRPr/>
           </a:p>
           <a:p>
-            <a:pPr indent="-342900" lvl="0" marL="457200" rtl="0" algn="l">
+            <a:pPr marL="457200" lvl="0" indent="-342900" algn="l" rtl="0">
               <a:spcBef>
                 <a:spcPts val="0"/>
               </a:spcBef>
@@ -7970,11 +8182,11 @@
 </file>
 
 <file path=ppt/slides/slide5.xml><?xml version="1.0" encoding="utf-8"?>
-<p:sld xmlns:a="http://schemas.openxmlformats.org/drawingml/2006/main" xmlns:r="http://schemas.openxmlformats.org/officeDocument/2006/relationships" xmlns:mc="http://schemas.openxmlformats.org/markup-compatibility/2006" xmlns:mv="urn:schemas-microsoft-com:mac:vml" xmlns:p="http://schemas.openxmlformats.org/presentationml/2006/main" xmlns:c="http://schemas.openxmlformats.org/drawingml/2006/chart" xmlns:dgm="http://schemas.openxmlformats.org/drawingml/2006/diagram" xmlns:o="urn:schemas-microsoft-com:office:office" xmlns:v="urn:schemas-microsoft-com:vml" xmlns:pvml="urn:schemas-microsoft-com:office:powerpoint" xmlns:com="http://schemas.openxmlformats.org/drawingml/2006/compatibility" xmlns:p14="http://schemas.microsoft.com/office/powerpoint/2010/main" xmlns:p15="http://schemas.microsoft.com/office/powerpoint/2012/main" xmlns:ahyp="http://schemas.microsoft.com/office/drawing/2018/hyperlinkcolor">
+<p:sld xmlns:a="http://schemas.openxmlformats.org/drawingml/2006/main" xmlns:r="http://schemas.openxmlformats.org/officeDocument/2006/relationships" xmlns:p="http://schemas.openxmlformats.org/presentationml/2006/main">
   <p:cSld>
     <p:spTree>
       <p:nvGrpSpPr>
-        <p:cNvPr id="77" name="Shape 77"/>
+        <p:cNvPr id="1" name="Shape 77"/>
         <p:cNvGrpSpPr/>
         <p:nvPr/>
       </p:nvGrpSpPr>
@@ -7989,7 +8201,9 @@
       <p:sp>
         <p:nvSpPr>
           <p:cNvPr id="78" name="Google Shape;78;p17"/>
-          <p:cNvSpPr txBox="1"/>
+          <p:cNvSpPr txBox="1">
+            <a:spLocks noGrp="1"/>
+          </p:cNvSpPr>
           <p:nvPr>
             <p:ph type="title"/>
           </p:nvPr>
@@ -8004,12 +8218,12 @@
           </a:prstGeom>
         </p:spPr>
         <p:txBody>
-          <a:bodyPr anchorCtr="0" anchor="t" bIns="91425" lIns="91425" spcFirstLastPara="1" rIns="91425" wrap="square" tIns="91425">
+          <a:bodyPr spcFirstLastPara="1" wrap="square" lIns="91425" tIns="91425" rIns="91425" bIns="91425" anchor="t" anchorCtr="0">
             <a:normAutofit fontScale="90000"/>
           </a:bodyPr>
           <a:lstStyle/>
           <a:p>
-            <a:pPr indent="0" lvl="0" marL="0" rtl="0" algn="l">
+            <a:pPr marL="0" lvl="0" indent="0" algn="l" rtl="0">
               <a:spcBef>
                 <a:spcPts val="0"/>
               </a:spcBef>
@@ -8029,9 +8243,11 @@
       <p:sp>
         <p:nvSpPr>
           <p:cNvPr id="79" name="Google Shape;79;p17"/>
-          <p:cNvSpPr txBox="1"/>
+          <p:cNvSpPr txBox="1">
+            <a:spLocks noGrp="1"/>
+          </p:cNvSpPr>
           <p:nvPr>
-            <p:ph idx="1" type="body"/>
+            <p:ph type="body" idx="1"/>
           </p:nvPr>
         </p:nvSpPr>
         <p:spPr>
@@ -8044,12 +8260,12 @@
           </a:prstGeom>
         </p:spPr>
         <p:txBody>
-          <a:bodyPr anchorCtr="0" anchor="t" bIns="91425" lIns="91425" spcFirstLastPara="1" rIns="91425" wrap="square" tIns="91425">
+          <a:bodyPr spcFirstLastPara="1" wrap="square" lIns="91425" tIns="91425" rIns="91425" bIns="91425" anchor="t" anchorCtr="0">
             <a:normAutofit/>
           </a:bodyPr>
           <a:lstStyle/>
           <a:p>
-            <a:pPr indent="-342900" lvl="0" marL="457200" rtl="0" algn="l">
+            <a:pPr marL="457200" lvl="0" indent="-342900" algn="l" rtl="0">
               <a:spcBef>
                 <a:spcPts val="0"/>
               </a:spcBef>
@@ -8066,7 +8282,7 @@
             <a:endParaRPr/>
           </a:p>
           <a:p>
-            <a:pPr indent="-342900" lvl="0" marL="457200" rtl="0" algn="l">
+            <a:pPr marL="457200" lvl="0" indent="-342900" algn="l" rtl="0">
               <a:spcBef>
                 <a:spcPts val="0"/>
               </a:spcBef>
@@ -8083,7 +8299,7 @@
             <a:endParaRPr/>
           </a:p>
           <a:p>
-            <a:pPr indent="-342900" lvl="0" marL="457200" rtl="0" algn="l">
+            <a:pPr marL="457200" lvl="0" indent="-342900" algn="l" rtl="0">
               <a:spcBef>
                 <a:spcPts val="0"/>
               </a:spcBef>
@@ -8110,11 +8326,11 @@
 </file>
 
 <file path=ppt/slides/slide6.xml><?xml version="1.0" encoding="utf-8"?>
-<p:sld xmlns:a="http://schemas.openxmlformats.org/drawingml/2006/main" xmlns:r="http://schemas.openxmlformats.org/officeDocument/2006/relationships" xmlns:mc="http://schemas.openxmlformats.org/markup-compatibility/2006" xmlns:mv="urn:schemas-microsoft-com:mac:vml" xmlns:p="http://schemas.openxmlformats.org/presentationml/2006/main" xmlns:c="http://schemas.openxmlformats.org/drawingml/2006/chart" xmlns:dgm="http://schemas.openxmlformats.org/drawingml/2006/diagram" xmlns:o="urn:schemas-microsoft-com:office:office" xmlns:v="urn:schemas-microsoft-com:vml" xmlns:pvml="urn:schemas-microsoft-com:office:powerpoint" xmlns:com="http://schemas.openxmlformats.org/drawingml/2006/compatibility" xmlns:p14="http://schemas.microsoft.com/office/powerpoint/2010/main" xmlns:p15="http://schemas.microsoft.com/office/powerpoint/2012/main" xmlns:ahyp="http://schemas.microsoft.com/office/drawing/2018/hyperlinkcolor">
+<p:sld xmlns:a="http://schemas.openxmlformats.org/drawingml/2006/main" xmlns:r="http://schemas.openxmlformats.org/officeDocument/2006/relationships" xmlns:p="http://schemas.openxmlformats.org/presentationml/2006/main">
   <p:cSld>
     <p:spTree>
       <p:nvGrpSpPr>
-        <p:cNvPr id="83" name="Shape 83"/>
+        <p:cNvPr id="1" name="Shape 83"/>
         <p:cNvGrpSpPr/>
         <p:nvPr/>
       </p:nvGrpSpPr>
@@ -8129,7 +8345,9 @@
       <p:sp>
         <p:nvSpPr>
           <p:cNvPr id="84" name="Google Shape;84;p18"/>
-          <p:cNvSpPr txBox="1"/>
+          <p:cNvSpPr txBox="1">
+            <a:spLocks noGrp="1"/>
+          </p:cNvSpPr>
           <p:nvPr>
             <p:ph type="title"/>
           </p:nvPr>
@@ -8144,12 +8362,12 @@
           </a:prstGeom>
         </p:spPr>
         <p:txBody>
-          <a:bodyPr anchorCtr="0" anchor="t" bIns="91425" lIns="91425" spcFirstLastPara="1" rIns="91425" wrap="square" tIns="91425">
+          <a:bodyPr spcFirstLastPara="1" wrap="square" lIns="91425" tIns="91425" rIns="91425" bIns="91425" anchor="t" anchorCtr="0">
             <a:normAutofit fontScale="90000"/>
           </a:bodyPr>
           <a:lstStyle/>
           <a:p>
-            <a:pPr indent="0" lvl="0" marL="0" rtl="0" algn="l">
+            <a:pPr marL="0" lvl="0" indent="0" algn="l" rtl="0">
               <a:spcBef>
                 <a:spcPts val="0"/>
               </a:spcBef>
@@ -8169,9 +8387,11 @@
       <p:sp>
         <p:nvSpPr>
           <p:cNvPr id="85" name="Google Shape;85;p18"/>
-          <p:cNvSpPr txBox="1"/>
+          <p:cNvSpPr txBox="1">
+            <a:spLocks noGrp="1"/>
+          </p:cNvSpPr>
           <p:nvPr>
-            <p:ph idx="1" type="body"/>
+            <p:ph type="body" idx="1"/>
           </p:nvPr>
         </p:nvSpPr>
         <p:spPr>
@@ -8184,12 +8404,12 @@
           </a:prstGeom>
         </p:spPr>
         <p:txBody>
-          <a:bodyPr anchorCtr="0" anchor="t" bIns="91425" lIns="91425" spcFirstLastPara="1" rIns="91425" wrap="square" tIns="91425">
+          <a:bodyPr spcFirstLastPara="1" wrap="square" lIns="91425" tIns="91425" rIns="91425" bIns="91425" anchor="t" anchorCtr="0">
             <a:normAutofit/>
           </a:bodyPr>
           <a:lstStyle/>
           <a:p>
-            <a:pPr indent="0" lvl="0" marL="0" rtl="0" algn="l">
+            <a:pPr marL="0" lvl="0" indent="0" algn="l" rtl="0">
               <a:spcBef>
                 <a:spcPts val="0"/>
               </a:spcBef>
@@ -8198,9 +8418,6 @@
               </a:spcAft>
               <a:buNone/>
             </a:pPr>
-            <a:r>
-              <a:t/>
-            </a:r>
             <a:endParaRPr/>
           </a:p>
         </p:txBody>
@@ -8242,11 +8459,11 @@
 </file>
 
 <file path=ppt/slides/slide7.xml><?xml version="1.0" encoding="utf-8"?>
-<p:sld xmlns:a="http://schemas.openxmlformats.org/drawingml/2006/main" xmlns:r="http://schemas.openxmlformats.org/officeDocument/2006/relationships" xmlns:mc="http://schemas.openxmlformats.org/markup-compatibility/2006" xmlns:mv="urn:schemas-microsoft-com:mac:vml" xmlns:p="http://schemas.openxmlformats.org/presentationml/2006/main" xmlns:c="http://schemas.openxmlformats.org/drawingml/2006/chart" xmlns:dgm="http://schemas.openxmlformats.org/drawingml/2006/diagram" xmlns:o="urn:schemas-microsoft-com:office:office" xmlns:v="urn:schemas-microsoft-com:vml" xmlns:pvml="urn:schemas-microsoft-com:office:powerpoint" xmlns:com="http://schemas.openxmlformats.org/drawingml/2006/compatibility" xmlns:p14="http://schemas.microsoft.com/office/powerpoint/2010/main" xmlns:p15="http://schemas.microsoft.com/office/powerpoint/2012/main" xmlns:ahyp="http://schemas.microsoft.com/office/drawing/2018/hyperlinkcolor">
+<p:sld xmlns:a="http://schemas.openxmlformats.org/drawingml/2006/main" xmlns:r="http://schemas.openxmlformats.org/officeDocument/2006/relationships" xmlns:p="http://schemas.openxmlformats.org/presentationml/2006/main">
   <p:cSld>
     <p:spTree>
       <p:nvGrpSpPr>
-        <p:cNvPr id="90" name="Shape 90"/>
+        <p:cNvPr id="1" name="Shape 90"/>
         <p:cNvGrpSpPr/>
         <p:nvPr/>
       </p:nvGrpSpPr>
@@ -8261,7 +8478,9 @@
       <p:sp>
         <p:nvSpPr>
           <p:cNvPr id="91" name="Google Shape;91;p19"/>
-          <p:cNvSpPr txBox="1"/>
+          <p:cNvSpPr txBox="1">
+            <a:spLocks noGrp="1"/>
+          </p:cNvSpPr>
           <p:nvPr>
             <p:ph type="title"/>
           </p:nvPr>
@@ -8276,12 +8495,12 @@
           </a:prstGeom>
         </p:spPr>
         <p:txBody>
-          <a:bodyPr anchorCtr="0" anchor="t" bIns="91425" lIns="91425" spcFirstLastPara="1" rIns="91425" wrap="square" tIns="91425">
+          <a:bodyPr spcFirstLastPara="1" wrap="square" lIns="91425" tIns="91425" rIns="91425" bIns="91425" anchor="t" anchorCtr="0">
             <a:normAutofit fontScale="90000"/>
           </a:bodyPr>
           <a:lstStyle/>
           <a:p>
-            <a:pPr indent="0" lvl="0" marL="0" rtl="0" algn="l">
+            <a:pPr marL="0" lvl="0" indent="0" algn="l" rtl="0">
               <a:spcBef>
                 <a:spcPts val="0"/>
               </a:spcBef>
@@ -8301,9 +8520,11 @@
       <p:sp>
         <p:nvSpPr>
           <p:cNvPr id="92" name="Google Shape;92;p19"/>
-          <p:cNvSpPr txBox="1"/>
+          <p:cNvSpPr txBox="1">
+            <a:spLocks noGrp="1"/>
+          </p:cNvSpPr>
           <p:nvPr>
-            <p:ph idx="1" type="body"/>
+            <p:ph type="body" idx="1"/>
           </p:nvPr>
         </p:nvSpPr>
         <p:spPr>
@@ -8316,12 +8537,12 @@
           </a:prstGeom>
         </p:spPr>
         <p:txBody>
-          <a:bodyPr anchorCtr="0" anchor="t" bIns="91425" lIns="91425" spcFirstLastPara="1" rIns="91425" wrap="square" tIns="91425">
+          <a:bodyPr spcFirstLastPara="1" wrap="square" lIns="91425" tIns="91425" rIns="91425" bIns="91425" anchor="t" anchorCtr="0">
             <a:normAutofit/>
           </a:bodyPr>
           <a:lstStyle/>
           <a:p>
-            <a:pPr indent="0" lvl="0" marL="0" rtl="0" algn="l">
+            <a:pPr marL="0" lvl="0" indent="0" algn="l" rtl="0">
               <a:spcBef>
                 <a:spcPts val="0"/>
               </a:spcBef>
@@ -8330,9 +8551,6 @@
               </a:spcAft>
               <a:buNone/>
             </a:pPr>
-            <a:r>
-              <a:t/>
-            </a:r>
             <a:endParaRPr/>
           </a:p>
         </p:txBody>
@@ -8374,11 +8592,11 @@
 </file>
 
 <file path=ppt/slides/slide8.xml><?xml version="1.0" encoding="utf-8"?>
-<p:sld xmlns:a="http://schemas.openxmlformats.org/drawingml/2006/main" xmlns:r="http://schemas.openxmlformats.org/officeDocument/2006/relationships" xmlns:mc="http://schemas.openxmlformats.org/markup-compatibility/2006" xmlns:mv="urn:schemas-microsoft-com:mac:vml" xmlns:p="http://schemas.openxmlformats.org/presentationml/2006/main" xmlns:c="http://schemas.openxmlformats.org/drawingml/2006/chart" xmlns:dgm="http://schemas.openxmlformats.org/drawingml/2006/diagram" xmlns:o="urn:schemas-microsoft-com:office:office" xmlns:v="urn:schemas-microsoft-com:vml" xmlns:pvml="urn:schemas-microsoft-com:office:powerpoint" xmlns:com="http://schemas.openxmlformats.org/drawingml/2006/compatibility" xmlns:p14="http://schemas.microsoft.com/office/powerpoint/2010/main" xmlns:p15="http://schemas.microsoft.com/office/powerpoint/2012/main" xmlns:ahyp="http://schemas.microsoft.com/office/drawing/2018/hyperlinkcolor">
+<p:sld xmlns:a="http://schemas.openxmlformats.org/drawingml/2006/main" xmlns:r="http://schemas.openxmlformats.org/officeDocument/2006/relationships" xmlns:p="http://schemas.openxmlformats.org/presentationml/2006/main">
   <p:cSld>
     <p:spTree>
       <p:nvGrpSpPr>
-        <p:cNvPr id="97" name="Shape 97"/>
+        <p:cNvPr id="1" name="Shape 97"/>
         <p:cNvGrpSpPr/>
         <p:nvPr/>
       </p:nvGrpSpPr>
@@ -8393,7 +8611,9 @@
       <p:sp>
         <p:nvSpPr>
           <p:cNvPr id="98" name="Google Shape;98;p20"/>
-          <p:cNvSpPr txBox="1"/>
+          <p:cNvSpPr txBox="1">
+            <a:spLocks noGrp="1"/>
+          </p:cNvSpPr>
           <p:nvPr>
             <p:ph type="title"/>
           </p:nvPr>
@@ -8408,12 +8628,12 @@
           </a:prstGeom>
         </p:spPr>
         <p:txBody>
-          <a:bodyPr anchorCtr="0" anchor="t" bIns="91425" lIns="91425" spcFirstLastPara="1" rIns="91425" wrap="square" tIns="91425">
+          <a:bodyPr spcFirstLastPara="1" wrap="square" lIns="91425" tIns="91425" rIns="91425" bIns="91425" anchor="t" anchorCtr="0">
             <a:normAutofit fontScale="90000"/>
           </a:bodyPr>
           <a:lstStyle/>
           <a:p>
-            <a:pPr indent="0" lvl="0" marL="0" rtl="0" algn="l">
+            <a:pPr marL="0" lvl="0" indent="0" algn="l" rtl="0">
               <a:spcBef>
                 <a:spcPts val="0"/>
               </a:spcBef>
@@ -8433,9 +8653,11 @@
       <p:sp>
         <p:nvSpPr>
           <p:cNvPr id="99" name="Google Shape;99;p20"/>
-          <p:cNvSpPr txBox="1"/>
+          <p:cNvSpPr txBox="1">
+            <a:spLocks noGrp="1"/>
+          </p:cNvSpPr>
           <p:nvPr>
-            <p:ph idx="1" type="body"/>
+            <p:ph type="body" idx="1"/>
           </p:nvPr>
         </p:nvSpPr>
         <p:spPr>
@@ -8448,12 +8670,12 @@
           </a:prstGeom>
         </p:spPr>
         <p:txBody>
-          <a:bodyPr anchorCtr="0" anchor="t" bIns="91425" lIns="91425" spcFirstLastPara="1" rIns="91425" wrap="square" tIns="91425">
+          <a:bodyPr spcFirstLastPara="1" wrap="square" lIns="91425" tIns="91425" rIns="91425" bIns="91425" anchor="t" anchorCtr="0">
             <a:normAutofit/>
           </a:bodyPr>
           <a:lstStyle/>
           <a:p>
-            <a:pPr indent="0" lvl="0" marL="0" rtl="0" algn="l">
+            <a:pPr marL="0" lvl="0" indent="0" algn="l" rtl="0">
               <a:spcBef>
                 <a:spcPts val="0"/>
               </a:spcBef>
@@ -8462,9 +8684,6 @@
               </a:spcAft>
               <a:buNone/>
             </a:pPr>
-            <a:r>
-              <a:t/>
-            </a:r>
             <a:endParaRPr/>
           </a:p>
         </p:txBody>
@@ -8506,11 +8725,11 @@
 </file>
 
 <file path=ppt/slides/slide9.xml><?xml version="1.0" encoding="utf-8"?>
-<p:sld xmlns:a="http://schemas.openxmlformats.org/drawingml/2006/main" xmlns:r="http://schemas.openxmlformats.org/officeDocument/2006/relationships" xmlns:mc="http://schemas.openxmlformats.org/markup-compatibility/2006" xmlns:mv="urn:schemas-microsoft-com:mac:vml" xmlns:p="http://schemas.openxmlformats.org/presentationml/2006/main" xmlns:c="http://schemas.openxmlformats.org/drawingml/2006/chart" xmlns:dgm="http://schemas.openxmlformats.org/drawingml/2006/diagram" xmlns:o="urn:schemas-microsoft-com:office:office" xmlns:v="urn:schemas-microsoft-com:vml" xmlns:pvml="urn:schemas-microsoft-com:office:powerpoint" xmlns:com="http://schemas.openxmlformats.org/drawingml/2006/compatibility" xmlns:p14="http://schemas.microsoft.com/office/powerpoint/2010/main" xmlns:p15="http://schemas.microsoft.com/office/powerpoint/2012/main" xmlns:ahyp="http://schemas.microsoft.com/office/drawing/2018/hyperlinkcolor">
+<p:sld xmlns:a="http://schemas.openxmlformats.org/drawingml/2006/main" xmlns:r="http://schemas.openxmlformats.org/officeDocument/2006/relationships" xmlns:p="http://schemas.openxmlformats.org/presentationml/2006/main">
   <p:cSld>
     <p:spTree>
       <p:nvGrpSpPr>
-        <p:cNvPr id="104" name="Shape 104"/>
+        <p:cNvPr id="1" name="Shape 104"/>
         <p:cNvGrpSpPr/>
         <p:nvPr/>
       </p:nvGrpSpPr>
@@ -8525,7 +8744,9 @@
       <p:sp>
         <p:nvSpPr>
           <p:cNvPr id="105" name="Google Shape;105;p21"/>
-          <p:cNvSpPr txBox="1"/>
+          <p:cNvSpPr txBox="1">
+            <a:spLocks noGrp="1"/>
+          </p:cNvSpPr>
           <p:nvPr>
             <p:ph type="title"/>
           </p:nvPr>
@@ -8540,12 +8761,12 @@
           </a:prstGeom>
         </p:spPr>
         <p:txBody>
-          <a:bodyPr anchorCtr="0" anchor="t" bIns="91425" lIns="91425" spcFirstLastPara="1" rIns="91425" wrap="square" tIns="91425">
+          <a:bodyPr spcFirstLastPara="1" wrap="square" lIns="91425" tIns="91425" rIns="91425" bIns="91425" anchor="t" anchorCtr="0">
             <a:normAutofit fontScale="90000"/>
           </a:bodyPr>
           <a:lstStyle/>
           <a:p>
-            <a:pPr indent="0" lvl="0" marL="0" rtl="0" algn="l">
+            <a:pPr marL="0" lvl="0" indent="0" algn="l" rtl="0">
               <a:spcBef>
                 <a:spcPts val="0"/>
               </a:spcBef>
@@ -8565,9 +8786,11 @@
       <p:sp>
         <p:nvSpPr>
           <p:cNvPr id="106" name="Google Shape;106;p21"/>
-          <p:cNvSpPr txBox="1"/>
+          <p:cNvSpPr txBox="1">
+            <a:spLocks noGrp="1"/>
+          </p:cNvSpPr>
           <p:nvPr>
-            <p:ph idx="1" type="body"/>
+            <p:ph type="body" idx="1"/>
           </p:nvPr>
         </p:nvSpPr>
         <p:spPr>
@@ -8580,12 +8803,12 @@
           </a:prstGeom>
         </p:spPr>
         <p:txBody>
-          <a:bodyPr anchorCtr="0" anchor="t" bIns="91425" lIns="91425" spcFirstLastPara="1" rIns="91425" wrap="square" tIns="91425">
+          <a:bodyPr spcFirstLastPara="1" wrap="square" lIns="91425" tIns="91425" rIns="91425" bIns="91425" anchor="t" anchorCtr="0">
             <a:normAutofit/>
           </a:bodyPr>
           <a:lstStyle/>
           <a:p>
-            <a:pPr indent="0" lvl="0" marL="0" rtl="0" algn="l">
+            <a:pPr marL="0" lvl="0" indent="0" algn="l" rtl="0">
               <a:spcBef>
                 <a:spcPts val="0"/>
               </a:spcBef>
@@ -8594,39 +8817,38 @@
               </a:spcAft>
               <a:buNone/>
             </a:pPr>
-            <a:r>
-              <a:t/>
-            </a:r>
             <a:endParaRPr/>
           </a:p>
         </p:txBody>
       </p:sp>
       <p:pic>
         <p:nvPicPr>
-          <p:cNvPr id="107" name="Google Shape;107;p21"/>
-          <p:cNvPicPr preferRelativeResize="0"/>
+          <p:cNvPr id="3" name="Picture 2" descr="Diagram&#10;&#10;Description automatically generated">
+            <a:extLst>
+              <a:ext uri="{FF2B5EF4-FFF2-40B4-BE49-F238E27FC236}">
+                <a16:creationId xmlns:a16="http://schemas.microsoft.com/office/drawing/2014/main" id="{093196E6-4946-42AB-8F10-7DB3E4021D16}"/>
+              </a:ext>
+            </a:extLst>
+          </p:cNvPr>
+          <p:cNvPicPr>
+            <a:picLocks noChangeAspect="1"/>
+          </p:cNvPicPr>
           <p:nvPr/>
         </p:nvPicPr>
         <p:blipFill>
-          <a:blip r:embed="rId3">
-            <a:alphaModFix/>
-          </a:blip>
+          <a:blip r:embed="rId3"/>
           <a:stretch>
             <a:fillRect/>
           </a:stretch>
         </p:blipFill>
         <p:spPr>
           <a:xfrm>
-            <a:off x="1078025" y="1075712"/>
-            <a:ext cx="6987950" cy="3569925"/>
+            <a:off x="661987" y="1017725"/>
+            <a:ext cx="7820025" cy="3757662"/>
           </a:xfrm>
           <a:prstGeom prst="rect">
             <a:avLst/>
           </a:prstGeom>
-          <a:noFill/>
-          <a:ln>
-            <a:noFill/>
-          </a:ln>
         </p:spPr>
       </p:pic>
     </p:spTree>
@@ -8638,7 +8860,288 @@
 </file>
 
 <file path=ppt/theme/theme1.xml><?xml version="1.0" encoding="utf-8"?>
-<a:theme xmlns:a="http://schemas.openxmlformats.org/drawingml/2006/main" xmlns:r="http://schemas.openxmlformats.org/officeDocument/2006/relationships">
+<a:theme xmlns:a="http://schemas.openxmlformats.org/drawingml/2006/main" name="Simple Dark">
+  <a:themeElements>
+    <a:clrScheme name="Simple Dark">
+      <a:dk1>
+        <a:srgbClr val="FFFFFF"/>
+      </a:dk1>
+      <a:lt1>
+        <a:srgbClr val="212121"/>
+      </a:lt1>
+      <a:dk2>
+        <a:srgbClr val="303030"/>
+      </a:dk2>
+      <a:lt2>
+        <a:srgbClr val="ADADAD"/>
+      </a:lt2>
+      <a:accent1>
+        <a:srgbClr val="009688"/>
+      </a:accent1>
+      <a:accent2>
+        <a:srgbClr val="EEEEEE"/>
+      </a:accent2>
+      <a:accent3>
+        <a:srgbClr val="78909C"/>
+      </a:accent3>
+      <a:accent4>
+        <a:srgbClr val="FFAB40"/>
+      </a:accent4>
+      <a:accent5>
+        <a:srgbClr val="4DD0E1"/>
+      </a:accent5>
+      <a:accent6>
+        <a:srgbClr val="EEFF41"/>
+      </a:accent6>
+      <a:hlink>
+        <a:srgbClr val="4DD0E1"/>
+      </a:hlink>
+      <a:folHlink>
+        <a:srgbClr val="4DD0E1"/>
+      </a:folHlink>
+    </a:clrScheme>
+    <a:fontScheme name="Office">
+      <a:majorFont>
+        <a:latin typeface="Arial"/>
+        <a:ea typeface=""/>
+        <a:cs typeface=""/>
+        <a:font script="Jpan" typeface="ＭＳ Ｐゴシック"/>
+        <a:font script="Hang" typeface="맑은 고딕"/>
+        <a:font script="Hans" typeface="宋体"/>
+        <a:font script="Hant" typeface="新細明體"/>
+        <a:font script="Arab" typeface="Times New Roman"/>
+        <a:font script="Hebr" typeface="Times New Roman"/>
+        <a:font script="Thai" typeface="Angsana New"/>
+        <a:font script="Ethi" typeface="Nyala"/>
+        <a:font script="Beng" typeface="Vrinda"/>
+        <a:font script="Gujr" typeface="Shruti"/>
+        <a:font script="Khmr" typeface="MoolBoran"/>
+        <a:font script="Knda" typeface="Tunga"/>
+        <a:font script="Guru" typeface="Raavi"/>
+        <a:font script="Cans" typeface="Euphemia"/>
+        <a:font script="Cher" typeface="Plantagenet Cherokee"/>
+        <a:font script="Yiii" typeface="Microsoft Yi Baiti"/>
+        <a:font script="Tibt" typeface="Microsoft Himalaya"/>
+        <a:font script="Thaa" typeface="MV Boli"/>
+        <a:font script="Deva" typeface="Mangal"/>
+        <a:font script="Telu" typeface="Gautami"/>
+        <a:font script="Taml" typeface="Latha"/>
+        <a:font script="Syrc" typeface="Estrangelo Edessa"/>
+        <a:font script="Orya" typeface="Kalinga"/>
+        <a:font script="Mlym" typeface="Kartika"/>
+        <a:font script="Laoo" typeface="DokChampa"/>
+        <a:font script="Sinh" typeface="Iskoola Pota"/>
+        <a:font script="Mong" typeface="Mongolian Baiti"/>
+        <a:font script="Viet" typeface="Times New Roman"/>
+        <a:font script="Uigh" typeface="Microsoft Uighur"/>
+        <a:font script="Geor" typeface="Sylfaen"/>
+      </a:majorFont>
+      <a:minorFont>
+        <a:latin typeface="Arial"/>
+        <a:ea typeface=""/>
+        <a:cs typeface=""/>
+        <a:font script="Jpan" typeface="ＭＳ Ｐゴシック"/>
+        <a:font script="Hang" typeface="맑은 고딕"/>
+        <a:font script="Hans" typeface="宋体"/>
+        <a:font script="Hant" typeface="新細明體"/>
+        <a:font script="Arab" typeface="Arial"/>
+        <a:font script="Hebr" typeface="Arial"/>
+        <a:font script="Thai" typeface="Cordia New"/>
+        <a:font script="Ethi" typeface="Nyala"/>
+        <a:font script="Beng" typeface="Vrinda"/>
+        <a:font script="Gujr" typeface="Shruti"/>
+        <a:font script="Khmr" typeface="DaunPenh"/>
+        <a:font script="Knda" typeface="Tunga"/>
+        <a:font script="Guru" typeface="Raavi"/>
+        <a:font script="Cans" typeface="Euphemia"/>
+        <a:font script="Cher" typeface="Plantagenet Cherokee"/>
+        <a:font script="Yiii" typeface="Microsoft Yi Baiti"/>
+        <a:font script="Tibt" typeface="Microsoft Himalaya"/>
+        <a:font script="Thaa" typeface="MV Boli"/>
+        <a:font script="Deva" typeface="Mangal"/>
+        <a:font script="Telu" typeface="Gautami"/>
+        <a:font script="Taml" typeface="Latha"/>
+        <a:font script="Syrc" typeface="Estrangelo Edessa"/>
+        <a:font script="Orya" typeface="Kalinga"/>
+        <a:font script="Mlym" typeface="Kartika"/>
+        <a:font script="Laoo" typeface="DokChampa"/>
+        <a:font script="Sinh" typeface="Iskoola Pota"/>
+        <a:font script="Mong" typeface="Mongolian Baiti"/>
+        <a:font script="Viet" typeface="Arial"/>
+        <a:font script="Uigh" typeface="Microsoft Uighur"/>
+        <a:font script="Geor" typeface="Sylfaen"/>
+      </a:minorFont>
+    </a:fontScheme>
+    <a:fmtScheme name="Office">
+      <a:fillStyleLst>
+        <a:solidFill>
+          <a:schemeClr val="phClr"/>
+        </a:solidFill>
+        <a:gradFill rotWithShape="1">
+          <a:gsLst>
+            <a:gs pos="0">
+              <a:schemeClr val="phClr">
+                <a:tint val="50000"/>
+                <a:satMod val="300000"/>
+              </a:schemeClr>
+            </a:gs>
+            <a:gs pos="35000">
+              <a:schemeClr val="phClr">
+                <a:tint val="37000"/>
+                <a:satMod val="300000"/>
+              </a:schemeClr>
+            </a:gs>
+            <a:gs pos="100000">
+              <a:schemeClr val="phClr">
+                <a:tint val="15000"/>
+                <a:satMod val="350000"/>
+              </a:schemeClr>
+            </a:gs>
+          </a:gsLst>
+          <a:lin ang="16200000" scaled="1"/>
+        </a:gradFill>
+        <a:gradFill rotWithShape="1">
+          <a:gsLst>
+            <a:gs pos="0">
+              <a:schemeClr val="phClr">
+                <a:tint val="100000"/>
+                <a:shade val="100000"/>
+                <a:satMod val="130000"/>
+              </a:schemeClr>
+            </a:gs>
+            <a:gs pos="100000">
+              <a:schemeClr val="phClr">
+                <a:tint val="50000"/>
+                <a:shade val="100000"/>
+                <a:satMod val="350000"/>
+              </a:schemeClr>
+            </a:gs>
+          </a:gsLst>
+          <a:lin ang="16200000" scaled="0"/>
+        </a:gradFill>
+      </a:fillStyleLst>
+      <a:lnStyleLst>
+        <a:ln w="9525" cap="flat" cmpd="sng" algn="ctr">
+          <a:solidFill>
+            <a:schemeClr val="phClr">
+              <a:shade val="95000"/>
+              <a:satMod val="105000"/>
+            </a:schemeClr>
+          </a:solidFill>
+          <a:prstDash val="solid"/>
+        </a:ln>
+        <a:ln w="25400" cap="flat" cmpd="sng" algn="ctr">
+          <a:solidFill>
+            <a:schemeClr val="phClr"/>
+          </a:solidFill>
+          <a:prstDash val="solid"/>
+        </a:ln>
+        <a:ln w="38100" cap="flat" cmpd="sng" algn="ctr">
+          <a:solidFill>
+            <a:schemeClr val="phClr"/>
+          </a:solidFill>
+          <a:prstDash val="solid"/>
+        </a:ln>
+      </a:lnStyleLst>
+      <a:effectStyleLst>
+        <a:effectStyle>
+          <a:effectLst>
+            <a:outerShdw blurRad="40000" dist="20000" dir="5400000" rotWithShape="0">
+              <a:srgbClr val="000000">
+                <a:alpha val="38000"/>
+              </a:srgbClr>
+            </a:outerShdw>
+          </a:effectLst>
+        </a:effectStyle>
+        <a:effectStyle>
+          <a:effectLst>
+            <a:outerShdw blurRad="40000" dist="23000" dir="5400000" rotWithShape="0">
+              <a:srgbClr val="000000">
+                <a:alpha val="35000"/>
+              </a:srgbClr>
+            </a:outerShdw>
+          </a:effectLst>
+        </a:effectStyle>
+        <a:effectStyle>
+          <a:effectLst>
+            <a:outerShdw blurRad="40000" dist="23000" dir="5400000" rotWithShape="0">
+              <a:srgbClr val="000000">
+                <a:alpha val="35000"/>
+              </a:srgbClr>
+            </a:outerShdw>
+          </a:effectLst>
+          <a:scene3d>
+            <a:camera prst="orthographicFront">
+              <a:rot lat="0" lon="0" rev="0"/>
+            </a:camera>
+            <a:lightRig rig="threePt" dir="t">
+              <a:rot lat="0" lon="0" rev="1200000"/>
+            </a:lightRig>
+          </a:scene3d>
+          <a:sp3d>
+            <a:bevelT w="63500" h="25400"/>
+          </a:sp3d>
+        </a:effectStyle>
+      </a:effectStyleLst>
+      <a:bgFillStyleLst>
+        <a:solidFill>
+          <a:schemeClr val="phClr"/>
+        </a:solidFill>
+        <a:gradFill rotWithShape="1">
+          <a:gsLst>
+            <a:gs pos="0">
+              <a:schemeClr val="phClr">
+                <a:tint val="40000"/>
+                <a:satMod val="350000"/>
+              </a:schemeClr>
+            </a:gs>
+            <a:gs pos="40000">
+              <a:schemeClr val="phClr">
+                <a:tint val="45000"/>
+                <a:shade val="99000"/>
+                <a:satMod val="350000"/>
+              </a:schemeClr>
+            </a:gs>
+            <a:gs pos="100000">
+              <a:schemeClr val="phClr">
+                <a:shade val="20000"/>
+                <a:satMod val="255000"/>
+              </a:schemeClr>
+            </a:gs>
+          </a:gsLst>
+          <a:path path="circle">
+            <a:fillToRect l="50000" t="-80000" r="50000" b="180000"/>
+          </a:path>
+        </a:gradFill>
+        <a:gradFill rotWithShape="1">
+          <a:gsLst>
+            <a:gs pos="0">
+              <a:schemeClr val="phClr">
+                <a:tint val="80000"/>
+                <a:satMod val="300000"/>
+              </a:schemeClr>
+            </a:gs>
+            <a:gs pos="100000">
+              <a:schemeClr val="phClr">
+                <a:shade val="30000"/>
+                <a:satMod val="200000"/>
+              </a:schemeClr>
+            </a:gs>
+          </a:gsLst>
+          <a:path path="circle">
+            <a:fillToRect l="50000" t="50000" r="50000" b="50000"/>
+          </a:path>
+        </a:gradFill>
+      </a:bgFillStyleLst>
+    </a:fmtScheme>
+  </a:themeElements>
+  <a:objectDefaults/>
+  <a:extraClrSchemeLst/>
+</a:theme>
+</file>
+
+<file path=ppt/theme/theme2.xml><?xml version="1.0" encoding="utf-8"?>
+<a:theme xmlns:a="http://schemas.openxmlformats.org/drawingml/2006/main">
   <a:themeElements>
     <a:clrScheme name="Default">
       <a:dk1>
@@ -8913,284 +9416,7 @@
       </a:bgFillStyleLst>
     </a:fmtScheme>
   </a:themeElements>
-</a:theme>
-</file>
-
-<file path=ppt/theme/theme2.xml><?xml version="1.0" encoding="utf-8"?>
-<a:theme xmlns:a="http://schemas.openxmlformats.org/drawingml/2006/main" xmlns:r="http://schemas.openxmlformats.org/officeDocument/2006/relationships" name="Simple Dark">
-  <a:themeElements>
-    <a:clrScheme name="Simple Dark">
-      <a:dk1>
-        <a:srgbClr val="FFFFFF"/>
-      </a:dk1>
-      <a:lt1>
-        <a:srgbClr val="212121"/>
-      </a:lt1>
-      <a:dk2>
-        <a:srgbClr val="303030"/>
-      </a:dk2>
-      <a:lt2>
-        <a:srgbClr val="ADADAD"/>
-      </a:lt2>
-      <a:accent1>
-        <a:srgbClr val="009688"/>
-      </a:accent1>
-      <a:accent2>
-        <a:srgbClr val="EEEEEE"/>
-      </a:accent2>
-      <a:accent3>
-        <a:srgbClr val="78909C"/>
-      </a:accent3>
-      <a:accent4>
-        <a:srgbClr val="FFAB40"/>
-      </a:accent4>
-      <a:accent5>
-        <a:srgbClr val="4DD0E1"/>
-      </a:accent5>
-      <a:accent6>
-        <a:srgbClr val="EEFF41"/>
-      </a:accent6>
-      <a:hlink>
-        <a:srgbClr val="4DD0E1"/>
-      </a:hlink>
-      <a:folHlink>
-        <a:srgbClr val="4DD0E1"/>
-      </a:folHlink>
-    </a:clrScheme>
-    <a:fontScheme name="Office">
-      <a:majorFont>
-        <a:latin typeface="Arial"/>
-        <a:ea typeface=""/>
-        <a:cs typeface=""/>
-        <a:font script="Jpan" typeface="ＭＳ Ｐゴシック"/>
-        <a:font script="Hang" typeface="맑은 고딕"/>
-        <a:font script="Hans" typeface="宋体"/>
-        <a:font script="Hant" typeface="新細明體"/>
-        <a:font script="Arab" typeface="Times New Roman"/>
-        <a:font script="Hebr" typeface="Times New Roman"/>
-        <a:font script="Thai" typeface="Angsana New"/>
-        <a:font script="Ethi" typeface="Nyala"/>
-        <a:font script="Beng" typeface="Vrinda"/>
-        <a:font script="Gujr" typeface="Shruti"/>
-        <a:font script="Khmr" typeface="MoolBoran"/>
-        <a:font script="Knda" typeface="Tunga"/>
-        <a:font script="Guru" typeface="Raavi"/>
-        <a:font script="Cans" typeface="Euphemia"/>
-        <a:font script="Cher" typeface="Plantagenet Cherokee"/>
-        <a:font script="Yiii" typeface="Microsoft Yi Baiti"/>
-        <a:font script="Tibt" typeface="Microsoft Himalaya"/>
-        <a:font script="Thaa" typeface="MV Boli"/>
-        <a:font script="Deva" typeface="Mangal"/>
-        <a:font script="Telu" typeface="Gautami"/>
-        <a:font script="Taml" typeface="Latha"/>
-        <a:font script="Syrc" typeface="Estrangelo Edessa"/>
-        <a:font script="Orya" typeface="Kalinga"/>
-        <a:font script="Mlym" typeface="Kartika"/>
-        <a:font script="Laoo" typeface="DokChampa"/>
-        <a:font script="Sinh" typeface="Iskoola Pota"/>
-        <a:font script="Mong" typeface="Mongolian Baiti"/>
-        <a:font script="Viet" typeface="Times New Roman"/>
-        <a:font script="Uigh" typeface="Microsoft Uighur"/>
-        <a:font script="Geor" typeface="Sylfaen"/>
-      </a:majorFont>
-      <a:minorFont>
-        <a:latin typeface="Arial"/>
-        <a:ea typeface=""/>
-        <a:cs typeface=""/>
-        <a:font script="Jpan" typeface="ＭＳ Ｐゴシック"/>
-        <a:font script="Hang" typeface="맑은 고딕"/>
-        <a:font script="Hans" typeface="宋体"/>
-        <a:font script="Hant" typeface="新細明體"/>
-        <a:font script="Arab" typeface="Arial"/>
-        <a:font script="Hebr" typeface="Arial"/>
-        <a:font script="Thai" typeface="Cordia New"/>
-        <a:font script="Ethi" typeface="Nyala"/>
-        <a:font script="Beng" typeface="Vrinda"/>
-        <a:font script="Gujr" typeface="Shruti"/>
-        <a:font script="Khmr" typeface="DaunPenh"/>
-        <a:font script="Knda" typeface="Tunga"/>
-        <a:font script="Guru" typeface="Raavi"/>
-        <a:font script="Cans" typeface="Euphemia"/>
-        <a:font script="Cher" typeface="Plantagenet Cherokee"/>
-        <a:font script="Yiii" typeface="Microsoft Yi Baiti"/>
-        <a:font script="Tibt" typeface="Microsoft Himalaya"/>
-        <a:font script="Thaa" typeface="MV Boli"/>
-        <a:font script="Deva" typeface="Mangal"/>
-        <a:font script="Telu" typeface="Gautami"/>
-        <a:font script="Taml" typeface="Latha"/>
-        <a:font script="Syrc" typeface="Estrangelo Edessa"/>
-        <a:font script="Orya" typeface="Kalinga"/>
-        <a:font script="Mlym" typeface="Kartika"/>
-        <a:font script="Laoo" typeface="DokChampa"/>
-        <a:font script="Sinh" typeface="Iskoola Pota"/>
-        <a:font script="Mong" typeface="Mongolian Baiti"/>
-        <a:font script="Viet" typeface="Arial"/>
-        <a:font script="Uigh" typeface="Microsoft Uighur"/>
-        <a:font script="Geor" typeface="Sylfaen"/>
-      </a:minorFont>
-    </a:fontScheme>
-    <a:fmtScheme name="Office">
-      <a:fillStyleLst>
-        <a:solidFill>
-          <a:schemeClr val="phClr"/>
-        </a:solidFill>
-        <a:gradFill rotWithShape="1">
-          <a:gsLst>
-            <a:gs pos="0">
-              <a:schemeClr val="phClr">
-                <a:tint val="50000"/>
-                <a:satMod val="300000"/>
-              </a:schemeClr>
-            </a:gs>
-            <a:gs pos="35000">
-              <a:schemeClr val="phClr">
-                <a:tint val="37000"/>
-                <a:satMod val="300000"/>
-              </a:schemeClr>
-            </a:gs>
-            <a:gs pos="100000">
-              <a:schemeClr val="phClr">
-                <a:tint val="15000"/>
-                <a:satMod val="350000"/>
-              </a:schemeClr>
-            </a:gs>
-          </a:gsLst>
-          <a:lin ang="16200000" scaled="1"/>
-        </a:gradFill>
-        <a:gradFill rotWithShape="1">
-          <a:gsLst>
-            <a:gs pos="0">
-              <a:schemeClr val="phClr">
-                <a:tint val="100000"/>
-                <a:shade val="100000"/>
-                <a:satMod val="130000"/>
-              </a:schemeClr>
-            </a:gs>
-            <a:gs pos="100000">
-              <a:schemeClr val="phClr">
-                <a:tint val="50000"/>
-                <a:shade val="100000"/>
-                <a:satMod val="350000"/>
-              </a:schemeClr>
-            </a:gs>
-          </a:gsLst>
-          <a:lin ang="16200000" scaled="0"/>
-        </a:gradFill>
-      </a:fillStyleLst>
-      <a:lnStyleLst>
-        <a:ln w="9525" cap="flat" cmpd="sng" algn="ctr">
-          <a:solidFill>
-            <a:schemeClr val="phClr">
-              <a:shade val="95000"/>
-              <a:satMod val="105000"/>
-            </a:schemeClr>
-          </a:solidFill>
-          <a:prstDash val="solid"/>
-        </a:ln>
-        <a:ln w="25400" cap="flat" cmpd="sng" algn="ctr">
-          <a:solidFill>
-            <a:schemeClr val="phClr"/>
-          </a:solidFill>
-          <a:prstDash val="solid"/>
-        </a:ln>
-        <a:ln w="38100" cap="flat" cmpd="sng" algn="ctr">
-          <a:solidFill>
-            <a:schemeClr val="phClr"/>
-          </a:solidFill>
-          <a:prstDash val="solid"/>
-        </a:ln>
-      </a:lnStyleLst>
-      <a:effectStyleLst>
-        <a:effectStyle>
-          <a:effectLst>
-            <a:outerShdw blurRad="40000" dist="20000" dir="5400000" rotWithShape="0">
-              <a:srgbClr val="000000">
-                <a:alpha val="38000"/>
-              </a:srgbClr>
-            </a:outerShdw>
-          </a:effectLst>
-        </a:effectStyle>
-        <a:effectStyle>
-          <a:effectLst>
-            <a:outerShdw blurRad="40000" dist="23000" dir="5400000" rotWithShape="0">
-              <a:srgbClr val="000000">
-                <a:alpha val="35000"/>
-              </a:srgbClr>
-            </a:outerShdw>
-          </a:effectLst>
-        </a:effectStyle>
-        <a:effectStyle>
-          <a:effectLst>
-            <a:outerShdw blurRad="40000" dist="23000" dir="5400000" rotWithShape="0">
-              <a:srgbClr val="000000">
-                <a:alpha val="35000"/>
-              </a:srgbClr>
-            </a:outerShdw>
-          </a:effectLst>
-          <a:scene3d>
-            <a:camera prst="orthographicFront">
-              <a:rot lat="0" lon="0" rev="0"/>
-            </a:camera>
-            <a:lightRig rig="threePt" dir="t">
-              <a:rot lat="0" lon="0" rev="1200000"/>
-            </a:lightRig>
-          </a:scene3d>
-          <a:sp3d>
-            <a:bevelT w="63500" h="25400"/>
-          </a:sp3d>
-        </a:effectStyle>
-      </a:effectStyleLst>
-      <a:bgFillStyleLst>
-        <a:solidFill>
-          <a:schemeClr val="phClr"/>
-        </a:solidFill>
-        <a:gradFill rotWithShape="1">
-          <a:gsLst>
-            <a:gs pos="0">
-              <a:schemeClr val="phClr">
-                <a:tint val="40000"/>
-                <a:satMod val="350000"/>
-              </a:schemeClr>
-            </a:gs>
-            <a:gs pos="40000">
-              <a:schemeClr val="phClr">
-                <a:tint val="45000"/>
-                <a:shade val="99000"/>
-                <a:satMod val="350000"/>
-              </a:schemeClr>
-            </a:gs>
-            <a:gs pos="100000">
-              <a:schemeClr val="phClr">
-                <a:shade val="20000"/>
-                <a:satMod val="255000"/>
-              </a:schemeClr>
-            </a:gs>
-          </a:gsLst>
-          <a:path path="circle">
-            <a:fillToRect l="50000" t="-80000" r="50000" b="180000"/>
-          </a:path>
-        </a:gradFill>
-        <a:gradFill rotWithShape="1">
-          <a:gsLst>
-            <a:gs pos="0">
-              <a:schemeClr val="phClr">
-                <a:tint val="80000"/>
-                <a:satMod val="300000"/>
-              </a:schemeClr>
-            </a:gs>
-            <a:gs pos="100000">
-              <a:schemeClr val="phClr">
-                <a:shade val="30000"/>
-                <a:satMod val="200000"/>
-              </a:schemeClr>
-            </a:gs>
-          </a:gsLst>
-          <a:path path="circle">
-            <a:fillToRect l="50000" t="50000" r="50000" b="50000"/>
-          </a:path>
-        </a:gradFill>
-      </a:bgFillStyleLst>
-    </a:fmtScheme>
-  </a:themeElements>
+  <a:objectDefaults/>
+  <a:extraClrSchemeLst/>
 </a:theme>
 </file>